--- a/ABC PHARMACEUTICAL SALES ANALYSIS REPORT.pptx
+++ b/ABC PHARMACEUTICAL SALES ANALYSIS REPORT.pptx
@@ -5,24 +5,26 @@
     <p:sldMasterId id="2147483648" r:id="rId4"/>
   </p:sldMasterIdLst>
   <p:notesMasterIdLst>
-    <p:notesMasterId r:id="rId17"/>
+    <p:notesMasterId r:id="rId19"/>
   </p:notesMasterIdLst>
   <p:handoutMasterIdLst>
-    <p:handoutMasterId r:id="rId18"/>
+    <p:handoutMasterId r:id="rId20"/>
   </p:handoutMasterIdLst>
   <p:sldIdLst>
     <p:sldId id="281" r:id="rId5"/>
     <p:sldId id="278" r:id="rId6"/>
     <p:sldId id="279" r:id="rId7"/>
     <p:sldId id="296" r:id="rId8"/>
-    <p:sldId id="265" r:id="rId9"/>
-    <p:sldId id="297" r:id="rId10"/>
-    <p:sldId id="293" r:id="rId11"/>
-    <p:sldId id="294" r:id="rId12"/>
-    <p:sldId id="268" r:id="rId13"/>
-    <p:sldId id="266" r:id="rId14"/>
-    <p:sldId id="298" r:id="rId15"/>
-    <p:sldId id="282" r:id="rId16"/>
+    <p:sldId id="297" r:id="rId9"/>
+    <p:sldId id="265" r:id="rId10"/>
+    <p:sldId id="299" r:id="rId11"/>
+    <p:sldId id="300" r:id="rId12"/>
+    <p:sldId id="293" r:id="rId13"/>
+    <p:sldId id="294" r:id="rId14"/>
+    <p:sldId id="268" r:id="rId15"/>
+    <p:sldId id="266" r:id="rId16"/>
+    <p:sldId id="298" r:id="rId17"/>
+    <p:sldId id="282" r:id="rId18"/>
   </p:sldIdLst>
   <p:sldSz cx="12192000" cy="6858000"/>
   <p:notesSz cx="6858000" cy="9144000"/>
@@ -141,7 +143,7 @@
 <file path=ppt/revisionInfo.xml><?xml version="1.0" encoding="utf-8"?>
 <p1510:revInfo xmlns:a="http://schemas.openxmlformats.org/drawingml/2006/main" xmlns:r="http://schemas.openxmlformats.org/officeDocument/2006/relationships" xmlns:p1510="http://schemas.microsoft.com/office/powerpoint/2015/10/main">
   <p1510:revLst>
-    <p1510:client id="{F2B65A3C-E5AA-4FFF-B6BF-4C741745AC89}" v="68" dt="2024-12-18T23:17:15.677"/>
+    <p1510:client id="{F2B65A3C-E5AA-4FFF-B6BF-4C741745AC89}" v="100" dt="2024-12-20T09:08:32.739"/>
   </p1510:revLst>
 </p1510:revInfo>
 </file>
@@ -151,7 +153,7 @@
   <pc:docChgLst>
     <pc:chgData name="Salamah Alawiye" userId="933ff112-0deb-4b57-8bff-7b0f7ef11484" providerId="ADAL" clId="{F2B65A3C-E5AA-4FFF-B6BF-4C741745AC89}"/>
     <pc:docChg chg="undo custSel addSld delSld modSld sldOrd">
-      <pc:chgData name="Salamah Alawiye" userId="933ff112-0deb-4b57-8bff-7b0f7ef11484" providerId="ADAL" clId="{F2B65A3C-E5AA-4FFF-B6BF-4C741745AC89}" dt="2024-12-18T23:17:16.851" v="4089" actId="1036"/>
+      <pc:chgData name="Salamah Alawiye" userId="933ff112-0deb-4b57-8bff-7b0f7ef11484" providerId="ADAL" clId="{F2B65A3C-E5AA-4FFF-B6BF-4C741745AC89}" dt="2024-12-20T09:08:08.788" v="4830" actId="14100"/>
       <pc:docMkLst>
         <pc:docMk/>
       </pc:docMkLst>
@@ -163,13 +165,13 @@
         </pc:sldMkLst>
       </pc:sldChg>
       <pc:sldChg chg="modSp mod">
-        <pc:chgData name="Salamah Alawiye" userId="933ff112-0deb-4b57-8bff-7b0f7ef11484" providerId="ADAL" clId="{F2B65A3C-E5AA-4FFF-B6BF-4C741745AC89}" dt="2024-12-18T23:06:43.894" v="4066" actId="20577"/>
+        <pc:chgData name="Salamah Alawiye" userId="933ff112-0deb-4b57-8bff-7b0f7ef11484" providerId="ADAL" clId="{F2B65A3C-E5AA-4FFF-B6BF-4C741745AC89}" dt="2024-12-20T08:43:39.819" v="4813" actId="123"/>
         <pc:sldMkLst>
           <pc:docMk/>
           <pc:sldMk cId="729609147" sldId="265"/>
         </pc:sldMkLst>
         <pc:spChg chg="mod">
-          <ac:chgData name="Salamah Alawiye" userId="933ff112-0deb-4b57-8bff-7b0f7ef11484" providerId="ADAL" clId="{F2B65A3C-E5AA-4FFF-B6BF-4C741745AC89}" dt="2024-12-18T22:53:47.869" v="3208" actId="14100"/>
+          <ac:chgData name="Salamah Alawiye" userId="933ff112-0deb-4b57-8bff-7b0f7ef11484" providerId="ADAL" clId="{F2B65A3C-E5AA-4FFF-B6BF-4C741745AC89}" dt="2024-12-19T22:22:25.441" v="4384" actId="20577"/>
           <ac:spMkLst>
             <pc:docMk/>
             <pc:sldMk cId="729609147" sldId="265"/>
@@ -185,7 +187,7 @@
           </ac:spMkLst>
         </pc:spChg>
         <pc:spChg chg="mod">
-          <ac:chgData name="Salamah Alawiye" userId="933ff112-0deb-4b57-8bff-7b0f7ef11484" providerId="ADAL" clId="{F2B65A3C-E5AA-4FFF-B6BF-4C741745AC89}" dt="2024-12-18T23:06:43.894" v="4066" actId="20577"/>
+          <ac:chgData name="Salamah Alawiye" userId="933ff112-0deb-4b57-8bff-7b0f7ef11484" providerId="ADAL" clId="{F2B65A3C-E5AA-4FFF-B6BF-4C741745AC89}" dt="2024-12-20T08:43:39.819" v="4813" actId="123"/>
           <ac:spMkLst>
             <pc:docMk/>
             <pc:sldMk cId="729609147" sldId="265"/>
@@ -194,7 +196,7 @@
         </pc:spChg>
       </pc:sldChg>
       <pc:sldChg chg="addSp delSp modSp mod">
-        <pc:chgData name="Salamah Alawiye" userId="933ff112-0deb-4b57-8bff-7b0f7ef11484" providerId="ADAL" clId="{F2B65A3C-E5AA-4FFF-B6BF-4C741745AC89}" dt="2024-12-18T23:13:50.163" v="4074" actId="20577"/>
+        <pc:chgData name="Salamah Alawiye" userId="933ff112-0deb-4b57-8bff-7b0f7ef11484" providerId="ADAL" clId="{F2B65A3C-E5AA-4FFF-B6BF-4C741745AC89}" dt="2024-12-19T22:24:24.657" v="4417" actId="20577"/>
         <pc:sldMkLst>
           <pc:docMk/>
           <pc:sldMk cId="643777997" sldId="266"/>
@@ -208,19 +210,11 @@
           </ac:spMkLst>
         </pc:spChg>
         <pc:spChg chg="mod">
-          <ac:chgData name="Salamah Alawiye" userId="933ff112-0deb-4b57-8bff-7b0f7ef11484" providerId="ADAL" clId="{F2B65A3C-E5AA-4FFF-B6BF-4C741745AC89}" dt="2024-12-18T23:13:50.163" v="4074" actId="20577"/>
+          <ac:chgData name="Salamah Alawiye" userId="933ff112-0deb-4b57-8bff-7b0f7ef11484" providerId="ADAL" clId="{F2B65A3C-E5AA-4FFF-B6BF-4C741745AC89}" dt="2024-12-19T22:24:24.657" v="4417" actId="20577"/>
           <ac:spMkLst>
             <pc:docMk/>
             <pc:sldMk cId="643777997" sldId="266"/>
             <ac:spMk id="3" creationId="{05948542-FCE1-3AE6-C6C9-17975609DF70}"/>
-          </ac:spMkLst>
-        </pc:spChg>
-        <pc:spChg chg="del mod">
-          <ac:chgData name="Salamah Alawiye" userId="933ff112-0deb-4b57-8bff-7b0f7ef11484" providerId="ADAL" clId="{F2B65A3C-E5AA-4FFF-B6BF-4C741745AC89}" dt="2024-12-18T01:22:43.272" v="1264" actId="478"/>
-          <ac:spMkLst>
-            <pc:docMk/>
-            <pc:sldMk cId="643777997" sldId="266"/>
-            <ac:spMk id="4" creationId="{3EE67564-0457-E486-97D0-8109D2C97B3F}"/>
           </ac:spMkLst>
         </pc:spChg>
         <pc:spChg chg="add mod">
@@ -231,39 +225,23 @@
             <ac:spMk id="4" creationId="{C938FFC8-1028-94A9-523C-4939156FFB5B}"/>
           </ac:spMkLst>
         </pc:spChg>
-        <pc:spChg chg="del">
-          <ac:chgData name="Salamah Alawiye" userId="933ff112-0deb-4b57-8bff-7b0f7ef11484" providerId="ADAL" clId="{F2B65A3C-E5AA-4FFF-B6BF-4C741745AC89}" dt="2024-12-18T17:52:54.040" v="2327" actId="478"/>
-          <ac:spMkLst>
-            <pc:docMk/>
-            <pc:sldMk cId="643777997" sldId="266"/>
-            <ac:spMk id="5" creationId="{3EE39F69-A1C6-AF25-B91E-7EEE8ED9E9D8}"/>
-          </ac:spMkLst>
-        </pc:spChg>
       </pc:sldChg>
       <pc:sldChg chg="delSp modSp mod">
-        <pc:chgData name="Salamah Alawiye" userId="933ff112-0deb-4b57-8bff-7b0f7ef11484" providerId="ADAL" clId="{F2B65A3C-E5AA-4FFF-B6BF-4C741745AC89}" dt="2024-12-18T22:11:46.449" v="2940" actId="20577"/>
+        <pc:chgData name="Salamah Alawiye" userId="933ff112-0deb-4b57-8bff-7b0f7ef11484" providerId="ADAL" clId="{F2B65A3C-E5AA-4FFF-B6BF-4C741745AC89}" dt="2024-12-20T08:55:29.610" v="4824" actId="404"/>
         <pc:sldMkLst>
           <pc:docMk/>
           <pc:sldMk cId="4259977132" sldId="268"/>
         </pc:sldMkLst>
         <pc:spChg chg="mod">
-          <ac:chgData name="Salamah Alawiye" userId="933ff112-0deb-4b57-8bff-7b0f7ef11484" providerId="ADAL" clId="{F2B65A3C-E5AA-4FFF-B6BF-4C741745AC89}" dt="2024-12-18T01:10:07.644" v="1220" actId="2711"/>
+          <ac:chgData name="Salamah Alawiye" userId="933ff112-0deb-4b57-8bff-7b0f7ef11484" providerId="ADAL" clId="{F2B65A3C-E5AA-4FFF-B6BF-4C741745AC89}" dt="2024-12-20T08:55:29.610" v="4824" actId="404"/>
           <ac:spMkLst>
             <pc:docMk/>
             <pc:sldMk cId="4259977132" sldId="268"/>
             <ac:spMk id="2" creationId="{B7545968-70F7-0180-6448-3547E442EF4A}"/>
           </ac:spMkLst>
         </pc:spChg>
-        <pc:spChg chg="del mod">
-          <ac:chgData name="Salamah Alawiye" userId="933ff112-0deb-4b57-8bff-7b0f7ef11484" providerId="ADAL" clId="{F2B65A3C-E5AA-4FFF-B6BF-4C741745AC89}" dt="2024-12-18T01:11:15.822" v="1227" actId="478"/>
-          <ac:spMkLst>
-            <pc:docMk/>
-            <pc:sldMk cId="4259977132" sldId="268"/>
-            <ac:spMk id="8" creationId="{215CE58D-2739-522B-7C3A-6A7C985360C0}"/>
-          </ac:spMkLst>
-        </pc:spChg>
         <pc:graphicFrameChg chg="mod modGraphic">
-          <ac:chgData name="Salamah Alawiye" userId="933ff112-0deb-4b57-8bff-7b0f7ef11484" providerId="ADAL" clId="{F2B65A3C-E5AA-4FFF-B6BF-4C741745AC89}" dt="2024-12-18T22:11:46.449" v="2940" actId="20577"/>
+          <ac:chgData name="Salamah Alawiye" userId="933ff112-0deb-4b57-8bff-7b0f7ef11484" providerId="ADAL" clId="{F2B65A3C-E5AA-4FFF-B6BF-4C741745AC89}" dt="2024-12-20T08:43:18.999" v="4812" actId="120"/>
           <ac:graphicFrameMkLst>
             <pc:docMk/>
             <pc:sldMk cId="4259977132" sldId="268"/>
@@ -277,25 +255,9 @@
           <pc:docMk/>
           <pc:sldMk cId="1649597717" sldId="277"/>
         </pc:sldMkLst>
-        <pc:spChg chg="mod">
-          <ac:chgData name="Salamah Alawiye" userId="933ff112-0deb-4b57-8bff-7b0f7ef11484" providerId="ADAL" clId="{F2B65A3C-E5AA-4FFF-B6BF-4C741745AC89}" dt="2024-12-17T23:23:59.417" v="186" actId="20577"/>
-          <ac:spMkLst>
-            <pc:docMk/>
-            <pc:sldMk cId="1649597717" sldId="277"/>
-            <ac:spMk id="2" creationId="{338A15DE-D135-0710-9984-A0A55E960CB0}"/>
-          </ac:spMkLst>
-        </pc:spChg>
-        <pc:spChg chg="mod">
-          <ac:chgData name="Salamah Alawiye" userId="933ff112-0deb-4b57-8bff-7b0f7ef11484" providerId="ADAL" clId="{F2B65A3C-E5AA-4FFF-B6BF-4C741745AC89}" dt="2024-12-18T00:14:11.312" v="825" actId="20577"/>
-          <ac:spMkLst>
-            <pc:docMk/>
-            <pc:sldMk cId="1649597717" sldId="277"/>
-            <ac:spMk id="3" creationId="{ECC8AA23-D8D0-93BE-5C5F-103A750B0D2F}"/>
-          </ac:spMkLst>
-        </pc:spChg>
       </pc:sldChg>
-      <pc:sldChg chg="addSp delSp modSp mod">
-        <pc:chgData name="Salamah Alawiye" userId="933ff112-0deb-4b57-8bff-7b0f7ef11484" providerId="ADAL" clId="{F2B65A3C-E5AA-4FFF-B6BF-4C741745AC89}" dt="2024-12-18T17:47:08.077" v="2091" actId="170"/>
+      <pc:sldChg chg="addSp delSp modSp mod ord">
+        <pc:chgData name="Salamah Alawiye" userId="933ff112-0deb-4b57-8bff-7b0f7ef11484" providerId="ADAL" clId="{F2B65A3C-E5AA-4FFF-B6BF-4C741745AC89}" dt="2024-12-20T06:04:04.563" v="4425" actId="1076"/>
         <pc:sldMkLst>
           <pc:docMk/>
           <pc:sldMk cId="3930438526" sldId="278"/>
@@ -316,48 +278,16 @@
             <ac:spMk id="4" creationId="{64C1B51A-AB2A-E2B3-7E28-A2414A9D671E}"/>
           </ac:spMkLst>
         </pc:spChg>
-        <pc:spChg chg="add del mod">
-          <ac:chgData name="Salamah Alawiye" userId="933ff112-0deb-4b57-8bff-7b0f7ef11484" providerId="ADAL" clId="{F2B65A3C-E5AA-4FFF-B6BF-4C741745AC89}" dt="2024-12-18T17:06:57.384" v="2071" actId="478"/>
-          <ac:spMkLst>
-            <pc:docMk/>
-            <pc:sldMk cId="3930438526" sldId="278"/>
-            <ac:spMk id="6" creationId="{5A3D113D-AC3D-1F3E-56E5-32D792B05C5B}"/>
-          </ac:spMkLst>
-        </pc:spChg>
         <pc:spChg chg="add mod">
-          <ac:chgData name="Salamah Alawiye" userId="933ff112-0deb-4b57-8bff-7b0f7ef11484" providerId="ADAL" clId="{F2B65A3C-E5AA-4FFF-B6BF-4C741745AC89}" dt="2024-12-18T17:08:03.912" v="2084" actId="14100"/>
+          <ac:chgData name="Salamah Alawiye" userId="933ff112-0deb-4b57-8bff-7b0f7ef11484" providerId="ADAL" clId="{F2B65A3C-E5AA-4FFF-B6BF-4C741745AC89}" dt="2024-12-19T22:22:35.148" v="4394" actId="20577"/>
           <ac:spMkLst>
             <pc:docMk/>
             <pc:sldMk cId="3930438526" sldId="278"/>
             <ac:spMk id="7" creationId="{515F9B40-325D-3D19-3961-AA195C3DA70A}"/>
           </ac:spMkLst>
         </pc:spChg>
-        <pc:spChg chg="add del mod">
-          <ac:chgData name="Salamah Alawiye" userId="933ff112-0deb-4b57-8bff-7b0f7ef11484" providerId="ADAL" clId="{F2B65A3C-E5AA-4FFF-B6BF-4C741745AC89}" dt="2024-12-18T17:46:53.530" v="2089" actId="931"/>
-          <ac:spMkLst>
-            <pc:docMk/>
-            <pc:sldMk cId="3930438526" sldId="278"/>
-            <ac:spMk id="9" creationId="{A6A96471-A6AF-20DA-3348-92B62C04DD9F}"/>
-          </ac:spMkLst>
-        </pc:spChg>
-        <pc:spChg chg="del mod">
-          <ac:chgData name="Salamah Alawiye" userId="933ff112-0deb-4b57-8bff-7b0f7ef11484" providerId="ADAL" clId="{F2B65A3C-E5AA-4FFF-B6BF-4C741745AC89}" dt="2024-12-18T17:06:53.493" v="2070" actId="478"/>
-          <ac:spMkLst>
-            <pc:docMk/>
-            <pc:sldMk cId="3930438526" sldId="278"/>
-            <ac:spMk id="15" creationId="{9C373000-EEA1-D16F-189A-338FFDA2E708}"/>
-          </ac:spMkLst>
-        </pc:spChg>
-        <pc:picChg chg="add del mod">
-          <ac:chgData name="Salamah Alawiye" userId="933ff112-0deb-4b57-8bff-7b0f7ef11484" providerId="ADAL" clId="{F2B65A3C-E5AA-4FFF-B6BF-4C741745AC89}" dt="2024-12-18T17:08:16.484" v="2086" actId="478"/>
-          <ac:picMkLst>
-            <pc:docMk/>
-            <pc:sldMk cId="3930438526" sldId="278"/>
-            <ac:picMk id="3" creationId="{2F8557A2-E688-6C05-3C54-CE9095E8E51A}"/>
-          </ac:picMkLst>
-        </pc:picChg>
         <pc:picChg chg="add mod">
-          <ac:chgData name="Salamah Alawiye" userId="933ff112-0deb-4b57-8bff-7b0f7ef11484" providerId="ADAL" clId="{F2B65A3C-E5AA-4FFF-B6BF-4C741745AC89}" dt="2024-12-18T17:46:53.530" v="2089" actId="931"/>
+          <ac:chgData name="Salamah Alawiye" userId="933ff112-0deb-4b57-8bff-7b0f7ef11484" providerId="ADAL" clId="{F2B65A3C-E5AA-4FFF-B6BF-4C741745AC89}" dt="2024-12-20T06:04:04.563" v="4425" actId="1076"/>
           <ac:picMkLst>
             <pc:docMk/>
             <pc:sldMk cId="3930438526" sldId="278"/>
@@ -366,13 +296,13 @@
         </pc:picChg>
       </pc:sldChg>
       <pc:sldChg chg="modSp mod">
-        <pc:chgData name="Salamah Alawiye" userId="933ff112-0deb-4b57-8bff-7b0f7ef11484" providerId="ADAL" clId="{F2B65A3C-E5AA-4FFF-B6BF-4C741745AC89}" dt="2024-12-18T22:52:10.060" v="3180" actId="123"/>
+        <pc:chgData name="Salamah Alawiye" userId="933ff112-0deb-4b57-8bff-7b0f7ef11484" providerId="ADAL" clId="{F2B65A3C-E5AA-4FFF-B6BF-4C741745AC89}" dt="2024-12-18T23:36:14.876" v="4101" actId="20577"/>
         <pc:sldMkLst>
           <pc:docMk/>
           <pc:sldMk cId="2243159397" sldId="279"/>
         </pc:sldMkLst>
         <pc:spChg chg="mod">
-          <ac:chgData name="Salamah Alawiye" userId="933ff112-0deb-4b57-8bff-7b0f7ef11484" providerId="ADAL" clId="{F2B65A3C-E5AA-4FFF-B6BF-4C741745AC89}" dt="2024-12-18T22:52:10.060" v="3180" actId="123"/>
+          <ac:chgData name="Salamah Alawiye" userId="933ff112-0deb-4b57-8bff-7b0f7ef11484" providerId="ADAL" clId="{F2B65A3C-E5AA-4FFF-B6BF-4C741745AC89}" dt="2024-12-18T23:36:14.876" v="4101" actId="20577"/>
           <ac:spMkLst>
             <pc:docMk/>
             <pc:sldMk cId="2243159397" sldId="279"/>
@@ -441,29 +371,37 @@
         </pc:sldMkLst>
       </pc:sldChg>
       <pc:sldChg chg="addSp delSp modSp mod">
-        <pc:chgData name="Salamah Alawiye" userId="933ff112-0deb-4b57-8bff-7b0f7ef11484" providerId="ADAL" clId="{F2B65A3C-E5AA-4FFF-B6BF-4C741745AC89}" dt="2024-12-18T23:17:16.851" v="4089" actId="1036"/>
+        <pc:chgData name="Salamah Alawiye" userId="933ff112-0deb-4b57-8bff-7b0f7ef11484" providerId="ADAL" clId="{F2B65A3C-E5AA-4FFF-B6BF-4C741745AC89}" dt="2024-12-20T09:08:08.788" v="4830" actId="14100"/>
         <pc:sldMkLst>
           <pc:docMk/>
           <pc:sldMk cId="2753578114" sldId="293"/>
         </pc:sldMkLst>
-        <pc:spChg chg="add del mod">
-          <ac:chgData name="Salamah Alawiye" userId="933ff112-0deb-4b57-8bff-7b0f7ef11484" providerId="ADAL" clId="{F2B65A3C-E5AA-4FFF-B6BF-4C741745AC89}" dt="2024-12-18T22:34:54.777" v="3165"/>
+        <pc:spChg chg="mod">
+          <ac:chgData name="Salamah Alawiye" userId="933ff112-0deb-4b57-8bff-7b0f7ef11484" providerId="ADAL" clId="{F2B65A3C-E5AA-4FFF-B6BF-4C741745AC89}" dt="2024-12-19T22:23:07.271" v="4412" actId="20577"/>
           <ac:spMkLst>
             <pc:docMk/>
             <pc:sldMk cId="2753578114" sldId="293"/>
-            <ac:spMk id="6" creationId="{28EB9253-22B3-1596-1C6F-3C113B1DC9B1}"/>
+            <ac:spMk id="2" creationId="{3638E5E2-7032-26ED-F2A5-E5D099A58667}"/>
           </ac:spMkLst>
         </pc:spChg>
-        <pc:graphicFrameChg chg="del mod">
-          <ac:chgData name="Salamah Alawiye" userId="933ff112-0deb-4b57-8bff-7b0f7ef11484" providerId="ADAL" clId="{F2B65A3C-E5AA-4FFF-B6BF-4C741745AC89}" dt="2024-12-18T22:14:33.336" v="2941" actId="478"/>
+        <pc:spChg chg="add del mod">
+          <ac:chgData name="Salamah Alawiye" userId="933ff112-0deb-4b57-8bff-7b0f7ef11484" providerId="ADAL" clId="{F2B65A3C-E5AA-4FFF-B6BF-4C741745AC89}" dt="2024-12-20T09:07:19.845" v="4826"/>
+          <ac:spMkLst>
+            <pc:docMk/>
+            <pc:sldMk cId="2753578114" sldId="293"/>
+            <ac:spMk id="4" creationId="{E1C261F1-7494-547C-CAE3-57F53E88BD1E}"/>
+          </ac:spMkLst>
+        </pc:spChg>
+        <pc:graphicFrameChg chg="add mod">
+          <ac:chgData name="Salamah Alawiye" userId="933ff112-0deb-4b57-8bff-7b0f7ef11484" providerId="ADAL" clId="{F2B65A3C-E5AA-4FFF-B6BF-4C741745AC89}" dt="2024-12-20T09:08:08.788" v="4830" actId="14100"/>
           <ac:graphicFrameMkLst>
             <pc:docMk/>
             <pc:sldMk cId="2753578114" sldId="293"/>
-            <ac:graphicFrameMk id="3" creationId="{1B8D31E8-9C59-B0C4-CA50-F4E19D0D7966}"/>
+            <ac:graphicFrameMk id="6" creationId="{24685DC7-2840-2F94-7A20-060381464918}"/>
           </ac:graphicFrameMkLst>
         </pc:graphicFrameChg>
-        <pc:graphicFrameChg chg="add mod">
-          <ac:chgData name="Salamah Alawiye" userId="933ff112-0deb-4b57-8bff-7b0f7ef11484" providerId="ADAL" clId="{F2B65A3C-E5AA-4FFF-B6BF-4C741745AC89}" dt="2024-12-18T23:17:16.851" v="4089" actId="1036"/>
+        <pc:graphicFrameChg chg="add del mod">
+          <ac:chgData name="Salamah Alawiye" userId="933ff112-0deb-4b57-8bff-7b0f7ef11484" providerId="ADAL" clId="{F2B65A3C-E5AA-4FFF-B6BF-4C741745AC89}" dt="2024-12-20T09:07:13.871" v="4825" actId="478"/>
           <ac:graphicFrameMkLst>
             <pc:docMk/>
             <pc:sldMk cId="2753578114" sldId="293"/>
@@ -472,7 +410,7 @@
         </pc:graphicFrameChg>
       </pc:sldChg>
       <pc:sldChg chg="addSp delSp modSp add mod modClrScheme chgLayout">
-        <pc:chgData name="Salamah Alawiye" userId="933ff112-0deb-4b57-8bff-7b0f7ef11484" providerId="ADAL" clId="{F2B65A3C-E5AA-4FFF-B6BF-4C741745AC89}" dt="2024-12-18T22:34:42.517" v="3163" actId="1076"/>
+        <pc:chgData name="Salamah Alawiye" userId="933ff112-0deb-4b57-8bff-7b0f7ef11484" providerId="ADAL" clId="{F2B65A3C-E5AA-4FFF-B6BF-4C741745AC89}" dt="2024-12-20T08:05:27.137" v="4630" actId="20577"/>
         <pc:sldMkLst>
           <pc:docMk/>
           <pc:sldMk cId="1032200524" sldId="294"/>
@@ -485,60 +423,52 @@
             <ac:spMk id="2" creationId="{43D9D29F-9A93-19FA-65B8-64A3EB185BB5}"/>
           </ac:spMkLst>
         </pc:spChg>
-        <pc:spChg chg="add del mod">
-          <ac:chgData name="Salamah Alawiye" userId="933ff112-0deb-4b57-8bff-7b0f7ef11484" providerId="ADAL" clId="{F2B65A3C-E5AA-4FFF-B6BF-4C741745AC89}" dt="2024-12-17T22:53:12.465" v="18" actId="22"/>
-          <ac:spMkLst>
-            <pc:docMk/>
-            <pc:sldMk cId="1032200524" sldId="294"/>
-            <ac:spMk id="6" creationId="{754963E8-8450-02F0-5B55-9F2778165962}"/>
-          </ac:spMkLst>
-        </pc:spChg>
-        <pc:spChg chg="add del mod">
-          <ac:chgData name="Salamah Alawiye" userId="933ff112-0deb-4b57-8bff-7b0f7ef11484" providerId="ADAL" clId="{F2B65A3C-E5AA-4FFF-B6BF-4C741745AC89}" dt="2024-12-18T22:34:09.650" v="3109" actId="478"/>
-          <ac:spMkLst>
-            <pc:docMk/>
-            <pc:sldMk cId="1032200524" sldId="294"/>
-            <ac:spMk id="7" creationId="{7388AB8C-9EFC-2222-8A90-744F238D5D73}"/>
-          </ac:spMkLst>
-        </pc:spChg>
         <pc:spChg chg="add mod ord">
-          <ac:chgData name="Salamah Alawiye" userId="933ff112-0deb-4b57-8bff-7b0f7ef11484" providerId="ADAL" clId="{F2B65A3C-E5AA-4FFF-B6BF-4C741745AC89}" dt="2024-12-18T22:34:42.517" v="3163" actId="1076"/>
+          <ac:chgData name="Salamah Alawiye" userId="933ff112-0deb-4b57-8bff-7b0f7ef11484" providerId="ADAL" clId="{F2B65A3C-E5AA-4FFF-B6BF-4C741745AC89}" dt="2024-12-20T08:05:27.137" v="4630" actId="20577"/>
           <ac:spMkLst>
             <pc:docMk/>
             <pc:sldMk cId="1032200524" sldId="294"/>
             <ac:spMk id="9" creationId="{55194CD2-1F76-A051-5126-B1372AC103B6}"/>
           </ac:spMkLst>
         </pc:spChg>
-        <pc:graphicFrameChg chg="del">
-          <ac:chgData name="Salamah Alawiye" userId="933ff112-0deb-4b57-8bff-7b0f7ef11484" providerId="ADAL" clId="{F2B65A3C-E5AA-4FFF-B6BF-4C741745AC89}" dt="2024-12-17T22:52:06.363" v="17" actId="478"/>
-          <ac:graphicFrameMkLst>
-            <pc:docMk/>
-            <pc:sldMk cId="1032200524" sldId="294"/>
-            <ac:graphicFrameMk id="3" creationId="{A0EBCF55-67B1-92C7-0F8A-9D49BA8B2C73}"/>
-          </ac:graphicFrameMkLst>
-        </pc:graphicFrameChg>
-        <pc:picChg chg="add mod">
-          <ac:chgData name="Salamah Alawiye" userId="933ff112-0deb-4b57-8bff-7b0f7ef11484" providerId="ADAL" clId="{F2B65A3C-E5AA-4FFF-B6BF-4C741745AC89}" dt="2024-12-18T22:33:24.895" v="3103" actId="14100"/>
+        <pc:picChg chg="add del mod">
+          <ac:chgData name="Salamah Alawiye" userId="933ff112-0deb-4b57-8bff-7b0f7ef11484" providerId="ADAL" clId="{F2B65A3C-E5AA-4FFF-B6BF-4C741745AC89}" dt="2024-12-20T07:52:48.309" v="4498" actId="478"/>
           <ac:picMkLst>
             <pc:docMk/>
             <pc:sldMk cId="1032200524" sldId="294"/>
             <ac:picMk id="4" creationId="{A9227456-9021-120D-DB07-7A65A5CBD6BF}"/>
           </ac:picMkLst>
         </pc:picChg>
-        <pc:picChg chg="add del mod ord">
-          <ac:chgData name="Salamah Alawiye" userId="933ff112-0deb-4b57-8bff-7b0f7ef11484" providerId="ADAL" clId="{F2B65A3C-E5AA-4FFF-B6BF-4C741745AC89}" dt="2024-12-18T22:33:33.341" v="3104" actId="478"/>
+        <pc:picChg chg="add del mod">
+          <ac:chgData name="Salamah Alawiye" userId="933ff112-0deb-4b57-8bff-7b0f7ef11484" providerId="ADAL" clId="{F2B65A3C-E5AA-4FFF-B6BF-4C741745AC89}" dt="2024-12-20T07:54:11.197" v="4502" actId="478"/>
           <ac:picMkLst>
             <pc:docMk/>
             <pc:sldMk cId="1032200524" sldId="294"/>
-            <ac:picMk id="8" creationId="{47002826-8747-94AD-3ECA-940670817C95}"/>
+            <ac:picMk id="6" creationId="{52150725-03BC-DE88-D77F-29969F4FBCD2}"/>
           </ac:picMkLst>
         </pc:picChg>
         <pc:picChg chg="add mod">
-          <ac:chgData name="Salamah Alawiye" userId="933ff112-0deb-4b57-8bff-7b0f7ef11484" providerId="ADAL" clId="{F2B65A3C-E5AA-4FFF-B6BF-4C741745AC89}" dt="2024-12-18T22:34:03.878" v="3108" actId="14100"/>
+          <ac:chgData name="Salamah Alawiye" userId="933ff112-0deb-4b57-8bff-7b0f7ef11484" providerId="ADAL" clId="{F2B65A3C-E5AA-4FFF-B6BF-4C741745AC89}" dt="2024-12-20T07:54:27.349" v="4508" actId="14100"/>
+          <ac:picMkLst>
+            <pc:docMk/>
+            <pc:sldMk cId="1032200524" sldId="294"/>
+            <ac:picMk id="8" creationId="{436DC76E-4F81-C79E-1F84-1D581C6F5CA4}"/>
+          </ac:picMkLst>
+        </pc:picChg>
+        <pc:picChg chg="add del mod">
+          <ac:chgData name="Salamah Alawiye" userId="933ff112-0deb-4b57-8bff-7b0f7ef11484" providerId="ADAL" clId="{F2B65A3C-E5AA-4FFF-B6BF-4C741745AC89}" dt="2024-12-20T07:54:13.066" v="4503" actId="478"/>
           <ac:picMkLst>
             <pc:docMk/>
             <pc:sldMk cId="1032200524" sldId="294"/>
             <ac:picMk id="11" creationId="{61E0FE88-501D-EB85-8348-BED88922F5B7}"/>
+          </ac:picMkLst>
+        </pc:picChg>
+        <pc:picChg chg="add mod">
+          <ac:chgData name="Salamah Alawiye" userId="933ff112-0deb-4b57-8bff-7b0f7ef11484" providerId="ADAL" clId="{F2B65A3C-E5AA-4FFF-B6BF-4C741745AC89}" dt="2024-12-20T07:55:08.863" v="4512" actId="14100"/>
+          <ac:picMkLst>
+            <pc:docMk/>
+            <pc:sldMk cId="1032200524" sldId="294"/>
+            <ac:picMk id="12" creationId="{69C0DACE-13C3-3DEC-8FE3-B8C95D226350}"/>
           </ac:picMkLst>
         </pc:picChg>
       </pc:sldChg>
@@ -548,71 +478,15 @@
           <pc:docMk/>
           <pc:sldMk cId="2779991091" sldId="295"/>
         </pc:sldMkLst>
-        <pc:spChg chg="add mod">
-          <ac:chgData name="Salamah Alawiye" userId="933ff112-0deb-4b57-8bff-7b0f7ef11484" providerId="ADAL" clId="{F2B65A3C-E5AA-4FFF-B6BF-4C741745AC89}" dt="2024-12-18T22:06:52.732" v="2899" actId="478"/>
-          <ac:spMkLst>
-            <pc:docMk/>
-            <pc:sldMk cId="2779991091" sldId="295"/>
-            <ac:spMk id="4" creationId="{80A44C2B-AD3A-1DDA-287B-5EFC77A907D7}"/>
-          </ac:spMkLst>
-        </pc:spChg>
-        <pc:spChg chg="add del mod">
-          <ac:chgData name="Salamah Alawiye" userId="933ff112-0deb-4b57-8bff-7b0f7ef11484" providerId="ADAL" clId="{F2B65A3C-E5AA-4FFF-B6BF-4C741745AC89}" dt="2024-12-17T23:10:51.237" v="163"/>
-          <ac:spMkLst>
-            <pc:docMk/>
-            <pc:sldMk cId="2779991091" sldId="295"/>
-            <ac:spMk id="7" creationId="{BDB65B73-0017-DD07-6FA1-8D49D5C0D4F7}"/>
-          </ac:spMkLst>
-        </pc:spChg>
-        <pc:spChg chg="add del mod">
-          <ac:chgData name="Salamah Alawiye" userId="933ff112-0deb-4b57-8bff-7b0f7ef11484" providerId="ADAL" clId="{F2B65A3C-E5AA-4FFF-B6BF-4C741745AC89}" dt="2024-12-17T23:18:18.469" v="167"/>
-          <ac:spMkLst>
-            <pc:docMk/>
-            <pc:sldMk cId="2779991091" sldId="295"/>
-            <ac:spMk id="10" creationId="{A35CD86B-5A10-3B27-C491-707DD3DB40F9}"/>
-          </ac:spMkLst>
-        </pc:spChg>
-        <pc:graphicFrameChg chg="del mod">
-          <ac:chgData name="Salamah Alawiye" userId="933ff112-0deb-4b57-8bff-7b0f7ef11484" providerId="ADAL" clId="{F2B65A3C-E5AA-4FFF-B6BF-4C741745AC89}" dt="2024-12-17T23:10:19.941" v="162" actId="478"/>
-          <ac:graphicFrameMkLst>
-            <pc:docMk/>
-            <pc:sldMk cId="2779991091" sldId="295"/>
-            <ac:graphicFrameMk id="3" creationId="{F3F18849-E661-5FFD-23AF-1D74E0B9C981}"/>
-          </ac:graphicFrameMkLst>
-        </pc:graphicFrameChg>
-        <pc:graphicFrameChg chg="add del mod">
-          <ac:chgData name="Salamah Alawiye" userId="933ff112-0deb-4b57-8bff-7b0f7ef11484" providerId="ADAL" clId="{F2B65A3C-E5AA-4FFF-B6BF-4C741745AC89}" dt="2024-12-17T23:09:59.679" v="160" actId="478"/>
-          <ac:graphicFrameMkLst>
-            <pc:docMk/>
-            <pc:sldMk cId="2779991091" sldId="295"/>
-            <ac:graphicFrameMk id="4" creationId="{9B4BE4BE-7DED-FBE9-DAB7-05D7808044AB}"/>
-          </ac:graphicFrameMkLst>
-        </pc:graphicFrameChg>
-        <pc:graphicFrameChg chg="add del mod">
-          <ac:chgData name="Salamah Alawiye" userId="933ff112-0deb-4b57-8bff-7b0f7ef11484" providerId="ADAL" clId="{F2B65A3C-E5AA-4FFF-B6BF-4C741745AC89}" dt="2024-12-17T23:17:50.939" v="166" actId="478"/>
-          <ac:graphicFrameMkLst>
-            <pc:docMk/>
-            <pc:sldMk cId="2779991091" sldId="295"/>
-            <ac:graphicFrameMk id="8" creationId="{D16291B9-23BF-E2EB-39C1-196000F3044A}"/>
-          </ac:graphicFrameMkLst>
-        </pc:graphicFrameChg>
-        <pc:graphicFrameChg chg="add del mod">
-          <ac:chgData name="Salamah Alawiye" userId="933ff112-0deb-4b57-8bff-7b0f7ef11484" providerId="ADAL" clId="{F2B65A3C-E5AA-4FFF-B6BF-4C741745AC89}" dt="2024-12-18T22:06:52.732" v="2899" actId="478"/>
-          <ac:graphicFrameMkLst>
-            <pc:docMk/>
-            <pc:sldMk cId="2779991091" sldId="295"/>
-            <ac:graphicFrameMk id="11" creationId="{E2F9BB5F-A073-515C-D5AE-BA8A3EF5578A}"/>
-          </ac:graphicFrameMkLst>
-        </pc:graphicFrameChg>
       </pc:sldChg>
       <pc:sldChg chg="modSp add mod ord">
-        <pc:chgData name="Salamah Alawiye" userId="933ff112-0deb-4b57-8bff-7b0f7ef11484" providerId="ADAL" clId="{F2B65A3C-E5AA-4FFF-B6BF-4C741745AC89}" dt="2024-12-18T23:04:21.832" v="4050" actId="20577"/>
+        <pc:chgData name="Salamah Alawiye" userId="933ff112-0deb-4b57-8bff-7b0f7ef11484" providerId="ADAL" clId="{F2B65A3C-E5AA-4FFF-B6BF-4C741745AC89}" dt="2024-12-20T06:03:55.691" v="4424" actId="1076"/>
         <pc:sldMkLst>
           <pc:docMk/>
           <pc:sldMk cId="373068497" sldId="296"/>
         </pc:sldMkLst>
         <pc:spChg chg="mod">
-          <ac:chgData name="Salamah Alawiye" userId="933ff112-0deb-4b57-8bff-7b0f7ef11484" providerId="ADAL" clId="{F2B65A3C-E5AA-4FFF-B6BF-4C741745AC89}" dt="2024-12-18T17:47:38.303" v="2095"/>
+          <ac:chgData name="Salamah Alawiye" userId="933ff112-0deb-4b57-8bff-7b0f7ef11484" providerId="ADAL" clId="{F2B65A3C-E5AA-4FFF-B6BF-4C741745AC89}" dt="2024-12-19T22:19:54.622" v="4371" actId="14100"/>
           <ac:spMkLst>
             <pc:docMk/>
             <pc:sldMk cId="373068497" sldId="296"/>
@@ -627,6 +501,14 @@
             <ac:spMk id="7" creationId="{4114226C-FC4E-23E7-C174-01B8D7B90A21}"/>
           </ac:spMkLst>
         </pc:spChg>
+        <pc:picChg chg="mod">
+          <ac:chgData name="Salamah Alawiye" userId="933ff112-0deb-4b57-8bff-7b0f7ef11484" providerId="ADAL" clId="{F2B65A3C-E5AA-4FFF-B6BF-4C741745AC89}" dt="2024-12-20T06:03:55.691" v="4424" actId="1076"/>
+          <ac:picMkLst>
+            <pc:docMk/>
+            <pc:sldMk cId="373068497" sldId="296"/>
+            <ac:picMk id="11" creationId="{1EE70281-7763-EC4B-86FA-1C4068371ACF}"/>
+          </ac:picMkLst>
+        </pc:picChg>
       </pc:sldChg>
       <pc:sldChg chg="add del">
         <pc:chgData name="Salamah Alawiye" userId="933ff112-0deb-4b57-8bff-7b0f7ef11484" providerId="ADAL" clId="{F2B65A3C-E5AA-4FFF-B6BF-4C741745AC89}" dt="2024-12-18T01:22:11.944" v="1262" actId="2696"/>
@@ -635,23 +517,47 @@
           <pc:sldMk cId="3786478890" sldId="296"/>
         </pc:sldMkLst>
       </pc:sldChg>
-      <pc:sldChg chg="modSp add mod ord">
-        <pc:chgData name="Salamah Alawiye" userId="933ff112-0deb-4b57-8bff-7b0f7ef11484" providerId="ADAL" clId="{F2B65A3C-E5AA-4FFF-B6BF-4C741745AC89}" dt="2024-12-18T22:47:07.695" v="3174"/>
+      <pc:sldChg chg="addSp delSp modSp add mod ord">
+        <pc:chgData name="Salamah Alawiye" userId="933ff112-0deb-4b57-8bff-7b0f7ef11484" providerId="ADAL" clId="{F2B65A3C-E5AA-4FFF-B6BF-4C741745AC89}" dt="2024-12-20T06:49:02.534" v="4451" actId="1076"/>
         <pc:sldMkLst>
           <pc:docMk/>
           <pc:sldMk cId="3221352696" sldId="297"/>
         </pc:sldMkLst>
-        <pc:graphicFrameChg chg="mod">
-          <ac:chgData name="Salamah Alawiye" userId="933ff112-0deb-4b57-8bff-7b0f7ef11484" providerId="ADAL" clId="{F2B65A3C-E5AA-4FFF-B6BF-4C741745AC89}" dt="2024-12-18T22:46:26.737" v="3172" actId="14100"/>
+        <pc:spChg chg="mod">
+          <ac:chgData name="Salamah Alawiye" userId="933ff112-0deb-4b57-8bff-7b0f7ef11484" providerId="ADAL" clId="{F2B65A3C-E5AA-4FFF-B6BF-4C741745AC89}" dt="2024-12-20T06:05:39.082" v="4444" actId="20577"/>
+          <ac:spMkLst>
+            <pc:docMk/>
+            <pc:sldMk cId="3221352696" sldId="297"/>
+            <ac:spMk id="2" creationId="{46FEFFB3-E55B-5BC6-948D-2774E3B6D127}"/>
+          </ac:spMkLst>
+        </pc:spChg>
+        <pc:spChg chg="add del mod">
+          <ac:chgData name="Salamah Alawiye" userId="933ff112-0deb-4b57-8bff-7b0f7ef11484" providerId="ADAL" clId="{F2B65A3C-E5AA-4FFF-B6BF-4C741745AC89}" dt="2024-12-20T06:48:45.675" v="4446" actId="22"/>
+          <ac:spMkLst>
+            <pc:docMk/>
+            <pc:sldMk cId="3221352696" sldId="297"/>
+            <ac:spMk id="4" creationId="{1CF8E5DA-2292-1F9B-CB93-1287DC8D8427}"/>
+          </ac:spMkLst>
+        </pc:spChg>
+        <pc:graphicFrameChg chg="del mod">
+          <ac:chgData name="Salamah Alawiye" userId="933ff112-0deb-4b57-8bff-7b0f7ef11484" providerId="ADAL" clId="{F2B65A3C-E5AA-4FFF-B6BF-4C741745AC89}" dt="2024-12-20T06:05:47.685" v="4445" actId="478"/>
           <ac:graphicFrameMkLst>
             <pc:docMk/>
             <pc:sldMk cId="3221352696" sldId="297"/>
             <ac:graphicFrameMk id="7" creationId="{C27C7F80-606D-EF39-37C3-8E16E4B4FCC1}"/>
           </ac:graphicFrameMkLst>
         </pc:graphicFrameChg>
+        <pc:picChg chg="add mod ord">
+          <ac:chgData name="Salamah Alawiye" userId="933ff112-0deb-4b57-8bff-7b0f7ef11484" providerId="ADAL" clId="{F2B65A3C-E5AA-4FFF-B6BF-4C741745AC89}" dt="2024-12-20T06:49:02.534" v="4451" actId="1076"/>
+          <ac:picMkLst>
+            <pc:docMk/>
+            <pc:sldMk cId="3221352696" sldId="297"/>
+            <ac:picMk id="6" creationId="{76DE4210-DF8A-7399-1ADC-F8B9F38E638C}"/>
+          </ac:picMkLst>
+        </pc:picChg>
       </pc:sldChg>
       <pc:sldChg chg="modSp add mod">
-        <pc:chgData name="Salamah Alawiye" userId="933ff112-0deb-4b57-8bff-7b0f7ef11484" providerId="ADAL" clId="{F2B65A3C-E5AA-4FFF-B6BF-4C741745AC89}" dt="2024-12-18T23:15:32.178" v="4088" actId="20577"/>
+        <pc:chgData name="Salamah Alawiye" userId="933ff112-0deb-4b57-8bff-7b0f7ef11484" providerId="ADAL" clId="{F2B65A3C-E5AA-4FFF-B6BF-4C741745AC89}" dt="2024-12-18T23:43:00.996" v="4353" actId="20577"/>
         <pc:sldMkLst>
           <pc:docMk/>
           <pc:sldMk cId="299508307" sldId="298"/>
@@ -665,13 +571,122 @@
           </ac:spMkLst>
         </pc:spChg>
         <pc:spChg chg="mod">
-          <ac:chgData name="Salamah Alawiye" userId="933ff112-0deb-4b57-8bff-7b0f7ef11484" providerId="ADAL" clId="{F2B65A3C-E5AA-4FFF-B6BF-4C741745AC89}" dt="2024-12-18T23:15:32.178" v="4088" actId="20577"/>
+          <ac:chgData name="Salamah Alawiye" userId="933ff112-0deb-4b57-8bff-7b0f7ef11484" providerId="ADAL" clId="{F2B65A3C-E5AA-4FFF-B6BF-4C741745AC89}" dt="2024-12-18T23:43:00.996" v="4353" actId="20577"/>
           <ac:spMkLst>
             <pc:docMk/>
             <pc:sldMk cId="299508307" sldId="298"/>
             <ac:spMk id="3" creationId="{A948DB13-4232-DC8F-A9C5-2582B74F9DD8}"/>
           </ac:spMkLst>
         </pc:spChg>
+      </pc:sldChg>
+      <pc:sldChg chg="add">
+        <pc:chgData name="Salamah Alawiye" userId="933ff112-0deb-4b57-8bff-7b0f7ef11484" providerId="ADAL" clId="{F2B65A3C-E5AA-4FFF-B6BF-4C741745AC89}" dt="2024-12-20T06:05:23.138" v="4426" actId="2890"/>
+        <pc:sldMkLst>
+          <pc:docMk/>
+          <pc:sldMk cId="3189113455" sldId="299"/>
+        </pc:sldMkLst>
+      </pc:sldChg>
+      <pc:sldChg chg="addSp delSp modSp add mod ord">
+        <pc:chgData name="Salamah Alawiye" userId="933ff112-0deb-4b57-8bff-7b0f7ef11484" providerId="ADAL" clId="{F2B65A3C-E5AA-4FFF-B6BF-4C741745AC89}" dt="2024-12-20T07:09:29.044" v="4460"/>
+        <pc:sldMkLst>
+          <pc:docMk/>
+          <pc:sldMk cId="2428452523" sldId="300"/>
+        </pc:sldMkLst>
+        <pc:spChg chg="add del mod">
+          <ac:chgData name="Salamah Alawiye" userId="933ff112-0deb-4b57-8bff-7b0f7ef11484" providerId="ADAL" clId="{F2B65A3C-E5AA-4FFF-B6BF-4C741745AC89}" dt="2024-12-20T07:08:11.260" v="4454" actId="22"/>
+          <ac:spMkLst>
+            <pc:docMk/>
+            <pc:sldMk cId="2428452523" sldId="300"/>
+            <ac:spMk id="4" creationId="{D4851906-FAA5-11DC-4EAC-F865CAB8F4AD}"/>
+          </ac:spMkLst>
+        </pc:spChg>
+        <pc:graphicFrameChg chg="del">
+          <ac:chgData name="Salamah Alawiye" userId="933ff112-0deb-4b57-8bff-7b0f7ef11484" providerId="ADAL" clId="{F2B65A3C-E5AA-4FFF-B6BF-4C741745AC89}" dt="2024-12-20T07:08:08.331" v="4453" actId="478"/>
+          <ac:graphicFrameMkLst>
+            <pc:docMk/>
+            <pc:sldMk cId="2428452523" sldId="300"/>
+            <ac:graphicFrameMk id="7" creationId="{B35247B8-4388-3A04-347E-27D47F9D449D}"/>
+          </ac:graphicFrameMkLst>
+        </pc:graphicFrameChg>
+        <pc:picChg chg="add mod ord">
+          <ac:chgData name="Salamah Alawiye" userId="933ff112-0deb-4b57-8bff-7b0f7ef11484" providerId="ADAL" clId="{F2B65A3C-E5AA-4FFF-B6BF-4C741745AC89}" dt="2024-12-20T07:08:22.873" v="4458" actId="1076"/>
+          <ac:picMkLst>
+            <pc:docMk/>
+            <pc:sldMk cId="2428452523" sldId="300"/>
+            <ac:picMk id="8" creationId="{AB8F4DFE-5AC9-7380-6583-4FA2DF260C40}"/>
+          </ac:picMkLst>
+        </pc:picChg>
+      </pc:sldChg>
+      <pc:sldChg chg="addSp delSp modSp add del mod">
+        <pc:chgData name="Salamah Alawiye" userId="933ff112-0deb-4b57-8bff-7b0f7ef11484" providerId="ADAL" clId="{F2B65A3C-E5AA-4FFF-B6BF-4C741745AC89}" dt="2024-12-20T07:52:38.642" v="4496" actId="2696"/>
+        <pc:sldMkLst>
+          <pc:docMk/>
+          <pc:sldMk cId="772378584" sldId="301"/>
+        </pc:sldMkLst>
+        <pc:picChg chg="add mod">
+          <ac:chgData name="Salamah Alawiye" userId="933ff112-0deb-4b57-8bff-7b0f7ef11484" providerId="ADAL" clId="{F2B65A3C-E5AA-4FFF-B6BF-4C741745AC89}" dt="2024-12-20T07:34:14.897" v="4473" actId="207"/>
+          <ac:picMkLst>
+            <pc:docMk/>
+            <pc:sldMk cId="772378584" sldId="301"/>
+            <ac:picMk id="6" creationId="{E81519FC-9190-A811-5BC7-7441E70A7671}"/>
+          </ac:picMkLst>
+        </pc:picChg>
+        <pc:picChg chg="add mod">
+          <ac:chgData name="Salamah Alawiye" userId="933ff112-0deb-4b57-8bff-7b0f7ef11484" providerId="ADAL" clId="{F2B65A3C-E5AA-4FFF-B6BF-4C741745AC89}" dt="2024-12-20T07:34:19.820" v="4474" actId="207"/>
+          <ac:picMkLst>
+            <pc:docMk/>
+            <pc:sldMk cId="772378584" sldId="301"/>
+            <ac:picMk id="8" creationId="{1B059248-3E8F-F3E8-2A58-3579561D1EB6}"/>
+          </ac:picMkLst>
+        </pc:picChg>
+        <pc:picChg chg="add mod">
+          <ac:chgData name="Salamah Alawiye" userId="933ff112-0deb-4b57-8bff-7b0f7ef11484" providerId="ADAL" clId="{F2B65A3C-E5AA-4FFF-B6BF-4C741745AC89}" dt="2024-12-20T07:33:59.477" v="4472" actId="207"/>
+          <ac:picMkLst>
+            <pc:docMk/>
+            <pc:sldMk cId="772378584" sldId="301"/>
+            <ac:picMk id="9" creationId="{F15D2811-BB6A-1F44-4757-F3DA2AD44F6A}"/>
+          </ac:picMkLst>
+        </pc:picChg>
+        <pc:picChg chg="add mod">
+          <ac:chgData name="Salamah Alawiye" userId="933ff112-0deb-4b57-8bff-7b0f7ef11484" providerId="ADAL" clId="{F2B65A3C-E5AA-4FFF-B6BF-4C741745AC89}" dt="2024-12-20T07:34:26.902" v="4475" actId="207"/>
+          <ac:picMkLst>
+            <pc:docMk/>
+            <pc:sldMk cId="772378584" sldId="301"/>
+            <ac:picMk id="10" creationId="{BC89EC47-A3BD-7FBC-AEEC-F052F844ED18}"/>
+          </ac:picMkLst>
+        </pc:picChg>
+        <pc:picChg chg="add mod">
+          <ac:chgData name="Salamah Alawiye" userId="933ff112-0deb-4b57-8bff-7b0f7ef11484" providerId="ADAL" clId="{F2B65A3C-E5AA-4FFF-B6BF-4C741745AC89}" dt="2024-12-20T07:41:29.498" v="4492" actId="1076"/>
+          <ac:picMkLst>
+            <pc:docMk/>
+            <pc:sldMk cId="772378584" sldId="301"/>
+            <ac:picMk id="12" creationId="{CE04906E-D76F-5BC5-AA4D-902693AF6DC1}"/>
+          </ac:picMkLst>
+        </pc:picChg>
+        <pc:picChg chg="add mod">
+          <ac:chgData name="Salamah Alawiye" userId="933ff112-0deb-4b57-8bff-7b0f7ef11484" providerId="ADAL" clId="{F2B65A3C-E5AA-4FFF-B6BF-4C741745AC89}" dt="2024-12-20T07:42:57.336" v="4495" actId="207"/>
+          <ac:picMkLst>
+            <pc:docMk/>
+            <pc:sldMk cId="772378584" sldId="301"/>
+            <ac:picMk id="14" creationId="{ED9ACD75-00A6-FEA1-A3FF-9CC336ED185E}"/>
+          </ac:picMkLst>
+        </pc:picChg>
+        <pc:picChg chg="add del mod">
+          <ac:chgData name="Salamah Alawiye" userId="933ff112-0deb-4b57-8bff-7b0f7ef11484" providerId="ADAL" clId="{F2B65A3C-E5AA-4FFF-B6BF-4C741745AC89}" dt="2024-12-20T07:37:05.036" v="4480" actId="478"/>
+          <ac:picMkLst>
+            <pc:docMk/>
+            <pc:sldMk cId="772378584" sldId="301"/>
+            <ac:picMk id="1026" creationId="{B6594921-F35E-219C-F0A6-DA9BC7D3023B}"/>
+          </ac:picMkLst>
+        </pc:picChg>
+        <pc:picChg chg="add mod">
+          <ac:chgData name="Salamah Alawiye" userId="933ff112-0deb-4b57-8bff-7b0f7ef11484" providerId="ADAL" clId="{F2B65A3C-E5AA-4FFF-B6BF-4C741745AC89}" dt="2024-12-20T07:37:53.773" v="4482"/>
+          <ac:picMkLst>
+            <pc:docMk/>
+            <pc:sldMk cId="772378584" sldId="301"/>
+            <ac:picMk id="1028" creationId="{66428122-9624-F5C3-DBD5-F2AB1B35A9ED}"/>
+          </ac:picMkLst>
+        </pc:picChg>
       </pc:sldChg>
     </pc:docChg>
   </pc:docChgLst>
@@ -772,7 +787,7 @@
           <a:p>
             <a:fld id="{0DC994AA-C437-4EF4-8BEF-0B832D7FA420}" type="datetimeFigureOut">
               <a:rPr lang="en-US" smtClean="0"/>
-              <a:t>12/18/2024</a:t>
+              <a:t>12/20/2024</a:t>
             </a:fld>
             <a:endParaRPr lang="en-US"/>
           </a:p>
@@ -949,7 +964,7 @@
           <a:p>
             <a:fld id="{3B4FE048-FAD0-D943-9A17-3C4CB7633182}" type="datetimeFigureOut">
               <a:rPr lang="en-US" smtClean="0"/>
-              <a:t>12/18/2024</a:t>
+              <a:t>12/20/2024</a:t>
             </a:fld>
             <a:endParaRPr lang="en-US"/>
           </a:p>
@@ -1305,6 +1320,174 @@
   <p:cSld>
     <p:spTree>
       <p:nvGrpSpPr>
+        <p:cNvPr id="1" name=""/>
+        <p:cNvGrpSpPr/>
+        <p:nvPr/>
+      </p:nvGrpSpPr>
+      <p:grpSpPr>
+        <a:xfrm>
+          <a:off x="0" y="0"/>
+          <a:ext cx="0" cy="0"/>
+          <a:chOff x="0" y="0"/>
+          <a:chExt cx="0" cy="0"/>
+        </a:xfrm>
+      </p:grpSpPr>
+      <p:sp>
+        <p:nvSpPr>
+          <p:cNvPr id="2" name="Slide Image Placeholder 1"/>
+          <p:cNvSpPr>
+            <a:spLocks noGrp="1" noRot="1" noChangeAspect="1"/>
+          </p:cNvSpPr>
+          <p:nvPr>
+            <p:ph type="sldImg"/>
+          </p:nvPr>
+        </p:nvSpPr>
+        <p:spPr/>
+      </p:sp>
+      <p:sp>
+        <p:nvSpPr>
+          <p:cNvPr id="3" name="Notes Placeholder 2"/>
+          <p:cNvSpPr>
+            <a:spLocks noGrp="1"/>
+          </p:cNvSpPr>
+          <p:nvPr>
+            <p:ph type="body" idx="1"/>
+          </p:nvPr>
+        </p:nvSpPr>
+        <p:spPr/>
+        <p:txBody>
+          <a:bodyPr/>
+          <a:lstStyle/>
+          <a:p>
+            <a:endParaRPr lang="en-US"/>
+          </a:p>
+        </p:txBody>
+      </p:sp>
+      <p:sp>
+        <p:nvSpPr>
+          <p:cNvPr id="4" name="Slide Number Placeholder 3"/>
+          <p:cNvSpPr>
+            <a:spLocks noGrp="1"/>
+          </p:cNvSpPr>
+          <p:nvPr>
+            <p:ph type="sldNum" sz="quarter" idx="5"/>
+          </p:nvPr>
+        </p:nvSpPr>
+        <p:spPr/>
+        <p:txBody>
+          <a:bodyPr/>
+          <a:lstStyle/>
+          <a:p>
+            <a:fld id="{55247812-3409-784D-BAE7-ABE53735D59F}" type="slidenum">
+              <a:rPr lang="en-US" smtClean="0"/>
+              <a:t>11</a:t>
+            </a:fld>
+            <a:endParaRPr lang="en-US"/>
+          </a:p>
+        </p:txBody>
+      </p:sp>
+    </p:spTree>
+    <p:extLst>
+      <p:ext uri="{BB962C8B-B14F-4D97-AF65-F5344CB8AC3E}">
+        <p14:creationId xmlns:p14="http://schemas.microsoft.com/office/powerpoint/2010/main" val="346767100"/>
+      </p:ext>
+    </p:extLst>
+  </p:cSld>
+  <p:clrMapOvr>
+    <a:masterClrMapping/>
+  </p:clrMapOvr>
+</p:notes>
+</file>
+
+<file path=ppt/notesSlides/notesSlide11.xml><?xml version="1.0" encoding="utf-8"?>
+<p:notes xmlns:a="http://schemas.openxmlformats.org/drawingml/2006/main" xmlns:r="http://schemas.openxmlformats.org/officeDocument/2006/relationships" xmlns:p="http://schemas.openxmlformats.org/presentationml/2006/main">
+  <p:cSld>
+    <p:spTree>
+      <p:nvGrpSpPr>
+        <p:cNvPr id="1" name=""/>
+        <p:cNvGrpSpPr/>
+        <p:nvPr/>
+      </p:nvGrpSpPr>
+      <p:grpSpPr>
+        <a:xfrm>
+          <a:off x="0" y="0"/>
+          <a:ext cx="0" cy="0"/>
+          <a:chOff x="0" y="0"/>
+          <a:chExt cx="0" cy="0"/>
+        </a:xfrm>
+      </p:grpSpPr>
+      <p:sp>
+        <p:nvSpPr>
+          <p:cNvPr id="2" name="Slide Image Placeholder 1"/>
+          <p:cNvSpPr>
+            <a:spLocks noGrp="1" noRot="1" noChangeAspect="1"/>
+          </p:cNvSpPr>
+          <p:nvPr>
+            <p:ph type="sldImg"/>
+          </p:nvPr>
+        </p:nvSpPr>
+        <p:spPr/>
+      </p:sp>
+      <p:sp>
+        <p:nvSpPr>
+          <p:cNvPr id="3" name="Notes Placeholder 2"/>
+          <p:cNvSpPr>
+            <a:spLocks noGrp="1"/>
+          </p:cNvSpPr>
+          <p:nvPr>
+            <p:ph type="body" idx="1"/>
+          </p:nvPr>
+        </p:nvSpPr>
+        <p:spPr/>
+        <p:txBody>
+          <a:bodyPr/>
+          <a:lstStyle/>
+          <a:p>
+            <a:endParaRPr lang="en-US" dirty="0"/>
+          </a:p>
+        </p:txBody>
+      </p:sp>
+      <p:sp>
+        <p:nvSpPr>
+          <p:cNvPr id="4" name="Slide Number Placeholder 3"/>
+          <p:cNvSpPr>
+            <a:spLocks noGrp="1"/>
+          </p:cNvSpPr>
+          <p:nvPr>
+            <p:ph type="sldNum" sz="quarter" idx="5"/>
+          </p:nvPr>
+        </p:nvSpPr>
+        <p:spPr/>
+        <p:txBody>
+          <a:bodyPr/>
+          <a:lstStyle/>
+          <a:p>
+            <a:fld id="{55247812-3409-784D-BAE7-ABE53735D59F}" type="slidenum">
+              <a:rPr lang="en-US" smtClean="0"/>
+              <a:t>12</a:t>
+            </a:fld>
+            <a:endParaRPr lang="en-US"/>
+          </a:p>
+        </p:txBody>
+      </p:sp>
+    </p:spTree>
+    <p:extLst>
+      <p:ext uri="{BB962C8B-B14F-4D97-AF65-F5344CB8AC3E}">
+        <p14:creationId xmlns:p14="http://schemas.microsoft.com/office/powerpoint/2010/main" val="2986387494"/>
+      </p:ext>
+    </p:extLst>
+  </p:cSld>
+  <p:clrMapOvr>
+    <a:masterClrMapping/>
+  </p:clrMapOvr>
+</p:notes>
+</file>
+
+<file path=ppt/notesSlides/notesSlide12.xml><?xml version="1.0" encoding="utf-8"?>
+<p:notes xmlns:a="http://schemas.openxmlformats.org/drawingml/2006/main" xmlns:r="http://schemas.openxmlformats.org/officeDocument/2006/relationships" xmlns:p="http://schemas.openxmlformats.org/presentationml/2006/main">
+  <p:cSld>
+    <p:spTree>
+      <p:nvGrpSpPr>
         <p:cNvPr id="1" name="">
           <a:extLst>
             <a:ext uri="{FF2B5EF4-FFF2-40B4-BE49-F238E27FC236}">
@@ -1389,7 +1572,7 @@
           <a:p>
             <a:fld id="{55247812-3409-784D-BAE7-ABE53735D59F}" type="slidenum">
               <a:rPr lang="en-US" smtClean="0"/>
-              <a:t>11</a:t>
+              <a:t>13</a:t>
             </a:fld>
             <a:endParaRPr lang="en-US"/>
           </a:p>
@@ -1605,90 +1788,6 @@
   <p:cSld>
     <p:spTree>
       <p:nvGrpSpPr>
-        <p:cNvPr id="1" name=""/>
-        <p:cNvGrpSpPr/>
-        <p:nvPr/>
-      </p:nvGrpSpPr>
-      <p:grpSpPr>
-        <a:xfrm>
-          <a:off x="0" y="0"/>
-          <a:ext cx="0" cy="0"/>
-          <a:chOff x="0" y="0"/>
-          <a:chExt cx="0" cy="0"/>
-        </a:xfrm>
-      </p:grpSpPr>
-      <p:sp>
-        <p:nvSpPr>
-          <p:cNvPr id="2" name="Slide Image Placeholder 1"/>
-          <p:cNvSpPr>
-            <a:spLocks noGrp="1" noRot="1" noChangeAspect="1"/>
-          </p:cNvSpPr>
-          <p:nvPr>
-            <p:ph type="sldImg"/>
-          </p:nvPr>
-        </p:nvSpPr>
-        <p:spPr/>
-      </p:sp>
-      <p:sp>
-        <p:nvSpPr>
-          <p:cNvPr id="3" name="Notes Placeholder 2"/>
-          <p:cNvSpPr>
-            <a:spLocks noGrp="1"/>
-          </p:cNvSpPr>
-          <p:nvPr>
-            <p:ph type="body" idx="1"/>
-          </p:nvPr>
-        </p:nvSpPr>
-        <p:spPr/>
-        <p:txBody>
-          <a:bodyPr/>
-          <a:lstStyle/>
-          <a:p>
-            <a:endParaRPr lang="en-US"/>
-          </a:p>
-        </p:txBody>
-      </p:sp>
-      <p:sp>
-        <p:nvSpPr>
-          <p:cNvPr id="4" name="Slide Number Placeholder 3"/>
-          <p:cNvSpPr>
-            <a:spLocks noGrp="1"/>
-          </p:cNvSpPr>
-          <p:nvPr>
-            <p:ph type="sldNum" sz="quarter" idx="5"/>
-          </p:nvPr>
-        </p:nvSpPr>
-        <p:spPr/>
-        <p:txBody>
-          <a:bodyPr/>
-          <a:lstStyle/>
-          <a:p>
-            <a:fld id="{55247812-3409-784D-BAE7-ABE53735D59F}" type="slidenum">
-              <a:rPr lang="en-US" smtClean="0"/>
-              <a:t>5</a:t>
-            </a:fld>
-            <a:endParaRPr lang="en-US"/>
-          </a:p>
-        </p:txBody>
-      </p:sp>
-    </p:spTree>
-    <p:extLst>
-      <p:ext uri="{BB962C8B-B14F-4D97-AF65-F5344CB8AC3E}">
-        <p14:creationId xmlns:p14="http://schemas.microsoft.com/office/powerpoint/2010/main" val="1015613917"/>
-      </p:ext>
-    </p:extLst>
-  </p:cSld>
-  <p:clrMapOvr>
-    <a:masterClrMapping/>
-  </p:clrMapOvr>
-</p:notes>
-</file>
-
-<file path=ppt/notesSlides/notesSlide5.xml><?xml version="1.0" encoding="utf-8"?>
-<p:notes xmlns:a="http://schemas.openxmlformats.org/drawingml/2006/main" xmlns:r="http://schemas.openxmlformats.org/officeDocument/2006/relationships" xmlns:p="http://schemas.openxmlformats.org/presentationml/2006/main">
-  <p:cSld>
-    <p:spTree>
-      <p:nvGrpSpPr>
         <p:cNvPr id="1" name="">
           <a:extLst>
             <a:ext uri="{FF2B5EF4-FFF2-40B4-BE49-F238E27FC236}">
@@ -1773,7 +1872,7 @@
           <a:p>
             <a:fld id="{55247812-3409-784D-BAE7-ABE53735D59F}" type="slidenum">
               <a:rPr lang="en-US" smtClean="0"/>
-              <a:t>6</a:t>
+              <a:t>5</a:t>
             </a:fld>
             <a:endParaRPr lang="en-US"/>
           </a:p>
@@ -1792,7 +1891,307 @@
 </p:notes>
 </file>
 
+<file path=ppt/notesSlides/notesSlide5.xml><?xml version="1.0" encoding="utf-8"?>
+<p:notes xmlns:a="http://schemas.openxmlformats.org/drawingml/2006/main" xmlns:r="http://schemas.openxmlformats.org/officeDocument/2006/relationships" xmlns:p="http://schemas.openxmlformats.org/presentationml/2006/main">
+  <p:cSld>
+    <p:spTree>
+      <p:nvGrpSpPr>
+        <p:cNvPr id="1" name=""/>
+        <p:cNvGrpSpPr/>
+        <p:nvPr/>
+      </p:nvGrpSpPr>
+      <p:grpSpPr>
+        <a:xfrm>
+          <a:off x="0" y="0"/>
+          <a:ext cx="0" cy="0"/>
+          <a:chOff x="0" y="0"/>
+          <a:chExt cx="0" cy="0"/>
+        </a:xfrm>
+      </p:grpSpPr>
+      <p:sp>
+        <p:nvSpPr>
+          <p:cNvPr id="2" name="Slide Image Placeholder 1"/>
+          <p:cNvSpPr>
+            <a:spLocks noGrp="1" noRot="1" noChangeAspect="1"/>
+          </p:cNvSpPr>
+          <p:nvPr>
+            <p:ph type="sldImg"/>
+          </p:nvPr>
+        </p:nvSpPr>
+        <p:spPr/>
+      </p:sp>
+      <p:sp>
+        <p:nvSpPr>
+          <p:cNvPr id="3" name="Notes Placeholder 2"/>
+          <p:cNvSpPr>
+            <a:spLocks noGrp="1"/>
+          </p:cNvSpPr>
+          <p:nvPr>
+            <p:ph type="body" idx="1"/>
+          </p:nvPr>
+        </p:nvSpPr>
+        <p:spPr/>
+        <p:txBody>
+          <a:bodyPr/>
+          <a:lstStyle/>
+          <a:p>
+            <a:endParaRPr lang="en-US"/>
+          </a:p>
+        </p:txBody>
+      </p:sp>
+      <p:sp>
+        <p:nvSpPr>
+          <p:cNvPr id="4" name="Slide Number Placeholder 3"/>
+          <p:cNvSpPr>
+            <a:spLocks noGrp="1"/>
+          </p:cNvSpPr>
+          <p:nvPr>
+            <p:ph type="sldNum" sz="quarter" idx="5"/>
+          </p:nvPr>
+        </p:nvSpPr>
+        <p:spPr/>
+        <p:txBody>
+          <a:bodyPr/>
+          <a:lstStyle/>
+          <a:p>
+            <a:fld id="{55247812-3409-784D-BAE7-ABE53735D59F}" type="slidenum">
+              <a:rPr lang="en-US" smtClean="0"/>
+              <a:t>6</a:t>
+            </a:fld>
+            <a:endParaRPr lang="en-US"/>
+          </a:p>
+        </p:txBody>
+      </p:sp>
+    </p:spTree>
+    <p:extLst>
+      <p:ext uri="{BB962C8B-B14F-4D97-AF65-F5344CB8AC3E}">
+        <p14:creationId xmlns:p14="http://schemas.microsoft.com/office/powerpoint/2010/main" val="1015613917"/>
+      </p:ext>
+    </p:extLst>
+  </p:cSld>
+  <p:clrMapOvr>
+    <a:masterClrMapping/>
+  </p:clrMapOvr>
+</p:notes>
+</file>
+
 <file path=ppt/notesSlides/notesSlide6.xml><?xml version="1.0" encoding="utf-8"?>
+<p:notes xmlns:a="http://schemas.openxmlformats.org/drawingml/2006/main" xmlns:r="http://schemas.openxmlformats.org/officeDocument/2006/relationships" xmlns:p="http://schemas.openxmlformats.org/presentationml/2006/main">
+  <p:cSld>
+    <p:spTree>
+      <p:nvGrpSpPr>
+        <p:cNvPr id="1" name="">
+          <a:extLst>
+            <a:ext uri="{FF2B5EF4-FFF2-40B4-BE49-F238E27FC236}">
+              <a16:creationId xmlns:a16="http://schemas.microsoft.com/office/drawing/2014/main" id="{E41E76C7-6396-F425-A31B-6A8AD58AB470}"/>
+            </a:ext>
+          </a:extLst>
+        </p:cNvPr>
+        <p:cNvGrpSpPr/>
+        <p:nvPr/>
+      </p:nvGrpSpPr>
+      <p:grpSpPr>
+        <a:xfrm>
+          <a:off x="0" y="0"/>
+          <a:ext cx="0" cy="0"/>
+          <a:chOff x="0" y="0"/>
+          <a:chExt cx="0" cy="0"/>
+        </a:xfrm>
+      </p:grpSpPr>
+      <p:sp>
+        <p:nvSpPr>
+          <p:cNvPr id="2" name="Slide Image Placeholder 1">
+            <a:extLst>
+              <a:ext uri="{FF2B5EF4-FFF2-40B4-BE49-F238E27FC236}">
+                <a16:creationId xmlns:a16="http://schemas.microsoft.com/office/drawing/2014/main" id="{EACC7457-DA00-9C30-40C3-EC52B462DA14}"/>
+              </a:ext>
+            </a:extLst>
+          </p:cNvPr>
+          <p:cNvSpPr>
+            <a:spLocks noGrp="1" noRot="1" noChangeAspect="1"/>
+          </p:cNvSpPr>
+          <p:nvPr>
+            <p:ph type="sldImg"/>
+          </p:nvPr>
+        </p:nvSpPr>
+        <p:spPr/>
+      </p:sp>
+      <p:sp>
+        <p:nvSpPr>
+          <p:cNvPr id="3" name="Notes Placeholder 2">
+            <a:extLst>
+              <a:ext uri="{FF2B5EF4-FFF2-40B4-BE49-F238E27FC236}">
+                <a16:creationId xmlns:a16="http://schemas.microsoft.com/office/drawing/2014/main" id="{1CB4F7F0-AF47-65F8-337E-899252741C48}"/>
+              </a:ext>
+            </a:extLst>
+          </p:cNvPr>
+          <p:cNvSpPr>
+            <a:spLocks noGrp="1"/>
+          </p:cNvSpPr>
+          <p:nvPr>
+            <p:ph type="body" idx="1"/>
+          </p:nvPr>
+        </p:nvSpPr>
+        <p:spPr/>
+        <p:txBody>
+          <a:bodyPr/>
+          <a:lstStyle/>
+          <a:p>
+            <a:endParaRPr lang="en-US"/>
+          </a:p>
+        </p:txBody>
+      </p:sp>
+      <p:sp>
+        <p:nvSpPr>
+          <p:cNvPr id="4" name="Slide Number Placeholder 3">
+            <a:extLst>
+              <a:ext uri="{FF2B5EF4-FFF2-40B4-BE49-F238E27FC236}">
+                <a16:creationId xmlns:a16="http://schemas.microsoft.com/office/drawing/2014/main" id="{C7344DA8-F20E-913E-8F3A-4A72AE4DE5E8}"/>
+              </a:ext>
+            </a:extLst>
+          </p:cNvPr>
+          <p:cNvSpPr>
+            <a:spLocks noGrp="1"/>
+          </p:cNvSpPr>
+          <p:nvPr>
+            <p:ph type="sldNum" sz="quarter" idx="5"/>
+          </p:nvPr>
+        </p:nvSpPr>
+        <p:spPr/>
+        <p:txBody>
+          <a:bodyPr/>
+          <a:lstStyle/>
+          <a:p>
+            <a:fld id="{55247812-3409-784D-BAE7-ABE53735D59F}" type="slidenum">
+              <a:rPr lang="en-US" smtClean="0"/>
+              <a:t>7</a:t>
+            </a:fld>
+            <a:endParaRPr lang="en-US"/>
+          </a:p>
+        </p:txBody>
+      </p:sp>
+    </p:spTree>
+    <p:extLst>
+      <p:ext uri="{BB962C8B-B14F-4D97-AF65-F5344CB8AC3E}">
+        <p14:creationId xmlns:p14="http://schemas.microsoft.com/office/powerpoint/2010/main" val="1627906433"/>
+      </p:ext>
+    </p:extLst>
+  </p:cSld>
+  <p:clrMapOvr>
+    <a:masterClrMapping/>
+  </p:clrMapOvr>
+</p:notes>
+</file>
+
+<file path=ppt/notesSlides/notesSlide7.xml><?xml version="1.0" encoding="utf-8"?>
+<p:notes xmlns:a="http://schemas.openxmlformats.org/drawingml/2006/main" xmlns:r="http://schemas.openxmlformats.org/officeDocument/2006/relationships" xmlns:p="http://schemas.openxmlformats.org/presentationml/2006/main">
+  <p:cSld>
+    <p:spTree>
+      <p:nvGrpSpPr>
+        <p:cNvPr id="1" name="">
+          <a:extLst>
+            <a:ext uri="{FF2B5EF4-FFF2-40B4-BE49-F238E27FC236}">
+              <a16:creationId xmlns:a16="http://schemas.microsoft.com/office/drawing/2014/main" id="{6B7696B8-5B6A-BC16-E8C9-CD27B11882AE}"/>
+            </a:ext>
+          </a:extLst>
+        </p:cNvPr>
+        <p:cNvGrpSpPr/>
+        <p:nvPr/>
+      </p:nvGrpSpPr>
+      <p:grpSpPr>
+        <a:xfrm>
+          <a:off x="0" y="0"/>
+          <a:ext cx="0" cy="0"/>
+          <a:chOff x="0" y="0"/>
+          <a:chExt cx="0" cy="0"/>
+        </a:xfrm>
+      </p:grpSpPr>
+      <p:sp>
+        <p:nvSpPr>
+          <p:cNvPr id="2" name="Slide Image Placeholder 1">
+            <a:extLst>
+              <a:ext uri="{FF2B5EF4-FFF2-40B4-BE49-F238E27FC236}">
+                <a16:creationId xmlns:a16="http://schemas.microsoft.com/office/drawing/2014/main" id="{29E48CBE-C96E-614C-A71E-5049DBC1278C}"/>
+              </a:ext>
+            </a:extLst>
+          </p:cNvPr>
+          <p:cNvSpPr>
+            <a:spLocks noGrp="1" noRot="1" noChangeAspect="1"/>
+          </p:cNvSpPr>
+          <p:nvPr>
+            <p:ph type="sldImg"/>
+          </p:nvPr>
+        </p:nvSpPr>
+        <p:spPr/>
+      </p:sp>
+      <p:sp>
+        <p:nvSpPr>
+          <p:cNvPr id="3" name="Notes Placeholder 2">
+            <a:extLst>
+              <a:ext uri="{FF2B5EF4-FFF2-40B4-BE49-F238E27FC236}">
+                <a16:creationId xmlns:a16="http://schemas.microsoft.com/office/drawing/2014/main" id="{960FF583-CC12-B8CE-44B2-3A73DC985B39}"/>
+              </a:ext>
+            </a:extLst>
+          </p:cNvPr>
+          <p:cNvSpPr>
+            <a:spLocks noGrp="1"/>
+          </p:cNvSpPr>
+          <p:nvPr>
+            <p:ph type="body" idx="1"/>
+          </p:nvPr>
+        </p:nvSpPr>
+        <p:spPr/>
+        <p:txBody>
+          <a:bodyPr/>
+          <a:lstStyle/>
+          <a:p>
+            <a:endParaRPr lang="en-US"/>
+          </a:p>
+        </p:txBody>
+      </p:sp>
+      <p:sp>
+        <p:nvSpPr>
+          <p:cNvPr id="4" name="Slide Number Placeholder 3">
+            <a:extLst>
+              <a:ext uri="{FF2B5EF4-FFF2-40B4-BE49-F238E27FC236}">
+                <a16:creationId xmlns:a16="http://schemas.microsoft.com/office/drawing/2014/main" id="{065E6C59-DEB4-46C3-D2A3-39749B6910C1}"/>
+              </a:ext>
+            </a:extLst>
+          </p:cNvPr>
+          <p:cNvSpPr>
+            <a:spLocks noGrp="1"/>
+          </p:cNvSpPr>
+          <p:nvPr>
+            <p:ph type="sldNum" sz="quarter" idx="5"/>
+          </p:nvPr>
+        </p:nvSpPr>
+        <p:spPr/>
+        <p:txBody>
+          <a:bodyPr/>
+          <a:lstStyle/>
+          <a:p>
+            <a:fld id="{55247812-3409-784D-BAE7-ABE53735D59F}" type="slidenum">
+              <a:rPr lang="en-US" smtClean="0"/>
+              <a:t>8</a:t>
+            </a:fld>
+            <a:endParaRPr lang="en-US"/>
+          </a:p>
+        </p:txBody>
+      </p:sp>
+    </p:spTree>
+    <p:extLst>
+      <p:ext uri="{BB962C8B-B14F-4D97-AF65-F5344CB8AC3E}">
+        <p14:creationId xmlns:p14="http://schemas.microsoft.com/office/powerpoint/2010/main" val="2437714532"/>
+      </p:ext>
+    </p:extLst>
+  </p:cSld>
+  <p:clrMapOvr>
+    <a:masterClrMapping/>
+  </p:clrMapOvr>
+</p:notes>
+</file>
+
+<file path=ppt/notesSlides/notesSlide8.xml><?xml version="1.0" encoding="utf-8"?>
 <p:notes xmlns:a="http://schemas.openxmlformats.org/drawingml/2006/main" xmlns:r="http://schemas.openxmlformats.org/officeDocument/2006/relationships" xmlns:p="http://schemas.openxmlformats.org/presentationml/2006/main">
   <p:cSld>
     <p:spTree>
@@ -1881,7 +2280,7 @@
           <a:p>
             <a:fld id="{55247812-3409-784D-BAE7-ABE53735D59F}" type="slidenum">
               <a:rPr lang="en-US" smtClean="0"/>
-              <a:t>7</a:t>
+              <a:t>9</a:t>
             </a:fld>
             <a:endParaRPr lang="en-US"/>
           </a:p>
@@ -1900,7 +2299,7 @@
 </p:notes>
 </file>
 
-<file path=ppt/notesSlides/notesSlide7.xml><?xml version="1.0" encoding="utf-8"?>
+<file path=ppt/notesSlides/notesSlide9.xml><?xml version="1.0" encoding="utf-8"?>
 <p:notes xmlns:a="http://schemas.openxmlformats.org/drawingml/2006/main" xmlns:r="http://schemas.openxmlformats.org/officeDocument/2006/relationships" xmlns:p="http://schemas.openxmlformats.org/presentationml/2006/main">
   <p:cSld>
     <p:spTree>
@@ -1989,7 +2388,7 @@
           <a:p>
             <a:fld id="{55247812-3409-784D-BAE7-ABE53735D59F}" type="slidenum">
               <a:rPr lang="en-US" smtClean="0"/>
-              <a:t>8</a:t>
+              <a:t>10</a:t>
             </a:fld>
             <a:endParaRPr lang="en-US"/>
           </a:p>
@@ -1999,174 +2398,6 @@
     <p:extLst>
       <p:ext uri="{BB962C8B-B14F-4D97-AF65-F5344CB8AC3E}">
         <p14:creationId xmlns:p14="http://schemas.microsoft.com/office/powerpoint/2010/main" val="674230183"/>
-      </p:ext>
-    </p:extLst>
-  </p:cSld>
-  <p:clrMapOvr>
-    <a:masterClrMapping/>
-  </p:clrMapOvr>
-</p:notes>
-</file>
-
-<file path=ppt/notesSlides/notesSlide8.xml><?xml version="1.0" encoding="utf-8"?>
-<p:notes xmlns:a="http://schemas.openxmlformats.org/drawingml/2006/main" xmlns:r="http://schemas.openxmlformats.org/officeDocument/2006/relationships" xmlns:p="http://schemas.openxmlformats.org/presentationml/2006/main">
-  <p:cSld>
-    <p:spTree>
-      <p:nvGrpSpPr>
-        <p:cNvPr id="1" name=""/>
-        <p:cNvGrpSpPr/>
-        <p:nvPr/>
-      </p:nvGrpSpPr>
-      <p:grpSpPr>
-        <a:xfrm>
-          <a:off x="0" y="0"/>
-          <a:ext cx="0" cy="0"/>
-          <a:chOff x="0" y="0"/>
-          <a:chExt cx="0" cy="0"/>
-        </a:xfrm>
-      </p:grpSpPr>
-      <p:sp>
-        <p:nvSpPr>
-          <p:cNvPr id="2" name="Slide Image Placeholder 1"/>
-          <p:cNvSpPr>
-            <a:spLocks noGrp="1" noRot="1" noChangeAspect="1"/>
-          </p:cNvSpPr>
-          <p:nvPr>
-            <p:ph type="sldImg"/>
-          </p:nvPr>
-        </p:nvSpPr>
-        <p:spPr/>
-      </p:sp>
-      <p:sp>
-        <p:nvSpPr>
-          <p:cNvPr id="3" name="Notes Placeholder 2"/>
-          <p:cNvSpPr>
-            <a:spLocks noGrp="1"/>
-          </p:cNvSpPr>
-          <p:nvPr>
-            <p:ph type="body" idx="1"/>
-          </p:nvPr>
-        </p:nvSpPr>
-        <p:spPr/>
-        <p:txBody>
-          <a:bodyPr/>
-          <a:lstStyle/>
-          <a:p>
-            <a:endParaRPr lang="en-US"/>
-          </a:p>
-        </p:txBody>
-      </p:sp>
-      <p:sp>
-        <p:nvSpPr>
-          <p:cNvPr id="4" name="Slide Number Placeholder 3"/>
-          <p:cNvSpPr>
-            <a:spLocks noGrp="1"/>
-          </p:cNvSpPr>
-          <p:nvPr>
-            <p:ph type="sldNum" sz="quarter" idx="5"/>
-          </p:nvPr>
-        </p:nvSpPr>
-        <p:spPr/>
-        <p:txBody>
-          <a:bodyPr/>
-          <a:lstStyle/>
-          <a:p>
-            <a:fld id="{55247812-3409-784D-BAE7-ABE53735D59F}" type="slidenum">
-              <a:rPr lang="en-US" smtClean="0"/>
-              <a:t>9</a:t>
-            </a:fld>
-            <a:endParaRPr lang="en-US"/>
-          </a:p>
-        </p:txBody>
-      </p:sp>
-    </p:spTree>
-    <p:extLst>
-      <p:ext uri="{BB962C8B-B14F-4D97-AF65-F5344CB8AC3E}">
-        <p14:creationId xmlns:p14="http://schemas.microsoft.com/office/powerpoint/2010/main" val="346767100"/>
-      </p:ext>
-    </p:extLst>
-  </p:cSld>
-  <p:clrMapOvr>
-    <a:masterClrMapping/>
-  </p:clrMapOvr>
-</p:notes>
-</file>
-
-<file path=ppt/notesSlides/notesSlide9.xml><?xml version="1.0" encoding="utf-8"?>
-<p:notes xmlns:a="http://schemas.openxmlformats.org/drawingml/2006/main" xmlns:r="http://schemas.openxmlformats.org/officeDocument/2006/relationships" xmlns:p="http://schemas.openxmlformats.org/presentationml/2006/main">
-  <p:cSld>
-    <p:spTree>
-      <p:nvGrpSpPr>
-        <p:cNvPr id="1" name=""/>
-        <p:cNvGrpSpPr/>
-        <p:nvPr/>
-      </p:nvGrpSpPr>
-      <p:grpSpPr>
-        <a:xfrm>
-          <a:off x="0" y="0"/>
-          <a:ext cx="0" cy="0"/>
-          <a:chOff x="0" y="0"/>
-          <a:chExt cx="0" cy="0"/>
-        </a:xfrm>
-      </p:grpSpPr>
-      <p:sp>
-        <p:nvSpPr>
-          <p:cNvPr id="2" name="Slide Image Placeholder 1"/>
-          <p:cNvSpPr>
-            <a:spLocks noGrp="1" noRot="1" noChangeAspect="1"/>
-          </p:cNvSpPr>
-          <p:nvPr>
-            <p:ph type="sldImg"/>
-          </p:nvPr>
-        </p:nvSpPr>
-        <p:spPr/>
-      </p:sp>
-      <p:sp>
-        <p:nvSpPr>
-          <p:cNvPr id="3" name="Notes Placeholder 2"/>
-          <p:cNvSpPr>
-            <a:spLocks noGrp="1"/>
-          </p:cNvSpPr>
-          <p:nvPr>
-            <p:ph type="body" idx="1"/>
-          </p:nvPr>
-        </p:nvSpPr>
-        <p:spPr/>
-        <p:txBody>
-          <a:bodyPr/>
-          <a:lstStyle/>
-          <a:p>
-            <a:endParaRPr lang="en-US" dirty="0"/>
-          </a:p>
-        </p:txBody>
-      </p:sp>
-      <p:sp>
-        <p:nvSpPr>
-          <p:cNvPr id="4" name="Slide Number Placeholder 3"/>
-          <p:cNvSpPr>
-            <a:spLocks noGrp="1"/>
-          </p:cNvSpPr>
-          <p:nvPr>
-            <p:ph type="sldNum" sz="quarter" idx="5"/>
-          </p:nvPr>
-        </p:nvSpPr>
-        <p:spPr/>
-        <p:txBody>
-          <a:bodyPr/>
-          <a:lstStyle/>
-          <a:p>
-            <a:fld id="{55247812-3409-784D-BAE7-ABE53735D59F}" type="slidenum">
-              <a:rPr lang="en-US" smtClean="0"/>
-              <a:t>10</a:t>
-            </a:fld>
-            <a:endParaRPr lang="en-US"/>
-          </a:p>
-        </p:txBody>
-      </p:sp>
-    </p:spTree>
-    <p:extLst>
-      <p:ext uri="{BB962C8B-B14F-4D97-AF65-F5344CB8AC3E}">
-        <p14:creationId xmlns:p14="http://schemas.microsoft.com/office/powerpoint/2010/main" val="2986387494"/>
       </p:ext>
     </p:extLst>
   </p:cSld>
@@ -2749,7 +2980,7 @@
           <a:p>
             <a:fld id="{D6D8061D-18C3-4F4F-85EF-561633F58754}" type="datetimeFigureOut">
               <a:rPr lang="en-US" smtClean="0"/>
-              <a:t>12/18/2024</a:t>
+              <a:t>12/20/2024</a:t>
             </a:fld>
             <a:endParaRPr lang="en-US"/>
           </a:p>
@@ -2934,7 +3165,7 @@
           <a:p>
             <a:fld id="{D6D8061D-18C3-4F4F-85EF-561633F58754}" type="datetimeFigureOut">
               <a:rPr lang="en-US" smtClean="0"/>
-              <a:t>12/18/2024</a:t>
+              <a:t>12/20/2024</a:t>
             </a:fld>
             <a:endParaRPr lang="en-US"/>
           </a:p>
@@ -4677,7 +4908,7 @@
           <a:p>
             <a:fld id="{D6D8061D-18C3-4F4F-85EF-561633F58754}" type="datetimeFigureOut">
               <a:rPr lang="en-US" smtClean="0"/>
-              <a:t>12/18/2024</a:t>
+              <a:t>12/20/2024</a:t>
             </a:fld>
             <a:endParaRPr lang="en-US"/>
           </a:p>
@@ -5112,7 +5343,7 @@
           <a:p>
             <a:fld id="{D6D8061D-18C3-4F4F-85EF-561633F58754}" type="datetimeFigureOut">
               <a:rPr lang="en-US" smtClean="0"/>
-              <a:t>12/18/2024</a:t>
+              <a:t>12/20/2024</a:t>
             </a:fld>
             <a:endParaRPr lang="en-US"/>
           </a:p>
@@ -5771,7 +6002,7 @@
           <a:p>
             <a:fld id="{D6D8061D-18C3-4F4F-85EF-561633F58754}" type="datetimeFigureOut">
               <a:rPr lang="en-US" smtClean="0"/>
-              <a:t>12/18/2024</a:t>
+              <a:t>12/20/2024</a:t>
             </a:fld>
             <a:endParaRPr lang="en-US"/>
           </a:p>
@@ -6014,7 +6245,7 @@
           <a:p>
             <a:fld id="{D6D8061D-18C3-4F4F-85EF-561633F58754}" type="datetimeFigureOut">
               <a:rPr lang="en-US" smtClean="0"/>
-              <a:t>12/18/2024</a:t>
+              <a:t>12/20/2024</a:t>
             </a:fld>
             <a:endParaRPr lang="en-US"/>
           </a:p>
@@ -6529,7 +6760,13 @@
   <p:cSld>
     <p:spTree>
       <p:nvGrpSpPr>
-        <p:cNvPr id="1" name=""/>
+        <p:cNvPr id="1" name="">
+          <a:extLst>
+            <a:ext uri="{FF2B5EF4-FFF2-40B4-BE49-F238E27FC236}">
+              <a16:creationId xmlns:a16="http://schemas.microsoft.com/office/drawing/2014/main" id="{3C12EA33-CB57-6F38-5002-0C648881A06C}"/>
+            </a:ext>
+          </a:extLst>
+        </p:cNvPr>
         <p:cNvGrpSpPr/>
         <p:nvPr/>
       </p:nvGrpSpPr>
@@ -6546,7 +6783,7 @@
           <p:cNvPr id="2" name="Title 1">
             <a:extLst>
               <a:ext uri="{FF2B5EF4-FFF2-40B4-BE49-F238E27FC236}">
-                <a16:creationId xmlns:a16="http://schemas.microsoft.com/office/drawing/2014/main" id="{5D030A76-B788-B363-104E-266B7C7F7208}"/>
+                <a16:creationId xmlns:a16="http://schemas.microsoft.com/office/drawing/2014/main" id="{43D9D29F-9A93-19FA-65B8-64A3EB185BB5}"/>
               </a:ext>
             </a:extLst>
           </p:cNvPr>
@@ -6559,8 +6796,8 @@
         </p:nvSpPr>
         <p:spPr>
           <a:xfrm>
-            <a:off x="838200" y="365760"/>
-            <a:ext cx="10515600" cy="833453"/>
+            <a:off x="838200" y="1"/>
+            <a:ext cx="10515600" cy="718380"/>
           </a:xfrm>
           <a:noFill/>
         </p:spPr>
@@ -6572,17 +6809,17 @@
               <a:rPr lang="en-US" sz="4000" dirty="0">
                 <a:latin typeface="+mn-lt"/>
               </a:rPr>
-              <a:t>KEY TAKEAWAYS</a:t>
-            </a:r>
-          </a:p>
-        </p:txBody>
-      </p:sp>
-      <p:sp>
-        <p:nvSpPr>
-          <p:cNvPr id="3" name="Content Placeholder 2">
-            <a:extLst>
-              <a:ext uri="{FF2B5EF4-FFF2-40B4-BE49-F238E27FC236}">
-                <a16:creationId xmlns:a16="http://schemas.microsoft.com/office/drawing/2014/main" id="{05948542-FCE1-3AE6-C6C9-17975609DF70}"/>
+              <a:t>Statistical ANALYSIS</a:t>
+            </a:r>
+          </a:p>
+        </p:txBody>
+      </p:sp>
+      <p:sp>
+        <p:nvSpPr>
+          <p:cNvPr id="9" name="Table Placeholder 8">
+            <a:extLst>
+              <a:ext uri="{FF2B5EF4-FFF2-40B4-BE49-F238E27FC236}">
+                <a16:creationId xmlns:a16="http://schemas.microsoft.com/office/drawing/2014/main" id="{55194CD2-1F76-A051-5126-B1372AC103B6}"/>
               </a:ext>
             </a:extLst>
           </p:cNvPr>
@@ -6590,89 +6827,41 @@
             <a:spLocks noGrp="1"/>
           </p:cNvSpPr>
           <p:nvPr>
-            <p:ph sz="quarter" idx="15"/>
+            <p:ph type="tbl" sz="quarter" idx="13"/>
           </p:nvPr>
         </p:nvSpPr>
         <p:spPr>
           <a:xfrm>
-            <a:off x="838199" y="1364105"/>
-            <a:ext cx="10764187" cy="4539278"/>
+            <a:off x="440975" y="2133685"/>
+            <a:ext cx="4895522" cy="2754974"/>
           </a:xfrm>
-          <a:noFill/>
         </p:spPr>
         <p:txBody>
-          <a:bodyPr vert="horz" lIns="91440" tIns="45720" rIns="91440" bIns="45720" rtlCol="0" anchor="t">
+          <a:bodyPr>
             <a:normAutofit/>
           </a:bodyPr>
           <a:lstStyle/>
           <a:p>
-            <a:pPr lvl="1" algn="just"/>
-            <a:r>
-              <a:rPr lang="en-US" sz="2000" dirty="0"/>
-              <a:t>Sales depends on location as it plays a huge role on the class of drugs largely purchased in that vicinity.</a:t>
-            </a:r>
-          </a:p>
-          <a:p>
-            <a:pPr lvl="1" algn="just"/>
-            <a:r>
-              <a:rPr lang="en-US" sz="2000" dirty="0"/>
-              <a:t>Channel of distribution has an impact on revenue as analysis has shown Pharmacy has the highest revenue as compared to Hospital. The same way government hospitals generate higher revenue as compared to private (population is higher in government hospitals).</a:t>
-            </a:r>
-          </a:p>
-          <a:p>
-            <a:pPr lvl="1" algn="just"/>
-            <a:r>
-              <a:rPr lang="en-US" sz="2000" dirty="0"/>
-              <a:t>Also, 94% of revenue is from Germany with top cities being Altenburg, Cuxhaven and </a:t>
-            </a:r>
-            <a:r>
-              <a:rPr lang="en-US" sz="2000" dirty="0" err="1"/>
-              <a:t>Freidberg</a:t>
-            </a:r>
-            <a:r>
-              <a:rPr lang="en-US" sz="2000" dirty="0"/>
-              <a:t>.</a:t>
-            </a:r>
-          </a:p>
-          <a:p>
-            <a:pPr lvl="1" algn="just"/>
-            <a:r>
-              <a:rPr lang="en-US" sz="2000" dirty="0"/>
-              <a:t>The drug with the highest revenue is </a:t>
-            </a:r>
-            <a:r>
-              <a:rPr lang="en-US" sz="2000" dirty="0" err="1"/>
-              <a:t>Sumanazole</a:t>
-            </a:r>
-            <a:r>
-              <a:rPr lang="en-US" sz="2000" dirty="0"/>
-              <a:t> (113m) and the least is </a:t>
-            </a:r>
-            <a:r>
-              <a:rPr lang="en-US" sz="2000" dirty="0" err="1"/>
-              <a:t>Ampheslox</a:t>
-            </a:r>
-            <a:r>
-              <a:rPr lang="en-US" sz="2000" dirty="0"/>
-              <a:t> (2.6m).</a:t>
-            </a:r>
-          </a:p>
-          <a:p>
-            <a:pPr lvl="1" algn="just"/>
-            <a:endParaRPr lang="en-US" sz="2000" dirty="0"/>
-          </a:p>
-          <a:p>
-            <a:pPr lvl="1"/>
-            <a:endParaRPr lang="en-US" dirty="0"/>
-          </a:p>
-        </p:txBody>
-      </p:sp>
-      <p:sp>
-        <p:nvSpPr>
-          <p:cNvPr id="4" name="Rectangle 3">
-            <a:extLst>
-              <a:ext uri="{FF2B5EF4-FFF2-40B4-BE49-F238E27FC236}">
-                <a16:creationId xmlns:a16="http://schemas.microsoft.com/office/drawing/2014/main" id="{C938FFC8-1028-94A9-523C-4939156FFB5B}"/>
+            <a:r>
+              <a:rPr lang="en-US" dirty="0"/>
+              <a:t>This shows a positive correlation between the quantity of products and sales.</a:t>
+            </a:r>
+          </a:p>
+          <a:p>
+            <a:r>
+              <a:rPr lang="en-US" dirty="0"/>
+              <a:t>There is also a positive correlation between the price of products and sales. </a:t>
+            </a:r>
+            <a:endParaRPr lang="LID4096" dirty="0"/>
+          </a:p>
+        </p:txBody>
+      </p:sp>
+      <p:sp>
+        <p:nvSpPr>
+          <p:cNvPr id="5" name="Rectangle 4">
+            <a:extLst>
+              <a:ext uri="{FF2B5EF4-FFF2-40B4-BE49-F238E27FC236}">
+                <a16:creationId xmlns:a16="http://schemas.microsoft.com/office/drawing/2014/main" id="{C5C95903-4AB1-232B-1551-A794D160340C}"/>
               </a:ext>
               <a:ext uri="{C183D7F6-B498-43B3-948B-1728B52AA6E4}">
                 <adec:decorative xmlns:adec="http://schemas.microsoft.com/office/drawing/2017/decorative" val="1"/>
@@ -6724,10 +6913,70 @@
           </a:p>
         </p:txBody>
       </p:sp>
+      <p:pic>
+        <p:nvPicPr>
+          <p:cNvPr id="8" name="Picture 7">
+            <a:extLst>
+              <a:ext uri="{FF2B5EF4-FFF2-40B4-BE49-F238E27FC236}">
+                <a16:creationId xmlns:a16="http://schemas.microsoft.com/office/drawing/2014/main" id="{436DC76E-4F81-C79E-1F84-1D581C6F5CA4}"/>
+              </a:ext>
+            </a:extLst>
+          </p:cNvPr>
+          <p:cNvPicPr>
+            <a:picLocks noChangeAspect="1"/>
+          </p:cNvPicPr>
+          <p:nvPr/>
+        </p:nvPicPr>
+        <p:blipFill>
+          <a:blip r:embed="rId3"/>
+          <a:stretch>
+            <a:fillRect/>
+          </a:stretch>
+        </p:blipFill>
+        <p:spPr>
+          <a:xfrm>
+            <a:off x="6855505" y="790969"/>
+            <a:ext cx="4237216" cy="2704209"/>
+          </a:xfrm>
+          <a:prstGeom prst="rect">
+            <a:avLst/>
+          </a:prstGeom>
+        </p:spPr>
+      </p:pic>
+      <p:pic>
+        <p:nvPicPr>
+          <p:cNvPr id="12" name="Picture 11">
+            <a:extLst>
+              <a:ext uri="{FF2B5EF4-FFF2-40B4-BE49-F238E27FC236}">
+                <a16:creationId xmlns:a16="http://schemas.microsoft.com/office/drawing/2014/main" id="{69C0DACE-13C3-3DEC-8FE3-B8C95D226350}"/>
+              </a:ext>
+            </a:extLst>
+          </p:cNvPr>
+          <p:cNvPicPr>
+            <a:picLocks noChangeAspect="1"/>
+          </p:cNvPicPr>
+          <p:nvPr/>
+        </p:nvPicPr>
+        <p:blipFill>
+          <a:blip r:embed="rId4"/>
+          <a:stretch>
+            <a:fillRect/>
+          </a:stretch>
+        </p:blipFill>
+        <p:spPr>
+          <a:xfrm>
+            <a:off x="6868793" y="3666120"/>
+            <a:ext cx="4223927" cy="2616341"/>
+          </a:xfrm>
+          <a:prstGeom prst="rect">
+            <a:avLst/>
+          </a:prstGeom>
+        </p:spPr>
+      </p:pic>
     </p:spTree>
     <p:extLst>
       <p:ext uri="{BB962C8B-B14F-4D97-AF65-F5344CB8AC3E}">
-        <p14:creationId xmlns:p14="http://schemas.microsoft.com/office/powerpoint/2010/main" val="643777997"/>
+        <p14:creationId xmlns:p14="http://schemas.microsoft.com/office/powerpoint/2010/main" val="1032200524"/>
       </p:ext>
     </p:extLst>
   </p:cSld>
@@ -6742,13 +6991,7 @@
   <p:cSld>
     <p:spTree>
       <p:nvGrpSpPr>
-        <p:cNvPr id="1" name="">
-          <a:extLst>
-            <a:ext uri="{FF2B5EF4-FFF2-40B4-BE49-F238E27FC236}">
-              <a16:creationId xmlns:a16="http://schemas.microsoft.com/office/drawing/2014/main" id="{C0B7C4D5-9066-40F0-A3A9-EB8D4E7F0065}"/>
-            </a:ext>
-          </a:extLst>
-        </p:cNvPr>
+        <p:cNvPr id="1" name=""/>
         <p:cNvGrpSpPr/>
         <p:nvPr/>
       </p:nvGrpSpPr>
@@ -6765,7 +7008,937 @@
           <p:cNvPr id="2" name="Title 1">
             <a:extLst>
               <a:ext uri="{FF2B5EF4-FFF2-40B4-BE49-F238E27FC236}">
-                <a16:creationId xmlns:a16="http://schemas.microsoft.com/office/drawing/2014/main" id="{87D4FD1F-E90D-4245-9A3C-9B578C439888}"/>
+                <a16:creationId xmlns:a16="http://schemas.microsoft.com/office/drawing/2014/main" id="{B7545968-70F7-0180-6448-3547E442EF4A}"/>
+              </a:ext>
+            </a:extLst>
+          </p:cNvPr>
+          <p:cNvSpPr>
+            <a:spLocks noGrp="1"/>
+          </p:cNvSpPr>
+          <p:nvPr>
+            <p:ph type="title"/>
+          </p:nvPr>
+        </p:nvSpPr>
+        <p:spPr>
+          <a:xfrm>
+            <a:off x="838200" y="365761"/>
+            <a:ext cx="10515600" cy="540640"/>
+          </a:xfrm>
+          <a:noFill/>
+        </p:spPr>
+        <p:txBody>
+          <a:bodyPr anchor="ctr">
+            <a:noAutofit/>
+          </a:bodyPr>
+          <a:lstStyle/>
+          <a:p>
+            <a:r>
+              <a:rPr lang="en-US" sz="2800" dirty="0">
+                <a:latin typeface="+mn-lt"/>
+              </a:rPr>
+              <a:t>ANALYSIS ON PRODUCT, Subclass, LOCATION &amp; MANAGER</a:t>
+            </a:r>
+          </a:p>
+        </p:txBody>
+      </p:sp>
+      <p:graphicFrame>
+        <p:nvGraphicFramePr>
+          <p:cNvPr id="3" name="Table Placeholder 2">
+            <a:extLst>
+              <a:ext uri="{FF2B5EF4-FFF2-40B4-BE49-F238E27FC236}">
+                <a16:creationId xmlns:a16="http://schemas.microsoft.com/office/drawing/2014/main" id="{F01CF5D3-D3B1-1944-CFDF-D8EE11DE42AA}"/>
+              </a:ext>
+            </a:extLst>
+          </p:cNvPr>
+          <p:cNvGraphicFramePr>
+            <a:graphicFrameLocks noGrp="1"/>
+          </p:cNvGraphicFramePr>
+          <p:nvPr>
+            <p:ph type="tbl" sz="quarter" idx="13"/>
+            <p:extLst>
+              <p:ext uri="{D42A27DB-BD31-4B8C-83A1-F6EECF244321}">
+                <p14:modId xmlns:p14="http://schemas.microsoft.com/office/powerpoint/2010/main" val="1352762741"/>
+              </p:ext>
+            </p:extLst>
+          </p:nvPr>
+        </p:nvGraphicFramePr>
+        <p:xfrm>
+          <a:off x="1304145" y="1229194"/>
+          <a:ext cx="9728617" cy="4856813"/>
+        </p:xfrm>
+        <a:graphic>
+          <a:graphicData uri="http://schemas.openxmlformats.org/drawingml/2006/table">
+            <a:tbl>
+              <a:tblPr firstRow="1" bandRow="1">
+                <a:tableStyleId>{7E9639D4-E3E2-4D34-9284-5A2195B3D0D7}</a:tableStyleId>
+              </a:tblPr>
+              <a:tblGrid>
+                <a:gridCol w="1876392">
+                  <a:extLst>
+                    <a:ext uri="{9D8B030D-6E8A-4147-A177-3AD203B41FA5}">
+                      <a16:colId xmlns:a16="http://schemas.microsoft.com/office/drawing/2014/main" val="127040821"/>
+                    </a:ext>
+                  </a:extLst>
+                </a:gridCol>
+                <a:gridCol w="2168663">
+                  <a:extLst>
+                    <a:ext uri="{9D8B030D-6E8A-4147-A177-3AD203B41FA5}">
+                      <a16:colId xmlns:a16="http://schemas.microsoft.com/office/drawing/2014/main" val="149845700"/>
+                    </a:ext>
+                  </a:extLst>
+                </a:gridCol>
+                <a:gridCol w="2252944">
+                  <a:extLst>
+                    <a:ext uri="{9D8B030D-6E8A-4147-A177-3AD203B41FA5}">
+                      <a16:colId xmlns:a16="http://schemas.microsoft.com/office/drawing/2014/main" val="3119692462"/>
+                    </a:ext>
+                  </a:extLst>
+                </a:gridCol>
+                <a:gridCol w="1655572">
+                  <a:extLst>
+                    <a:ext uri="{9D8B030D-6E8A-4147-A177-3AD203B41FA5}">
+                      <a16:colId xmlns:a16="http://schemas.microsoft.com/office/drawing/2014/main" val="3472639139"/>
+                    </a:ext>
+                  </a:extLst>
+                </a:gridCol>
+                <a:gridCol w="1775046">
+                  <a:extLst>
+                    <a:ext uri="{9D8B030D-6E8A-4147-A177-3AD203B41FA5}">
+                      <a16:colId xmlns:a16="http://schemas.microsoft.com/office/drawing/2014/main" val="3774140160"/>
+                    </a:ext>
+                  </a:extLst>
+                </a:gridCol>
+              </a:tblGrid>
+              <a:tr h="643015">
+                <a:tc>
+                  <a:txBody>
+                    <a:bodyPr/>
+                    <a:lstStyle/>
+                    <a:p>
+                      <a:pPr marL="0" marR="0" lvl="0" indent="0" algn="l" defTabSz="914400" rtl="0" eaLnBrk="1" fontAlgn="auto" latinLnBrk="0" hangingPunct="1">
+                        <a:lnSpc>
+                          <a:spcPct val="100000"/>
+                        </a:lnSpc>
+                        <a:spcBef>
+                          <a:spcPts val="0"/>
+                        </a:spcBef>
+                        <a:spcAft>
+                          <a:spcPts val="0"/>
+                        </a:spcAft>
+                        <a:buClrTx/>
+                        <a:buSzTx/>
+                        <a:buFontTx/>
+                        <a:buNone/>
+                        <a:tabLst/>
+                        <a:defRPr/>
+                      </a:pPr>
+                      <a:r>
+                        <a:rPr lang="en-US" b="0" i="0" dirty="0">
+                          <a:latin typeface="+mn-lt"/>
+                          <a:cs typeface="Calibri" panose="020F0502020204030204" pitchFamily="34" charset="0"/>
+                        </a:rPr>
+                        <a:t>Product Class</a:t>
+                      </a:r>
+                    </a:p>
+                  </a:txBody>
+                  <a:tcPr anchor="ctr"/>
+                </a:tc>
+                <a:tc>
+                  <a:txBody>
+                    <a:bodyPr/>
+                    <a:lstStyle/>
+                    <a:p>
+                      <a:pPr algn="l"/>
+                      <a:r>
+                        <a:rPr lang="en-US" b="0" i="0" dirty="0">
+                          <a:latin typeface="+mn-lt"/>
+                          <a:cs typeface="Calibri" panose="020F0502020204030204" pitchFamily="34" charset="0"/>
+                        </a:rPr>
+                        <a:t>Subclass</a:t>
+                      </a:r>
+                    </a:p>
+                  </a:txBody>
+                  <a:tcPr anchor="ctr"/>
+                </a:tc>
+                <a:tc>
+                  <a:txBody>
+                    <a:bodyPr/>
+                    <a:lstStyle/>
+                    <a:p>
+                      <a:pPr algn="l"/>
+                      <a:r>
+                        <a:rPr lang="en-US" b="0" i="0" dirty="0">
+                          <a:latin typeface="+mn-lt"/>
+                          <a:cs typeface="Calibri" panose="020F0502020204030204" pitchFamily="34" charset="0"/>
+                        </a:rPr>
+                        <a:t>Top Location(revenue)</a:t>
+                      </a:r>
+                    </a:p>
+                  </a:txBody>
+                  <a:tcPr anchor="ctr"/>
+                </a:tc>
+                <a:tc>
+                  <a:txBody>
+                    <a:bodyPr/>
+                    <a:lstStyle/>
+                    <a:p>
+                      <a:pPr algn="l"/>
+                      <a:r>
+                        <a:rPr lang="en-US" b="0" i="0" dirty="0">
+                          <a:latin typeface="+mn-lt"/>
+                          <a:cs typeface="Calibri" panose="020F0502020204030204" pitchFamily="34" charset="0"/>
+                        </a:rPr>
+                        <a:t>Rural/Urban</a:t>
+                      </a:r>
+                    </a:p>
+                  </a:txBody>
+                  <a:tcPr anchor="ctr"/>
+                </a:tc>
+                <a:tc>
+                  <a:txBody>
+                    <a:bodyPr/>
+                    <a:lstStyle/>
+                    <a:p>
+                      <a:pPr algn="l"/>
+                      <a:r>
+                        <a:rPr lang="en-US" b="0" i="0" dirty="0">
+                          <a:latin typeface="+mn-lt"/>
+                          <a:cs typeface="Calibri" panose="020F0502020204030204" pitchFamily="34" charset="0"/>
+                        </a:rPr>
+                        <a:t>Manager</a:t>
+                      </a:r>
+                    </a:p>
+                  </a:txBody>
+                  <a:tcPr anchor="ctr"/>
+                </a:tc>
+                <a:extLst>
+                  <a:ext uri="{0D108BD9-81ED-4DB2-BD59-A6C34878D82A}">
+                    <a16:rowId xmlns:a16="http://schemas.microsoft.com/office/drawing/2014/main" val="3298013591"/>
+                  </a:ext>
+                </a:extLst>
+              </a:tr>
+              <a:tr h="643015">
+                <a:tc>
+                  <a:txBody>
+                    <a:bodyPr/>
+                    <a:lstStyle/>
+                    <a:p>
+                      <a:pPr algn="l"/>
+                      <a:r>
+                        <a:rPr lang="en-US" b="0" i="0" dirty="0">
+                          <a:latin typeface="+mn-lt"/>
+                          <a:cs typeface="Calibri" panose="020F0502020204030204" pitchFamily="34" charset="0"/>
+                        </a:rPr>
+                        <a:t>Analgesics</a:t>
+                      </a:r>
+                    </a:p>
+                  </a:txBody>
+                  <a:tcPr anchor="ctr"/>
+                </a:tc>
+                <a:tc>
+                  <a:txBody>
+                    <a:bodyPr/>
+                    <a:lstStyle/>
+                    <a:p>
+                      <a:pPr marL="0" marR="0" lvl="0" indent="0" algn="l" defTabSz="914400" rtl="0" eaLnBrk="1" fontAlgn="auto" latinLnBrk="0" hangingPunct="1">
+                        <a:lnSpc>
+                          <a:spcPct val="100000"/>
+                        </a:lnSpc>
+                        <a:spcBef>
+                          <a:spcPts val="0"/>
+                        </a:spcBef>
+                        <a:spcAft>
+                          <a:spcPts val="0"/>
+                        </a:spcAft>
+                        <a:buClrTx/>
+                        <a:buSzTx/>
+                        <a:buFontTx/>
+                        <a:buNone/>
+                        <a:tabLst/>
+                        <a:defRPr/>
+                      </a:pPr>
+                      <a:r>
+                        <a:rPr lang="en-US" b="0" i="0" dirty="0">
+                          <a:latin typeface="+mn-lt"/>
+                          <a:cs typeface="Calibri" panose="020F0502020204030204" pitchFamily="34" charset="0"/>
+                        </a:rPr>
+                        <a:t>Govt. Hospital</a:t>
+                      </a:r>
+                    </a:p>
+                  </a:txBody>
+                  <a:tcPr anchor="ctr"/>
+                </a:tc>
+                <a:tc>
+                  <a:txBody>
+                    <a:bodyPr/>
+                    <a:lstStyle/>
+                    <a:p>
+                      <a:pPr algn="l"/>
+                      <a:r>
+                        <a:rPr lang="en-US" b="0" i="0" dirty="0">
+                          <a:latin typeface="+mn-lt"/>
+                          <a:cs typeface="Calibri" panose="020F0502020204030204" pitchFamily="34" charset="0"/>
+                        </a:rPr>
+                        <a:t>Altenburg (31m)</a:t>
+                      </a:r>
+                    </a:p>
+                  </a:txBody>
+                  <a:tcPr anchor="ctr"/>
+                </a:tc>
+                <a:tc>
+                  <a:txBody>
+                    <a:bodyPr/>
+                    <a:lstStyle/>
+                    <a:p>
+                      <a:pPr marL="0" marR="0" lvl="0" indent="0" algn="l" defTabSz="914400" rtl="0" eaLnBrk="1" fontAlgn="auto" latinLnBrk="0" hangingPunct="1">
+                        <a:lnSpc>
+                          <a:spcPct val="100000"/>
+                        </a:lnSpc>
+                        <a:spcBef>
+                          <a:spcPts val="0"/>
+                        </a:spcBef>
+                        <a:spcAft>
+                          <a:spcPts val="0"/>
+                        </a:spcAft>
+                        <a:buClrTx/>
+                        <a:buSzTx/>
+                        <a:buFontTx/>
+                        <a:buNone/>
+                        <a:tabLst/>
+                        <a:defRPr/>
+                      </a:pPr>
+                      <a:r>
+                        <a:rPr lang="en-US" b="0" i="0" dirty="0">
+                          <a:latin typeface="+mn-lt"/>
+                          <a:cs typeface="Calibri" panose="020F0502020204030204" pitchFamily="34" charset="0"/>
+                        </a:rPr>
+                        <a:t>Urban</a:t>
+                      </a:r>
+                    </a:p>
+                  </a:txBody>
+                  <a:tcPr anchor="ctr"/>
+                </a:tc>
+                <a:tc>
+                  <a:txBody>
+                    <a:bodyPr/>
+                    <a:lstStyle/>
+                    <a:p>
+                      <a:pPr algn="l"/>
+                      <a:r>
+                        <a:rPr lang="en-US" b="0" i="0" dirty="0">
+                          <a:latin typeface="+mn-lt"/>
+                          <a:cs typeface="Calibri" panose="020F0502020204030204" pitchFamily="34" charset="0"/>
+                        </a:rPr>
+                        <a:t>Brittany Bold</a:t>
+                      </a:r>
+                    </a:p>
+                  </a:txBody>
+                  <a:tcPr anchor="ctr"/>
+                </a:tc>
+                <a:extLst>
+                  <a:ext uri="{0D108BD9-81ED-4DB2-BD59-A6C34878D82A}">
+                    <a16:rowId xmlns:a16="http://schemas.microsoft.com/office/drawing/2014/main" val="3873867931"/>
+                  </a:ext>
+                </a:extLst>
+              </a:tr>
+              <a:tr h="643015">
+                <a:tc>
+                  <a:txBody>
+                    <a:bodyPr/>
+                    <a:lstStyle/>
+                    <a:p>
+                      <a:pPr algn="l"/>
+                      <a:r>
+                        <a:rPr lang="en-US" b="0" i="0" dirty="0">
+                          <a:latin typeface="+mn-lt"/>
+                          <a:cs typeface="Calibri" panose="020F0502020204030204" pitchFamily="34" charset="0"/>
+                        </a:rPr>
+                        <a:t>Antiseptics</a:t>
+                      </a:r>
+                    </a:p>
+                  </a:txBody>
+                  <a:tcPr anchor="ctr"/>
+                </a:tc>
+                <a:tc>
+                  <a:txBody>
+                    <a:bodyPr/>
+                    <a:lstStyle/>
+                    <a:p>
+                      <a:pPr algn="l"/>
+                      <a:r>
+                        <a:rPr lang="en-US" b="0" i="0" dirty="0">
+                          <a:latin typeface="+mn-lt"/>
+                          <a:cs typeface="Calibri" panose="020F0502020204030204" pitchFamily="34" charset="0"/>
+                        </a:rPr>
+                        <a:t>Retail-Pharmacy</a:t>
+                      </a:r>
+                    </a:p>
+                  </a:txBody>
+                  <a:tcPr anchor="ctr"/>
+                </a:tc>
+                <a:tc>
+                  <a:txBody>
+                    <a:bodyPr/>
+                    <a:lstStyle/>
+                    <a:p>
+                      <a:pPr algn="l"/>
+                      <a:r>
+                        <a:rPr lang="en-US" b="0" i="0" dirty="0">
+                          <a:latin typeface="+mn-lt"/>
+                          <a:cs typeface="Calibri" panose="020F0502020204030204" pitchFamily="34" charset="0"/>
+                        </a:rPr>
+                        <a:t>Ludwigshafen (21m)</a:t>
+                      </a:r>
+                    </a:p>
+                  </a:txBody>
+                  <a:tcPr anchor="ctr"/>
+                </a:tc>
+                <a:tc>
+                  <a:txBody>
+                    <a:bodyPr/>
+                    <a:lstStyle/>
+                    <a:p>
+                      <a:pPr algn="l"/>
+                      <a:r>
+                        <a:rPr lang="en-US" b="0" i="0" dirty="0">
+                          <a:latin typeface="+mn-lt"/>
+                          <a:cs typeface="Calibri" panose="020F0502020204030204" pitchFamily="34" charset="0"/>
+                        </a:rPr>
+                        <a:t>Urban</a:t>
+                      </a:r>
+                    </a:p>
+                  </a:txBody>
+                  <a:tcPr anchor="ctr"/>
+                </a:tc>
+                <a:tc>
+                  <a:txBody>
+                    <a:bodyPr/>
+                    <a:lstStyle/>
+                    <a:p>
+                      <a:pPr algn="l"/>
+                      <a:r>
+                        <a:rPr lang="en-US" b="0" i="0" dirty="0">
+                          <a:latin typeface="+mn-lt"/>
+                          <a:cs typeface="Calibri" panose="020F0502020204030204" pitchFamily="34" charset="0"/>
+                        </a:rPr>
+                        <a:t>Brittany Bold</a:t>
+                      </a:r>
+                    </a:p>
+                  </a:txBody>
+                  <a:tcPr anchor="ctr"/>
+                </a:tc>
+                <a:extLst>
+                  <a:ext uri="{0D108BD9-81ED-4DB2-BD59-A6C34878D82A}">
+                    <a16:rowId xmlns:a16="http://schemas.microsoft.com/office/drawing/2014/main" val="85209771"/>
+                  </a:ext>
+                </a:extLst>
+              </a:tr>
+              <a:tr h="643015">
+                <a:tc>
+                  <a:txBody>
+                    <a:bodyPr/>
+                    <a:lstStyle/>
+                    <a:p>
+                      <a:pPr marL="0" marR="0" lvl="0" indent="0" algn="l" defTabSz="914400" rtl="0" eaLnBrk="1" fontAlgn="auto" latinLnBrk="0" hangingPunct="1">
+                        <a:lnSpc>
+                          <a:spcPct val="100000"/>
+                        </a:lnSpc>
+                        <a:spcBef>
+                          <a:spcPts val="0"/>
+                        </a:spcBef>
+                        <a:spcAft>
+                          <a:spcPts val="0"/>
+                        </a:spcAft>
+                        <a:buClrTx/>
+                        <a:buSzTx/>
+                        <a:buFontTx/>
+                        <a:buNone/>
+                        <a:tabLst/>
+                        <a:defRPr/>
+                      </a:pPr>
+                      <a:r>
+                        <a:rPr lang="en-US" b="0" i="0" dirty="0">
+                          <a:latin typeface="+mn-lt"/>
+                          <a:cs typeface="Calibri" panose="020F0502020204030204" pitchFamily="34" charset="0"/>
+                        </a:rPr>
+                        <a:t>Mood stabilizers</a:t>
+                      </a:r>
+                    </a:p>
+                  </a:txBody>
+                  <a:tcPr anchor="ctr"/>
+                </a:tc>
+                <a:tc>
+                  <a:txBody>
+                    <a:bodyPr/>
+                    <a:lstStyle/>
+                    <a:p>
+                      <a:pPr algn="l"/>
+                      <a:r>
+                        <a:rPr lang="en-US" b="0" i="0" dirty="0">
+                          <a:latin typeface="+mn-lt"/>
+                          <a:cs typeface="Calibri" panose="020F0502020204030204" pitchFamily="34" charset="0"/>
+                        </a:rPr>
+                        <a:t>Retail-Pharmacy</a:t>
+                      </a:r>
+                    </a:p>
+                  </a:txBody>
+                  <a:tcPr anchor="ctr"/>
+                </a:tc>
+                <a:tc>
+                  <a:txBody>
+                    <a:bodyPr/>
+                    <a:lstStyle/>
+                    <a:p>
+                      <a:pPr algn="l"/>
+                      <a:r>
+                        <a:rPr lang="en-GB" dirty="0"/>
+                        <a:t>Cuxhaven (33m)</a:t>
+                      </a:r>
+                      <a:endParaRPr lang="en-US" b="0" i="0" dirty="0">
+                        <a:latin typeface="+mn-lt"/>
+                        <a:cs typeface="Calibri" panose="020F0502020204030204" pitchFamily="34" charset="0"/>
+                      </a:endParaRPr>
+                    </a:p>
+                  </a:txBody>
+                  <a:tcPr anchor="ctr"/>
+                </a:tc>
+                <a:tc>
+                  <a:txBody>
+                    <a:bodyPr/>
+                    <a:lstStyle/>
+                    <a:p>
+                      <a:pPr marL="0" marR="0" lvl="0" indent="0" algn="l" defTabSz="914400" rtl="0" eaLnBrk="1" fontAlgn="auto" latinLnBrk="0" hangingPunct="1">
+                        <a:lnSpc>
+                          <a:spcPct val="100000"/>
+                        </a:lnSpc>
+                        <a:spcBef>
+                          <a:spcPts val="0"/>
+                        </a:spcBef>
+                        <a:spcAft>
+                          <a:spcPts val="0"/>
+                        </a:spcAft>
+                        <a:buClrTx/>
+                        <a:buSzTx/>
+                        <a:buFontTx/>
+                        <a:buNone/>
+                        <a:tabLst/>
+                        <a:defRPr/>
+                      </a:pPr>
+                      <a:r>
+                        <a:rPr lang="en-US" b="0" i="0" dirty="0">
+                          <a:latin typeface="+mn-lt"/>
+                          <a:cs typeface="Calibri" panose="020F0502020204030204" pitchFamily="34" charset="0"/>
+                        </a:rPr>
+                        <a:t>Semi-Urban</a:t>
+                      </a:r>
+                    </a:p>
+                  </a:txBody>
+                  <a:tcPr anchor="ctr"/>
+                </a:tc>
+                <a:tc>
+                  <a:txBody>
+                    <a:bodyPr/>
+                    <a:lstStyle/>
+                    <a:p>
+                      <a:pPr algn="l"/>
+                      <a:r>
+                        <a:rPr lang="en-US" b="0" i="0" dirty="0">
+                          <a:latin typeface="+mn-lt"/>
+                          <a:cs typeface="Calibri" panose="020F0502020204030204" pitchFamily="34" charset="0"/>
+                        </a:rPr>
+                        <a:t>Brittany Bold</a:t>
+                      </a:r>
+                    </a:p>
+                  </a:txBody>
+                  <a:tcPr anchor="ctr"/>
+                </a:tc>
+                <a:extLst>
+                  <a:ext uri="{0D108BD9-81ED-4DB2-BD59-A6C34878D82A}">
+                    <a16:rowId xmlns:a16="http://schemas.microsoft.com/office/drawing/2014/main" val="4061031278"/>
+                  </a:ext>
+                </a:extLst>
+              </a:tr>
+              <a:tr h="643015">
+                <a:tc>
+                  <a:txBody>
+                    <a:bodyPr/>
+                    <a:lstStyle/>
+                    <a:p>
+                      <a:pPr algn="l"/>
+                      <a:r>
+                        <a:rPr lang="en-GB" dirty="0"/>
+                        <a:t>Antipyretics</a:t>
+                      </a:r>
+                      <a:endParaRPr lang="en-US" b="0" i="0" dirty="0">
+                        <a:latin typeface="+mn-lt"/>
+                        <a:cs typeface="Calibri" panose="020F0502020204030204" pitchFamily="34" charset="0"/>
+                      </a:endParaRPr>
+                    </a:p>
+                  </a:txBody>
+                  <a:tcPr anchor="ctr"/>
+                </a:tc>
+                <a:tc>
+                  <a:txBody>
+                    <a:bodyPr/>
+                    <a:lstStyle/>
+                    <a:p>
+                      <a:pPr marL="0" marR="0" lvl="0" indent="0" algn="l" defTabSz="914400" rtl="0" eaLnBrk="1" fontAlgn="auto" latinLnBrk="0" hangingPunct="1">
+                        <a:lnSpc>
+                          <a:spcPct val="100000"/>
+                        </a:lnSpc>
+                        <a:spcBef>
+                          <a:spcPts val="0"/>
+                        </a:spcBef>
+                        <a:spcAft>
+                          <a:spcPts val="0"/>
+                        </a:spcAft>
+                        <a:buClrTx/>
+                        <a:buSzTx/>
+                        <a:buFontTx/>
+                        <a:buNone/>
+                        <a:tabLst/>
+                        <a:defRPr/>
+                      </a:pPr>
+                      <a:r>
+                        <a:rPr lang="en-US" b="0" i="0" dirty="0">
+                          <a:latin typeface="+mn-lt"/>
+                          <a:cs typeface="Calibri" panose="020F0502020204030204" pitchFamily="34" charset="0"/>
+                        </a:rPr>
+                        <a:t>Retail-Pharmacy</a:t>
+                      </a:r>
+                    </a:p>
+                  </a:txBody>
+                  <a:tcPr anchor="ctr"/>
+                </a:tc>
+                <a:tc>
+                  <a:txBody>
+                    <a:bodyPr/>
+                    <a:lstStyle/>
+                    <a:p>
+                      <a:pPr algn="l"/>
+                      <a:r>
+                        <a:rPr lang="en-GB" dirty="0"/>
+                        <a:t>Bottrop (31m)</a:t>
+                      </a:r>
+                      <a:endParaRPr lang="en-US" b="0" i="0" dirty="0">
+                        <a:latin typeface="+mn-lt"/>
+                        <a:cs typeface="Calibri" panose="020F0502020204030204" pitchFamily="34" charset="0"/>
+                      </a:endParaRPr>
+                    </a:p>
+                  </a:txBody>
+                  <a:tcPr anchor="ctr"/>
+                </a:tc>
+                <a:tc>
+                  <a:txBody>
+                    <a:bodyPr/>
+                    <a:lstStyle/>
+                    <a:p>
+                      <a:pPr algn="l"/>
+                      <a:r>
+                        <a:rPr lang="en-US" b="0" i="0" dirty="0">
+                          <a:latin typeface="+mn-lt"/>
+                          <a:cs typeface="Calibri" panose="020F0502020204030204" pitchFamily="34" charset="0"/>
+                        </a:rPr>
+                        <a:t>Urban</a:t>
+                      </a:r>
+                    </a:p>
+                  </a:txBody>
+                  <a:tcPr anchor="ctr"/>
+                </a:tc>
+                <a:tc>
+                  <a:txBody>
+                    <a:bodyPr/>
+                    <a:lstStyle/>
+                    <a:p>
+                      <a:pPr algn="l"/>
+                      <a:r>
+                        <a:rPr lang="en-US" b="0" i="0" dirty="0">
+                          <a:latin typeface="+mn-lt"/>
+                          <a:cs typeface="Calibri" panose="020F0502020204030204" pitchFamily="34" charset="0"/>
+                        </a:rPr>
+                        <a:t>Brittany Bold</a:t>
+                      </a:r>
+                    </a:p>
+                  </a:txBody>
+                  <a:tcPr anchor="ctr"/>
+                </a:tc>
+                <a:extLst>
+                  <a:ext uri="{0D108BD9-81ED-4DB2-BD59-A6C34878D82A}">
+                    <a16:rowId xmlns:a16="http://schemas.microsoft.com/office/drawing/2014/main" val="3591840781"/>
+                  </a:ext>
+                </a:extLst>
+              </a:tr>
+              <a:tr h="820869">
+                <a:tc>
+                  <a:txBody>
+                    <a:bodyPr/>
+                    <a:lstStyle/>
+                    <a:p>
+                      <a:pPr algn="l"/>
+                      <a:r>
+                        <a:rPr lang="en-US" b="0" i="0" dirty="0">
+                          <a:latin typeface="+mn-lt"/>
+                          <a:cs typeface="Calibri" panose="020F0502020204030204" pitchFamily="34" charset="0"/>
+                        </a:rPr>
+                        <a:t>Antibiotics</a:t>
+                      </a:r>
+                    </a:p>
+                  </a:txBody>
+                  <a:tcPr anchor="ctr"/>
+                </a:tc>
+                <a:tc>
+                  <a:txBody>
+                    <a:bodyPr/>
+                    <a:lstStyle/>
+                    <a:p>
+                      <a:pPr marL="0" marR="0" lvl="0" indent="0" algn="l" defTabSz="914400" rtl="0" eaLnBrk="1" fontAlgn="auto" latinLnBrk="0" hangingPunct="1">
+                        <a:lnSpc>
+                          <a:spcPct val="100000"/>
+                        </a:lnSpc>
+                        <a:spcBef>
+                          <a:spcPts val="0"/>
+                        </a:spcBef>
+                        <a:spcAft>
+                          <a:spcPts val="0"/>
+                        </a:spcAft>
+                        <a:buClrTx/>
+                        <a:buSzTx/>
+                        <a:buFontTx/>
+                        <a:buNone/>
+                        <a:tabLst/>
+                        <a:defRPr/>
+                      </a:pPr>
+                      <a:r>
+                        <a:rPr lang="en-US" b="0" i="0" dirty="0">
+                          <a:latin typeface="+mn-lt"/>
+                          <a:cs typeface="Calibri" panose="020F0502020204030204" pitchFamily="34" charset="0"/>
+                        </a:rPr>
+                        <a:t>Retail-Pharmacy</a:t>
+                      </a:r>
+                    </a:p>
+                  </a:txBody>
+                  <a:tcPr anchor="ctr"/>
+                </a:tc>
+                <a:tc>
+                  <a:txBody>
+                    <a:bodyPr/>
+                    <a:lstStyle/>
+                    <a:p>
+                      <a:pPr algn="l"/>
+                      <a:r>
+                        <a:rPr lang="en-US" b="0" i="0" dirty="0">
+                          <a:latin typeface="+mn-lt"/>
+                          <a:cs typeface="Calibri" panose="020F0502020204030204" pitchFamily="34" charset="0"/>
+                        </a:rPr>
+                        <a:t>Springe (20m)</a:t>
+                      </a:r>
+                    </a:p>
+                  </a:txBody>
+                  <a:tcPr anchor="ctr"/>
+                </a:tc>
+                <a:tc>
+                  <a:txBody>
+                    <a:bodyPr/>
+                    <a:lstStyle/>
+                    <a:p>
+                      <a:pPr algn="l"/>
+                      <a:r>
+                        <a:rPr lang="en-US" b="0" i="0" dirty="0">
+                          <a:latin typeface="+mn-lt"/>
+                          <a:cs typeface="Calibri" panose="020F0502020204030204" pitchFamily="34" charset="0"/>
+                        </a:rPr>
+                        <a:t>Rural</a:t>
+                      </a:r>
+                    </a:p>
+                  </a:txBody>
+                  <a:tcPr anchor="ctr"/>
+                </a:tc>
+                <a:tc>
+                  <a:txBody>
+                    <a:bodyPr/>
+                    <a:lstStyle/>
+                    <a:p>
+                      <a:pPr algn="l"/>
+                      <a:r>
+                        <a:rPr lang="en-US" b="0" i="0" dirty="0">
+                          <a:latin typeface="+mn-lt"/>
+                          <a:cs typeface="Calibri" panose="020F0502020204030204" pitchFamily="34" charset="0"/>
+                        </a:rPr>
+                        <a:t>Brittany Bold</a:t>
+                      </a:r>
+                    </a:p>
+                  </a:txBody>
+                  <a:tcPr anchor="ctr"/>
+                </a:tc>
+                <a:extLst>
+                  <a:ext uri="{0D108BD9-81ED-4DB2-BD59-A6C34878D82A}">
+                    <a16:rowId xmlns:a16="http://schemas.microsoft.com/office/drawing/2014/main" val="6410810"/>
+                  </a:ext>
+                </a:extLst>
+              </a:tr>
+              <a:tr h="820869">
+                <a:tc>
+                  <a:txBody>
+                    <a:bodyPr/>
+                    <a:lstStyle/>
+                    <a:p>
+                      <a:pPr algn="l"/>
+                      <a:r>
+                        <a:rPr lang="en-US" b="0" i="0" dirty="0">
+                          <a:latin typeface="+mn-lt"/>
+                          <a:cs typeface="Calibri" panose="020F0502020204030204" pitchFamily="34" charset="0"/>
+                        </a:rPr>
+                        <a:t>Antimalaria</a:t>
+                      </a:r>
+                    </a:p>
+                  </a:txBody>
+                  <a:tcPr anchor="ctr"/>
+                </a:tc>
+                <a:tc>
+                  <a:txBody>
+                    <a:bodyPr/>
+                    <a:lstStyle/>
+                    <a:p>
+                      <a:pPr marL="0" marR="0" lvl="0" indent="0" algn="l" defTabSz="914400" rtl="0" eaLnBrk="1" fontAlgn="auto" latinLnBrk="0" hangingPunct="1">
+                        <a:lnSpc>
+                          <a:spcPct val="100000"/>
+                        </a:lnSpc>
+                        <a:spcBef>
+                          <a:spcPts val="0"/>
+                        </a:spcBef>
+                        <a:spcAft>
+                          <a:spcPts val="0"/>
+                        </a:spcAft>
+                        <a:buClrTx/>
+                        <a:buSzTx/>
+                        <a:buFontTx/>
+                        <a:buNone/>
+                        <a:tabLst/>
+                        <a:defRPr/>
+                      </a:pPr>
+                      <a:r>
+                        <a:rPr lang="en-US" b="0" i="0" dirty="0">
+                          <a:latin typeface="+mn-lt"/>
+                          <a:cs typeface="Calibri" panose="020F0502020204030204" pitchFamily="34" charset="0"/>
+                        </a:rPr>
+                        <a:t>Govt-Hospital</a:t>
+                      </a:r>
+                    </a:p>
+                  </a:txBody>
+                  <a:tcPr anchor="ctr"/>
+                </a:tc>
+                <a:tc>
+                  <a:txBody>
+                    <a:bodyPr/>
+                    <a:lstStyle/>
+                    <a:p>
+                      <a:pPr algn="l"/>
+                      <a:r>
+                        <a:rPr lang="en-GB" dirty="0"/>
+                        <a:t>Castrop-Rauxel</a:t>
+                      </a:r>
+                      <a:r>
+                        <a:rPr lang="en-US" b="0" i="0" dirty="0">
+                          <a:latin typeface="+mn-lt"/>
+                          <a:cs typeface="Calibri" panose="020F0502020204030204" pitchFamily="34" charset="0"/>
+                        </a:rPr>
+                        <a:t> (31m)</a:t>
+                      </a:r>
+                    </a:p>
+                  </a:txBody>
+                  <a:tcPr anchor="ctr"/>
+                </a:tc>
+                <a:tc>
+                  <a:txBody>
+                    <a:bodyPr/>
+                    <a:lstStyle/>
+                    <a:p>
+                      <a:pPr algn="l"/>
+                      <a:r>
+                        <a:rPr lang="en-US" b="0" i="0" dirty="0">
+                          <a:latin typeface="+mn-lt"/>
+                          <a:cs typeface="Calibri" panose="020F0502020204030204" pitchFamily="34" charset="0"/>
+                        </a:rPr>
+                        <a:t>Urban</a:t>
+                      </a:r>
+                    </a:p>
+                  </a:txBody>
+                  <a:tcPr anchor="ctr"/>
+                </a:tc>
+                <a:tc>
+                  <a:txBody>
+                    <a:bodyPr/>
+                    <a:lstStyle/>
+                    <a:p>
+                      <a:pPr algn="l"/>
+                      <a:r>
+                        <a:rPr lang="en-US" b="0" i="0" dirty="0">
+                          <a:latin typeface="+mn-lt"/>
+                          <a:cs typeface="Calibri" panose="020F0502020204030204" pitchFamily="34" charset="0"/>
+                        </a:rPr>
+                        <a:t>Alisha </a:t>
+                      </a:r>
+                      <a:r>
+                        <a:rPr lang="en-US" b="0" i="0" dirty="0" err="1">
+                          <a:latin typeface="+mn-lt"/>
+                          <a:cs typeface="Calibri" panose="020F0502020204030204" pitchFamily="34" charset="0"/>
+                        </a:rPr>
+                        <a:t>Codwell</a:t>
+                      </a:r>
+                      <a:endParaRPr lang="en-US" b="0" i="0" dirty="0">
+                        <a:latin typeface="+mn-lt"/>
+                        <a:cs typeface="Calibri" panose="020F0502020204030204" pitchFamily="34" charset="0"/>
+                      </a:endParaRPr>
+                    </a:p>
+                  </a:txBody>
+                  <a:tcPr anchor="ctr"/>
+                </a:tc>
+                <a:extLst>
+                  <a:ext uri="{0D108BD9-81ED-4DB2-BD59-A6C34878D82A}">
+                    <a16:rowId xmlns:a16="http://schemas.microsoft.com/office/drawing/2014/main" val="335389741"/>
+                  </a:ext>
+                </a:extLst>
+              </a:tr>
+            </a:tbl>
+          </a:graphicData>
+        </a:graphic>
+      </p:graphicFrame>
+    </p:spTree>
+    <p:extLst>
+      <p:ext uri="{BB962C8B-B14F-4D97-AF65-F5344CB8AC3E}">
+        <p14:creationId xmlns:p14="http://schemas.microsoft.com/office/powerpoint/2010/main" val="4259977132"/>
+      </p:ext>
+    </p:extLst>
+  </p:cSld>
+  <p:clrMapOvr>
+    <a:masterClrMapping/>
+  </p:clrMapOvr>
+</p:sld>
+</file>
+
+<file path=ppt/slides/slide12.xml><?xml version="1.0" encoding="utf-8"?>
+<p:sld xmlns:a="http://schemas.openxmlformats.org/drawingml/2006/main" xmlns:r="http://schemas.openxmlformats.org/officeDocument/2006/relationships" xmlns:p="http://schemas.openxmlformats.org/presentationml/2006/main">
+  <p:cSld>
+    <p:spTree>
+      <p:nvGrpSpPr>
+        <p:cNvPr id="1" name=""/>
+        <p:cNvGrpSpPr/>
+        <p:nvPr/>
+      </p:nvGrpSpPr>
+      <p:grpSpPr>
+        <a:xfrm>
+          <a:off x="0" y="0"/>
+          <a:ext cx="0" cy="0"/>
+          <a:chOff x="0" y="0"/>
+          <a:chExt cx="0" cy="0"/>
+        </a:xfrm>
+      </p:grpSpPr>
+      <p:sp>
+        <p:nvSpPr>
+          <p:cNvPr id="2" name="Title 1">
+            <a:extLst>
+              <a:ext uri="{FF2B5EF4-FFF2-40B4-BE49-F238E27FC236}">
+                <a16:creationId xmlns:a16="http://schemas.microsoft.com/office/drawing/2014/main" id="{5D030A76-B788-B363-104E-266B7C7F7208}"/>
               </a:ext>
             </a:extLst>
           </p:cNvPr>
@@ -6791,7 +7964,7 @@
               <a:rPr lang="en-US" sz="4000" dirty="0">
                 <a:latin typeface="+mn-lt"/>
               </a:rPr>
-              <a:t>RECOMMENDATION</a:t>
+              <a:t>KEY TAKEAWAYS</a:t>
             </a:r>
           </a:p>
         </p:txBody>
@@ -6801,7 +7974,7 @@
           <p:cNvPr id="3" name="Content Placeholder 2">
             <a:extLst>
               <a:ext uri="{FF2B5EF4-FFF2-40B4-BE49-F238E27FC236}">
-                <a16:creationId xmlns:a16="http://schemas.microsoft.com/office/drawing/2014/main" id="{A948DB13-4232-DC8F-A9C5-2582B74F9DD8}"/>
+                <a16:creationId xmlns:a16="http://schemas.microsoft.com/office/drawing/2014/main" id="{05948542-FCE1-3AE6-C6C9-17975609DF70}"/>
               </a:ext>
             </a:extLst>
           </p:cNvPr>
@@ -6828,33 +8001,59 @@
             <a:pPr lvl="1" algn="just"/>
             <a:r>
               <a:rPr lang="en-US" sz="2000" dirty="0"/>
-              <a:t>Leverage the data gotten on classes of drugs based on location during the distribution process. Antiseptics are highly purchased in </a:t>
-            </a:r>
-            <a:r>
-              <a:rPr lang="en-US" sz="2000" b="0" i="0" dirty="0">
-                <a:latin typeface="+mn-lt"/>
-                <a:cs typeface="Calibri" panose="020F0502020204030204" pitchFamily="34" charset="0"/>
-              </a:rPr>
-              <a:t>Ludwigshafen as compared to </a:t>
-            </a:r>
-            <a:r>
-              <a:rPr lang="en-GB" sz="2000" dirty="0"/>
-              <a:t>Bottrop. Also, analgesics and antiseptics are common in urban areas. Distribution should be prioritized to these fast-moving locations as compared to the slow-moving ones.</a:t>
-            </a:r>
-            <a:endParaRPr lang="en-US" sz="2000" dirty="0"/>
+              <a:t>Sales depends on location as it plays a huge role on the class of drugs largely purchased in that vicinity.</a:t>
+            </a:r>
           </a:p>
           <a:p>
             <a:pPr lvl="1" algn="just"/>
             <a:r>
               <a:rPr lang="en-US" sz="2000" dirty="0"/>
-              <a:t>Retail pharmacies and public hospitals should be priority during distribution since majority of revenue comes from both locations.</a:t>
+              <a:t>Channel of distribution has an impact on revenue as analysis has shown Pharmacy have the highest revenue as compared to Hospitals. The same way government hospitals generate higher revenue as compared to private (population is higher in government hospitals).</a:t>
             </a:r>
           </a:p>
           <a:p>
             <a:pPr lvl="1" algn="just"/>
             <a:r>
               <a:rPr lang="en-US" sz="2000" dirty="0"/>
-              <a:t>Brittany Bold and her team members accounts for the bulk of revenue made, incentives can be given to motivate other managers and their team members to do better in their location.</a:t>
+              <a:t>Also, 94% of revenue is from Germany with top cities being Altenburg, Cuxhaven and </a:t>
+            </a:r>
+            <a:r>
+              <a:rPr lang="en-US" sz="2000" dirty="0" err="1"/>
+              <a:t>Freidberg</a:t>
+            </a:r>
+            <a:r>
+              <a:rPr lang="en-US" sz="2000" dirty="0"/>
+              <a:t>.</a:t>
+            </a:r>
+          </a:p>
+          <a:p>
+            <a:pPr lvl="1" algn="just"/>
+            <a:r>
+              <a:rPr lang="en-US" sz="2000" dirty="0"/>
+              <a:t>The drug with the highest revenue is </a:t>
+            </a:r>
+            <a:r>
+              <a:rPr lang="en-US" sz="2000" dirty="0" err="1"/>
+              <a:t>Sumanazole</a:t>
+            </a:r>
+            <a:r>
+              <a:rPr lang="en-US" sz="2000" dirty="0"/>
+              <a:t> (113m) and the least is </a:t>
+            </a:r>
+            <a:r>
+              <a:rPr lang="en-US" sz="2000" dirty="0" err="1"/>
+              <a:t>Ampheslox</a:t>
+            </a:r>
+            <a:r>
+              <a:rPr lang="en-US" sz="2000" dirty="0"/>
+              <a:t> (2.6m).</a:t>
+            </a:r>
+          </a:p>
+          <a:p>
+            <a:pPr lvl="1" algn="just"/>
+            <a:r>
+              <a:rPr lang="en-US" sz="2000" dirty="0"/>
+              <a:t>Urban settlements accounts for majority of the top products in comparison to rural locations.</a:t>
             </a:r>
           </a:p>
           <a:p>
@@ -6862,10 +8061,6 @@
             <a:endParaRPr lang="en-US" sz="2000" dirty="0"/>
           </a:p>
           <a:p>
-            <a:pPr lvl="1" algn="just"/>
-            <a:endParaRPr lang="en-US" sz="2000" dirty="0"/>
-          </a:p>
-          <a:p>
             <a:pPr lvl="1"/>
             <a:endParaRPr lang="en-US" dirty="0"/>
           </a:p>
@@ -6876,7 +8071,7 @@
           <p:cNvPr id="4" name="Rectangle 3">
             <a:extLst>
               <a:ext uri="{FF2B5EF4-FFF2-40B4-BE49-F238E27FC236}">
-                <a16:creationId xmlns:a16="http://schemas.microsoft.com/office/drawing/2014/main" id="{488F0B34-4481-E3E9-9DA8-450DEDFD3167}"/>
+                <a16:creationId xmlns:a16="http://schemas.microsoft.com/office/drawing/2014/main" id="{C938FFC8-1028-94A9-523C-4939156FFB5B}"/>
               </a:ext>
               <a:ext uri="{C183D7F6-B498-43B3-948B-1728B52AA6E4}">
                 <adec:decorative xmlns:adec="http://schemas.microsoft.com/office/drawing/2017/decorative" val="1"/>
@@ -6931,6 +8126,218 @@
     </p:spTree>
     <p:extLst>
       <p:ext uri="{BB962C8B-B14F-4D97-AF65-F5344CB8AC3E}">
+        <p14:creationId xmlns:p14="http://schemas.microsoft.com/office/powerpoint/2010/main" val="643777997"/>
+      </p:ext>
+    </p:extLst>
+  </p:cSld>
+  <p:clrMapOvr>
+    <a:masterClrMapping/>
+  </p:clrMapOvr>
+</p:sld>
+</file>
+
+<file path=ppt/slides/slide13.xml><?xml version="1.0" encoding="utf-8"?>
+<p:sld xmlns:a="http://schemas.openxmlformats.org/drawingml/2006/main" xmlns:r="http://schemas.openxmlformats.org/officeDocument/2006/relationships" xmlns:p="http://schemas.openxmlformats.org/presentationml/2006/main">
+  <p:cSld>
+    <p:spTree>
+      <p:nvGrpSpPr>
+        <p:cNvPr id="1" name="">
+          <a:extLst>
+            <a:ext uri="{FF2B5EF4-FFF2-40B4-BE49-F238E27FC236}">
+              <a16:creationId xmlns:a16="http://schemas.microsoft.com/office/drawing/2014/main" id="{C0B7C4D5-9066-40F0-A3A9-EB8D4E7F0065}"/>
+            </a:ext>
+          </a:extLst>
+        </p:cNvPr>
+        <p:cNvGrpSpPr/>
+        <p:nvPr/>
+      </p:nvGrpSpPr>
+      <p:grpSpPr>
+        <a:xfrm>
+          <a:off x="0" y="0"/>
+          <a:ext cx="0" cy="0"/>
+          <a:chOff x="0" y="0"/>
+          <a:chExt cx="0" cy="0"/>
+        </a:xfrm>
+      </p:grpSpPr>
+      <p:sp>
+        <p:nvSpPr>
+          <p:cNvPr id="2" name="Title 1">
+            <a:extLst>
+              <a:ext uri="{FF2B5EF4-FFF2-40B4-BE49-F238E27FC236}">
+                <a16:creationId xmlns:a16="http://schemas.microsoft.com/office/drawing/2014/main" id="{87D4FD1F-E90D-4245-9A3C-9B578C439888}"/>
+              </a:ext>
+            </a:extLst>
+          </p:cNvPr>
+          <p:cNvSpPr>
+            <a:spLocks noGrp="1"/>
+          </p:cNvSpPr>
+          <p:nvPr>
+            <p:ph type="title"/>
+          </p:nvPr>
+        </p:nvSpPr>
+        <p:spPr>
+          <a:xfrm>
+            <a:off x="838200" y="365760"/>
+            <a:ext cx="10515600" cy="833453"/>
+          </a:xfrm>
+          <a:noFill/>
+        </p:spPr>
+        <p:txBody>
+          <a:bodyPr anchor="ctr"/>
+          <a:lstStyle/>
+          <a:p>
+            <a:r>
+              <a:rPr lang="en-US" sz="4000" dirty="0">
+                <a:latin typeface="+mn-lt"/>
+              </a:rPr>
+              <a:t>RECOMMENDATION</a:t>
+            </a:r>
+          </a:p>
+        </p:txBody>
+      </p:sp>
+      <p:sp>
+        <p:nvSpPr>
+          <p:cNvPr id="3" name="Content Placeholder 2">
+            <a:extLst>
+              <a:ext uri="{FF2B5EF4-FFF2-40B4-BE49-F238E27FC236}">
+                <a16:creationId xmlns:a16="http://schemas.microsoft.com/office/drawing/2014/main" id="{A948DB13-4232-DC8F-A9C5-2582B74F9DD8}"/>
+              </a:ext>
+            </a:extLst>
+          </p:cNvPr>
+          <p:cNvSpPr>
+            <a:spLocks noGrp="1"/>
+          </p:cNvSpPr>
+          <p:nvPr>
+            <p:ph sz="quarter" idx="15"/>
+          </p:nvPr>
+        </p:nvSpPr>
+        <p:spPr>
+          <a:xfrm>
+            <a:off x="838199" y="1364105"/>
+            <a:ext cx="10764187" cy="4539278"/>
+          </a:xfrm>
+          <a:noFill/>
+        </p:spPr>
+        <p:txBody>
+          <a:bodyPr vert="horz" lIns="91440" tIns="45720" rIns="91440" bIns="45720" rtlCol="0" anchor="t">
+            <a:normAutofit/>
+          </a:bodyPr>
+          <a:lstStyle/>
+          <a:p>
+            <a:pPr lvl="1" algn="just"/>
+            <a:r>
+              <a:rPr lang="en-US" sz="2000" dirty="0"/>
+              <a:t>Leverage the data obtained on classes of drugs based on location during the distribution process. Antiseptics are highly purchased in </a:t>
+            </a:r>
+            <a:r>
+              <a:rPr lang="en-US" sz="2000" b="0" i="0" dirty="0">
+                <a:latin typeface="+mn-lt"/>
+                <a:cs typeface="Calibri" panose="020F0502020204030204" pitchFamily="34" charset="0"/>
+              </a:rPr>
+              <a:t>Ludwigshafen as compared to </a:t>
+            </a:r>
+            <a:r>
+              <a:rPr lang="en-GB" sz="2000" dirty="0"/>
+              <a:t>Bottrop. Also, analgesics and antiseptics are common in urban areas. Distribution should be prioritized to these fast-moving locations as compared to the slow-moving ones.</a:t>
+            </a:r>
+            <a:endParaRPr lang="en-US" sz="2000" dirty="0"/>
+          </a:p>
+          <a:p>
+            <a:pPr lvl="1" algn="just"/>
+            <a:r>
+              <a:rPr lang="en-US" sz="2000" dirty="0"/>
+              <a:t>Retail pharmacies and public hospitals should be the priority during distribution, a bulk of the revenue comes from both location.</a:t>
+            </a:r>
+          </a:p>
+          <a:p>
+            <a:pPr lvl="1" algn="just"/>
+            <a:r>
+              <a:rPr lang="en-US" sz="2000" dirty="0"/>
+              <a:t>Implement strategies by Brittany Bold and her team members, </a:t>
+            </a:r>
+            <a:r>
+              <a:rPr lang="en-US" sz="2000"/>
+              <a:t>which account </a:t>
+            </a:r>
+            <a:r>
+              <a:rPr lang="en-US" sz="2000" dirty="0"/>
+              <a:t>for the bulk of revenue made. Incentives can be given to Brittany Bold’s team to encourage them and motivate other managers and their team members to do better in their locations.</a:t>
+            </a:r>
+          </a:p>
+          <a:p>
+            <a:pPr lvl="1" algn="just"/>
+            <a:endParaRPr lang="en-US" sz="2000" dirty="0"/>
+          </a:p>
+          <a:p>
+            <a:pPr lvl="1" algn="just"/>
+            <a:endParaRPr lang="en-US" sz="2000" dirty="0"/>
+          </a:p>
+          <a:p>
+            <a:pPr lvl="1"/>
+            <a:endParaRPr lang="en-US" dirty="0"/>
+          </a:p>
+        </p:txBody>
+      </p:sp>
+      <p:sp>
+        <p:nvSpPr>
+          <p:cNvPr id="4" name="Rectangle 3">
+            <a:extLst>
+              <a:ext uri="{FF2B5EF4-FFF2-40B4-BE49-F238E27FC236}">
+                <a16:creationId xmlns:a16="http://schemas.microsoft.com/office/drawing/2014/main" id="{488F0B34-4481-E3E9-9DA8-450DEDFD3167}"/>
+              </a:ext>
+              <a:ext uri="{C183D7F6-B498-43B3-948B-1728B52AA6E4}">
+                <adec:decorative xmlns:adec="http://schemas.microsoft.com/office/drawing/2017/decorative" val="1"/>
+              </a:ext>
+            </a:extLst>
+          </p:cNvPr>
+          <p:cNvSpPr/>
+          <p:nvPr/>
+        </p:nvSpPr>
+        <p:spPr>
+          <a:xfrm>
+            <a:off x="0" y="6303963"/>
+            <a:ext cx="12192000" cy="554037"/>
+          </a:xfrm>
+          <a:prstGeom prst="rect">
+            <a:avLst/>
+          </a:prstGeom>
+          <a:solidFill>
+            <a:srgbClr val="CCFFFF"/>
+          </a:solidFill>
+          <a:ln>
+            <a:noFill/>
+          </a:ln>
+        </p:spPr>
+        <p:style>
+          <a:lnRef idx="2">
+            <a:schemeClr val="accent1">
+              <a:shade val="50000"/>
+            </a:schemeClr>
+          </a:lnRef>
+          <a:fillRef idx="1">
+            <a:schemeClr val="accent1"/>
+          </a:fillRef>
+          <a:effectRef idx="0">
+            <a:schemeClr val="accent1"/>
+          </a:effectRef>
+          <a:fontRef idx="minor">
+            <a:schemeClr val="lt1"/>
+          </a:fontRef>
+        </p:style>
+        <p:txBody>
+          <a:bodyPr rtlCol="0" anchor="ctr">
+            <a:noAutofit/>
+          </a:bodyPr>
+          <a:lstStyle/>
+          <a:p>
+            <a:pPr algn="ctr"/>
+            <a:endParaRPr lang="en-US" dirty="0"/>
+          </a:p>
+        </p:txBody>
+      </p:sp>
+    </p:spTree>
+    <p:extLst>
+      <p:ext uri="{BB962C8B-B14F-4D97-AF65-F5344CB8AC3E}">
         <p14:creationId xmlns:p14="http://schemas.microsoft.com/office/powerpoint/2010/main" val="299508307"/>
       </p:ext>
     </p:extLst>
@@ -6941,7 +8348,7 @@
 </p:sld>
 </file>
 
-<file path=ppt/slides/slide12.xml><?xml version="1.0" encoding="utf-8"?>
+<file path=ppt/slides/slide14.xml><?xml version="1.0" encoding="utf-8"?>
 <p:sld xmlns:a="http://schemas.openxmlformats.org/drawingml/2006/main" xmlns:r="http://schemas.openxmlformats.org/officeDocument/2006/relationships" xmlns:p="http://schemas.openxmlformats.org/presentationml/2006/main">
   <p:cSld>
     <p:spTree>
@@ -7366,7 +8773,7 @@
                 </a:solidFill>
                 <a:latin typeface="+mn-lt"/>
               </a:rPr>
-              <a:t>ANALYSIS</a:t>
+              <a:t>INSIGHTS</a:t>
             </a:r>
           </a:p>
           <a:p>
@@ -7432,7 +8839,7 @@
         </p:blipFill>
         <p:spPr>
           <a:xfrm flipH="1">
-            <a:off x="0" y="-44450"/>
+            <a:off x="0" y="0"/>
             <a:ext cx="6080125" cy="6902450"/>
           </a:xfrm>
         </p:spPr>
@@ -7629,7 +9036,7 @@
             </a:pPr>
             <a:r>
               <a:rPr lang="en-US" sz="2000" dirty="0"/>
-              <a:t>Data cleaning processes which includes removal of duplicates in the dataset, categorizing the columns for easier analysis was done on the dataset.</a:t>
+              <a:t>Data cleaning processes which includes removal of duplicates, outliers, in the dataset, categorizing the columns for easier analysis, was done on the dataset.</a:t>
             </a:r>
           </a:p>
         </p:txBody>
@@ -7745,8 +9152,8 @@
         </p:nvSpPr>
         <p:spPr>
           <a:xfrm>
-            <a:off x="5891134" y="378419"/>
-            <a:ext cx="5066250" cy="1090618"/>
+            <a:off x="5891133" y="378419"/>
+            <a:ext cx="5861155" cy="1090618"/>
           </a:xfrm>
           <a:noFill/>
         </p:spPr>
@@ -7760,7 +9167,7 @@
               <a:rPr lang="en-US" sz="4000" dirty="0">
                 <a:latin typeface="+mn-lt"/>
               </a:rPr>
-              <a:t>3 Main analysis</a:t>
+              <a:t>Problem statement</a:t>
             </a:r>
           </a:p>
         </p:txBody>
@@ -8042,7 +9449,7 @@
         </p:blipFill>
         <p:spPr>
           <a:xfrm flipH="1">
-            <a:off x="0" y="-44450"/>
+            <a:off x="0" y="0"/>
             <a:ext cx="6080125" cy="6902450"/>
           </a:xfrm>
         </p:spPr>
@@ -8122,7 +9529,13 @@
   <p:cSld>
     <p:spTree>
       <p:nvGrpSpPr>
-        <p:cNvPr id="1" name=""/>
+        <p:cNvPr id="1" name="">
+          <a:extLst>
+            <a:ext uri="{FF2B5EF4-FFF2-40B4-BE49-F238E27FC236}">
+              <a16:creationId xmlns:a16="http://schemas.microsoft.com/office/drawing/2014/main" id="{D9C57F43-41A5-CF1E-34C5-1A56F0D92258}"/>
+            </a:ext>
+          </a:extLst>
+        </p:cNvPr>
         <p:cNvGrpSpPr/>
         <p:nvPr/>
       </p:nvGrpSpPr>
@@ -8139,7 +9552,7 @@
           <p:cNvPr id="2" name="Title 1">
             <a:extLst>
               <a:ext uri="{FF2B5EF4-FFF2-40B4-BE49-F238E27FC236}">
-                <a16:creationId xmlns:a16="http://schemas.microsoft.com/office/drawing/2014/main" id="{314C27C8-165C-5513-DB4B-9D840097C545}"/>
+                <a16:creationId xmlns:a16="http://schemas.microsoft.com/office/drawing/2014/main" id="{46FEFFB3-E55B-5BC6-948D-2774E3B6D127}"/>
               </a:ext>
             </a:extLst>
           </p:cNvPr>
@@ -8152,8 +9565,8 @@
         </p:nvSpPr>
         <p:spPr>
           <a:xfrm>
-            <a:off x="838200" y="365760"/>
-            <a:ext cx="10515600" cy="728522"/>
+            <a:off x="838200" y="119922"/>
+            <a:ext cx="10515600" cy="799876"/>
           </a:xfrm>
           <a:noFill/>
         </p:spPr>
@@ -8165,66 +9578,7 @@
               <a:rPr lang="en-US" sz="4000" dirty="0">
                 <a:latin typeface="+mn-lt"/>
               </a:rPr>
-              <a:t>ANALYSIS</a:t>
-            </a:r>
-          </a:p>
-        </p:txBody>
-      </p:sp>
-      <p:sp>
-        <p:nvSpPr>
-          <p:cNvPr id="52" name="Content Placeholder 51">
-            <a:extLst>
-              <a:ext uri="{FF2B5EF4-FFF2-40B4-BE49-F238E27FC236}">
-                <a16:creationId xmlns:a16="http://schemas.microsoft.com/office/drawing/2014/main" id="{F2CCE123-860F-8623-781F-12CEA66980F5}"/>
-              </a:ext>
-            </a:extLst>
-          </p:cNvPr>
-          <p:cNvSpPr>
-            <a:spLocks noGrp="1"/>
-          </p:cNvSpPr>
-          <p:nvPr>
-            <p:ph sz="quarter" idx="13"/>
-          </p:nvPr>
-        </p:nvSpPr>
-        <p:spPr>
-          <a:xfrm>
-            <a:off x="838199" y="1214203"/>
-            <a:ext cx="10929080" cy="4947767"/>
-          </a:xfrm>
-        </p:spPr>
-        <p:txBody>
-          <a:bodyPr>
-            <a:normAutofit/>
-          </a:bodyPr>
-          <a:lstStyle/>
-          <a:p>
-            <a:r>
-              <a:rPr lang="en-US" sz="2000" dirty="0"/>
-              <a:t>The dataset contained over 245 thousand sales encounters, and it has a total revenue of 12billion(bn).</a:t>
-            </a:r>
-          </a:p>
-          <a:p>
-            <a:r>
-              <a:rPr lang="en-US" sz="2000" dirty="0"/>
-              <a:t>Between 2017-2020, the year with the highest sales is 2018 (3.5bn) and the lowest sales occurred in 2020 (2bn).  The month with highest sales collectively is November (1.1bn) and for lowest sales, it is January (67m). </a:t>
-            </a:r>
-          </a:p>
-          <a:p>
-            <a:r>
-              <a:rPr lang="en-US" sz="2000" dirty="0"/>
-              <a:t>The top 3 product class for each year by revenue are Analgesics (2.3bn), Antiseptics (2.2bn) and mood stabilizers (2bn).</a:t>
-            </a:r>
-          </a:p>
-          <a:p>
-            <a:r>
-              <a:rPr lang="en-US" sz="2000" dirty="0"/>
-              <a:t>Germany accounted for 11bn (94%) of the revenue while Poland had only 680million (6%) in revenue.</a:t>
-            </a:r>
-          </a:p>
-          <a:p>
-            <a:r>
-              <a:rPr lang="en-US" sz="2000" dirty="0"/>
-              <a:t>For Poland, sales was only recorded in 2018 and the highest class of drugs sold is antiseptics (6m) and mood stabilizers (2.6m) in November.</a:t>
+              <a:t>DATASET SCHEMA</a:t>
             </a:r>
           </a:p>
         </p:txBody>
@@ -8234,7 +9588,7 @@
           <p:cNvPr id="5" name="Rectangle 4">
             <a:extLst>
               <a:ext uri="{FF2B5EF4-FFF2-40B4-BE49-F238E27FC236}">
-                <a16:creationId xmlns:a16="http://schemas.microsoft.com/office/drawing/2014/main" id="{C80227B8-A24C-8C29-034A-D7700B887685}"/>
+                <a16:creationId xmlns:a16="http://schemas.microsoft.com/office/drawing/2014/main" id="{C080F846-D2AD-2631-569F-B782B71D8E82}"/>
               </a:ext>
               <a:ext uri="{C183D7F6-B498-43B3-948B-1728B52AA6E4}">
                 <adec:decorative xmlns:adec="http://schemas.microsoft.com/office/drawing/2017/decorative" val="1"/>
@@ -8286,10 +9640,39 @@
           </a:p>
         </p:txBody>
       </p:sp>
+      <p:pic>
+        <p:nvPicPr>
+          <p:cNvPr id="6" name="Content Placeholder 5">
+            <a:extLst>
+              <a:ext uri="{FF2B5EF4-FFF2-40B4-BE49-F238E27FC236}">
+                <a16:creationId xmlns:a16="http://schemas.microsoft.com/office/drawing/2014/main" id="{76DE4210-DF8A-7399-1ADC-F8B9F38E638C}"/>
+              </a:ext>
+            </a:extLst>
+          </p:cNvPr>
+          <p:cNvPicPr>
+            <a:picLocks noGrp="1" noChangeAspect="1"/>
+          </p:cNvPicPr>
+          <p:nvPr>
+            <p:ph sz="quarter" idx="13"/>
+          </p:nvPr>
+        </p:nvPicPr>
+        <p:blipFill>
+          <a:blip r:embed="rId3"/>
+          <a:stretch>
+            <a:fillRect/>
+          </a:stretch>
+        </p:blipFill>
+        <p:spPr>
+          <a:xfrm>
+            <a:off x="1887511" y="736718"/>
+            <a:ext cx="7811126" cy="5567245"/>
+          </a:xfrm>
+        </p:spPr>
+      </p:pic>
     </p:spTree>
     <p:extLst>
       <p:ext uri="{BB962C8B-B14F-4D97-AF65-F5344CB8AC3E}">
-        <p14:creationId xmlns:p14="http://schemas.microsoft.com/office/powerpoint/2010/main" val="729609147"/>
+        <p14:creationId xmlns:p14="http://schemas.microsoft.com/office/powerpoint/2010/main" val="3221352696"/>
       </p:ext>
     </p:extLst>
   </p:cSld>
@@ -8304,13 +9687,7 @@
   <p:cSld>
     <p:spTree>
       <p:nvGrpSpPr>
-        <p:cNvPr id="1" name="">
-          <a:extLst>
-            <a:ext uri="{FF2B5EF4-FFF2-40B4-BE49-F238E27FC236}">
-              <a16:creationId xmlns:a16="http://schemas.microsoft.com/office/drawing/2014/main" id="{D9C57F43-41A5-CF1E-34C5-1A56F0D92258}"/>
-            </a:ext>
-          </a:extLst>
-        </p:cNvPr>
+        <p:cNvPr id="1" name=""/>
         <p:cNvGrpSpPr/>
         <p:nvPr/>
       </p:nvGrpSpPr>
@@ -8327,7 +9704,7 @@
           <p:cNvPr id="2" name="Title 1">
             <a:extLst>
               <a:ext uri="{FF2B5EF4-FFF2-40B4-BE49-F238E27FC236}">
-                <a16:creationId xmlns:a16="http://schemas.microsoft.com/office/drawing/2014/main" id="{46FEFFB3-E55B-5BC6-948D-2774E3B6D127}"/>
+                <a16:creationId xmlns:a16="http://schemas.microsoft.com/office/drawing/2014/main" id="{314C27C8-165C-5513-DB4B-9D840097C545}"/>
               </a:ext>
             </a:extLst>
           </p:cNvPr>
@@ -8340,8 +9717,8 @@
         </p:nvSpPr>
         <p:spPr>
           <a:xfrm>
-            <a:off x="838200" y="119922"/>
-            <a:ext cx="10515600" cy="799876"/>
+            <a:off x="838200" y="365760"/>
+            <a:ext cx="10515600" cy="728522"/>
           </a:xfrm>
           <a:noFill/>
         </p:spPr>
@@ -8353,7 +9730,71 @@
               <a:rPr lang="en-US" sz="4000" dirty="0">
                 <a:latin typeface="+mn-lt"/>
               </a:rPr>
-              <a:t>ANALYSIS</a:t>
+              <a:t>Insights</a:t>
+            </a:r>
+          </a:p>
+        </p:txBody>
+      </p:sp>
+      <p:sp>
+        <p:nvSpPr>
+          <p:cNvPr id="52" name="Content Placeholder 51">
+            <a:extLst>
+              <a:ext uri="{FF2B5EF4-FFF2-40B4-BE49-F238E27FC236}">
+                <a16:creationId xmlns:a16="http://schemas.microsoft.com/office/drawing/2014/main" id="{F2CCE123-860F-8623-781F-12CEA66980F5}"/>
+              </a:ext>
+            </a:extLst>
+          </p:cNvPr>
+          <p:cNvSpPr>
+            <a:spLocks noGrp="1"/>
+          </p:cNvSpPr>
+          <p:nvPr>
+            <p:ph sz="quarter" idx="13"/>
+          </p:nvPr>
+        </p:nvSpPr>
+        <p:spPr>
+          <a:xfrm>
+            <a:off x="838199" y="1214203"/>
+            <a:ext cx="10929080" cy="4947767"/>
+          </a:xfrm>
+        </p:spPr>
+        <p:txBody>
+          <a:bodyPr>
+            <a:normAutofit/>
+          </a:bodyPr>
+          <a:lstStyle/>
+          <a:p>
+            <a:pPr algn="just"/>
+            <a:r>
+              <a:rPr lang="en-US" sz="2000" dirty="0"/>
+              <a:t>The dataset contained over 245 thousand sales encounters, and it has a total revenue of 12billion(bn).</a:t>
+            </a:r>
+          </a:p>
+          <a:p>
+            <a:pPr algn="just"/>
+            <a:r>
+              <a:rPr lang="en-US" sz="2000" dirty="0"/>
+              <a:t>Between 2017-2020, the year with the highest sales is 2018 (3.5bn) and the lowest sales occurred in 2020 (2bn).  The month with the highest sales collectively is November (1.1bn) and for the lowest sales, it is January (67m). </a:t>
+            </a:r>
+          </a:p>
+          <a:p>
+            <a:pPr algn="just"/>
+            <a:r>
+              <a:rPr lang="en-US" sz="2000" dirty="0"/>
+              <a:t>The top 3 product classes for each year by revenue are Analgesics (2.3bn), Antiseptics (2.2bn), and mood stabilizers (2bn).</a:t>
+            </a:r>
+          </a:p>
+          <a:p>
+            <a:pPr algn="just"/>
+            <a:r>
+              <a:rPr lang="en-US" sz="2000" dirty="0"/>
+              <a:t>Germany accounted for 11bn (94%) of the revenue while Poland had only 680million (6%) in revenue.</a:t>
+            </a:r>
+          </a:p>
+          <a:p>
+            <a:pPr algn="just"/>
+            <a:r>
+              <a:rPr lang="en-US" sz="2000" dirty="0"/>
+              <a:t>For Poland, sales was only recorded in 2018, November generating most revenue. The highest class of drugs sold is Antiseptics (6m) and mood stabilizers (2.6m).</a:t>
             </a:r>
           </a:p>
         </p:txBody>
@@ -8363,7 +9804,7 @@
           <p:cNvPr id="5" name="Rectangle 4">
             <a:extLst>
               <a:ext uri="{FF2B5EF4-FFF2-40B4-BE49-F238E27FC236}">
-                <a16:creationId xmlns:a16="http://schemas.microsoft.com/office/drawing/2014/main" id="{C080F846-D2AD-2631-569F-B782B71D8E82}"/>
+                <a16:creationId xmlns:a16="http://schemas.microsoft.com/office/drawing/2014/main" id="{C80227B8-A24C-8C29-034A-D7700B887685}"/>
               </a:ext>
               <a:ext uri="{C183D7F6-B498-43B3-948B-1728B52AA6E4}">
                 <adec:decorative xmlns:adec="http://schemas.microsoft.com/office/drawing/2017/decorative" val="1"/>
@@ -8415,77 +9856,10 @@
           </a:p>
         </p:txBody>
       </p:sp>
-      <mc:AlternateContent xmlns:mc="http://schemas.openxmlformats.org/markup-compatibility/2006">
-        <mc:Choice xmlns:we="http://schemas.microsoft.com/office/webextensions/webextension/2010/11" xmlns:pca="http://schemas.microsoft.com/office/powerpoint/2013/contentapp" Requires="we pca">
-          <p:graphicFrame>
-            <p:nvGraphicFramePr>
-              <p:cNvPr id="7" name="Content Placeholder 6">
-                <a:extLst>
-                  <a:ext uri="{FF2B5EF4-FFF2-40B4-BE49-F238E27FC236}">
-                    <a16:creationId xmlns:a16="http://schemas.microsoft.com/office/drawing/2014/main" id="{C27C7F80-606D-EF39-37C3-8E16E4B4FCC1}"/>
-                  </a:ext>
-                </a:extLst>
-              </p:cNvPr>
-              <p:cNvGraphicFramePr>
-                <a:graphicFrameLocks noGrp="1"/>
-              </p:cNvGraphicFramePr>
-              <p:nvPr>
-                <p:ph sz="quarter" idx="13"/>
-                <p:extLst>
-                  <p:ext uri="{D42A27DB-BD31-4B8C-83A1-F6EECF244321}">
-                    <p14:modId xmlns:p14="http://schemas.microsoft.com/office/powerpoint/2010/main" val="1827934676"/>
-                  </p:ext>
-                </p:extLst>
-              </p:nvPr>
-            </p:nvGraphicFramePr>
-            <p:xfrm>
-              <a:off x="524657" y="919798"/>
-              <a:ext cx="11467474" cy="5242877"/>
-            </p:xfrm>
-            <a:graphic>
-              <a:graphicData uri="http://schemas.microsoft.com/office/webextensions/webextension/2010/11">
-                <we:webextensionref xmlns:we="http://schemas.microsoft.com/office/webextensions/webextension/2010/11" xmlns:r="http://schemas.openxmlformats.org/officeDocument/2006/relationships" r:id="rId3"/>
-              </a:graphicData>
-            </a:graphic>
-          </p:graphicFrame>
-        </mc:Choice>
-        <mc:Fallback>
-          <p:pic>
-            <p:nvPicPr>
-              <p:cNvPr id="7" name="Content Placeholder 6">
-                <a:extLst>
-                  <a:ext uri="{FF2B5EF4-FFF2-40B4-BE49-F238E27FC236}">
-                    <a16:creationId xmlns:a16="http://schemas.microsoft.com/office/drawing/2014/main" id="{C27C7F80-606D-EF39-37C3-8E16E4B4FCC1}"/>
-                  </a:ext>
-                </a:extLst>
-              </p:cNvPr>
-              <p:cNvPicPr>
-                <a:picLocks noGrp="1" noRot="1" noChangeAspect="1" noMove="1" noResize="1" noEditPoints="1" noAdjustHandles="1" noChangeArrowheads="1" noChangeShapeType="1"/>
-              </p:cNvPicPr>
-              <p:nvPr/>
-            </p:nvPicPr>
-            <p:blipFill>
-              <a:blip r:embed="rId4"/>
-              <a:stretch>
-                <a:fillRect/>
-              </a:stretch>
-            </p:blipFill>
-            <p:spPr>
-              <a:xfrm>
-                <a:off x="524657" y="919798"/>
-                <a:ext cx="11467474" cy="5242877"/>
-              </a:xfrm>
-              <a:prstGeom prst="rect">
-                <a:avLst/>
-              </a:prstGeom>
-            </p:spPr>
-          </p:pic>
-        </mc:Fallback>
-      </mc:AlternateContent>
     </p:spTree>
     <p:extLst>
       <p:ext uri="{BB962C8B-B14F-4D97-AF65-F5344CB8AC3E}">
-        <p14:creationId xmlns:p14="http://schemas.microsoft.com/office/powerpoint/2010/main" val="3221352696"/>
+        <p14:creationId xmlns:p14="http://schemas.microsoft.com/office/powerpoint/2010/main" val="729609147"/>
       </p:ext>
     </p:extLst>
   </p:cSld>
@@ -8503,7 +9877,7 @@
         <p:cNvPr id="1" name="">
           <a:extLst>
             <a:ext uri="{FF2B5EF4-FFF2-40B4-BE49-F238E27FC236}">
-              <a16:creationId xmlns:a16="http://schemas.microsoft.com/office/drawing/2014/main" id="{36CA86BB-D2E4-7D9D-90F8-091A5410F179}"/>
+              <a16:creationId xmlns:a16="http://schemas.microsoft.com/office/drawing/2014/main" id="{10D9B87C-05A8-A974-E62F-DFE8D151CC72}"/>
             </a:ext>
           </a:extLst>
         </p:cNvPr>
@@ -8523,7 +9897,7 @@
           <p:cNvPr id="2" name="Title 1">
             <a:extLst>
               <a:ext uri="{FF2B5EF4-FFF2-40B4-BE49-F238E27FC236}">
-                <a16:creationId xmlns:a16="http://schemas.microsoft.com/office/drawing/2014/main" id="{3638E5E2-7032-26ED-F2A5-E5D099A58667}"/>
+                <a16:creationId xmlns:a16="http://schemas.microsoft.com/office/drawing/2014/main" id="{DB806152-FE2B-6FE8-0CE0-9DBAE8E85F86}"/>
               </a:ext>
             </a:extLst>
           </p:cNvPr>
@@ -8546,11 +9920,14 @@
           <a:lstStyle/>
           <a:p>
             <a:r>
-              <a:rPr lang="en-US" sz="4000" dirty="0">
+              <a:rPr lang="en-US" sz="4000" dirty="0" err="1">
                 <a:latin typeface="+mn-lt"/>
               </a:rPr>
-              <a:t>ANALYSIS</a:t>
-            </a:r>
+              <a:t>iNSIGHTS</a:t>
+            </a:r>
+            <a:endParaRPr lang="en-US" sz="4000" dirty="0">
+              <a:latin typeface="+mn-lt"/>
+            </a:endParaRPr>
           </a:p>
         </p:txBody>
       </p:sp>
@@ -8559,7 +9936,7 @@
           <p:cNvPr id="5" name="Rectangle 4">
             <a:extLst>
               <a:ext uri="{FF2B5EF4-FFF2-40B4-BE49-F238E27FC236}">
-                <a16:creationId xmlns:a16="http://schemas.microsoft.com/office/drawing/2014/main" id="{B1DA40F4-9C21-2E3C-F6AE-D0B62B39E7D8}"/>
+                <a16:creationId xmlns:a16="http://schemas.microsoft.com/office/drawing/2014/main" id="{3DE5D4D4-EE74-39A9-B279-C6F14067B426}"/>
               </a:ext>
               <a:ext uri="{C183D7F6-B498-43B3-948B-1728B52AA6E4}">
                 <adec:decorative xmlns:adec="http://schemas.microsoft.com/office/drawing/2017/decorative" val="1"/>
@@ -8618,7 +9995,7 @@
               <p:cNvPr id="7" name="Content Placeholder 6">
                 <a:extLst>
                   <a:ext uri="{FF2B5EF4-FFF2-40B4-BE49-F238E27FC236}">
-                    <a16:creationId xmlns:a16="http://schemas.microsoft.com/office/drawing/2014/main" id="{57922EC5-776F-E545-F5BC-06715DD45018}"/>
+                    <a16:creationId xmlns:a16="http://schemas.microsoft.com/office/drawing/2014/main" id="{B538EACF-32B1-AE76-5C46-F128FA513182}"/>
                   </a:ext>
                 </a:extLst>
               </p:cNvPr>
@@ -8627,16 +10004,11 @@
               </p:cNvGraphicFramePr>
               <p:nvPr>
                 <p:ph sz="quarter" idx="13"/>
-                <p:extLst>
-                  <p:ext uri="{D42A27DB-BD31-4B8C-83A1-F6EECF244321}">
-                    <p14:modId xmlns:p14="http://schemas.microsoft.com/office/powerpoint/2010/main" val="3398052020"/>
-                  </p:ext>
-                </p:extLst>
               </p:nvPr>
             </p:nvGraphicFramePr>
             <p:xfrm>
-              <a:off x="389745" y="934788"/>
-              <a:ext cx="11632366" cy="5242877"/>
+              <a:off x="524657" y="919798"/>
+              <a:ext cx="11467474" cy="5242877"/>
             </p:xfrm>
             <a:graphic>
               <a:graphicData uri="http://schemas.microsoft.com/office/webextensions/webextension/2010/11">
@@ -8651,7 +10023,7 @@
               <p:cNvPr id="7" name="Content Placeholder 6">
                 <a:extLst>
                   <a:ext uri="{FF2B5EF4-FFF2-40B4-BE49-F238E27FC236}">
-                    <a16:creationId xmlns:a16="http://schemas.microsoft.com/office/drawing/2014/main" id="{57922EC5-776F-E545-F5BC-06715DD45018}"/>
+                    <a16:creationId xmlns:a16="http://schemas.microsoft.com/office/drawing/2014/main" id="{B538EACF-32B1-AE76-5C46-F128FA513182}"/>
                   </a:ext>
                 </a:extLst>
               </p:cNvPr>
@@ -8668,8 +10040,8 @@
             </p:blipFill>
             <p:spPr>
               <a:xfrm>
-                <a:off x="389745" y="934788"/>
-                <a:ext cx="11632366" cy="5242877"/>
+                <a:off x="524657" y="919798"/>
+                <a:ext cx="11467474" cy="5242877"/>
               </a:xfrm>
               <a:prstGeom prst="rect">
                 <a:avLst/>
@@ -8681,7 +10053,7 @@
     </p:spTree>
     <p:extLst>
       <p:ext uri="{BB962C8B-B14F-4D97-AF65-F5344CB8AC3E}">
-        <p14:creationId xmlns:p14="http://schemas.microsoft.com/office/powerpoint/2010/main" val="2753578114"/>
+        <p14:creationId xmlns:p14="http://schemas.microsoft.com/office/powerpoint/2010/main" val="3189113455"/>
       </p:ext>
     </p:extLst>
   </p:cSld>
@@ -8699,7 +10071,7 @@
         <p:cNvPr id="1" name="">
           <a:extLst>
             <a:ext uri="{FF2B5EF4-FFF2-40B4-BE49-F238E27FC236}">
-              <a16:creationId xmlns:a16="http://schemas.microsoft.com/office/drawing/2014/main" id="{3C12EA33-CB57-6F38-5002-0C648881A06C}"/>
+              <a16:creationId xmlns:a16="http://schemas.microsoft.com/office/drawing/2014/main" id="{594AD3D0-48F4-D2DD-56C4-F2062091A55A}"/>
             </a:ext>
           </a:extLst>
         </p:cNvPr>
@@ -8719,7 +10091,7 @@
           <p:cNvPr id="2" name="Title 1">
             <a:extLst>
               <a:ext uri="{FF2B5EF4-FFF2-40B4-BE49-F238E27FC236}">
-                <a16:creationId xmlns:a16="http://schemas.microsoft.com/office/drawing/2014/main" id="{43D9D29F-9A93-19FA-65B8-64A3EB185BB5}"/>
+                <a16:creationId xmlns:a16="http://schemas.microsoft.com/office/drawing/2014/main" id="{70402B69-505A-5CF7-7A31-3DD7703EDD34}"/>
               </a:ext>
             </a:extLst>
           </p:cNvPr>
@@ -8732,8 +10104,8 @@
         </p:nvSpPr>
         <p:spPr>
           <a:xfrm>
-            <a:off x="838200" y="1"/>
-            <a:ext cx="10515600" cy="718380"/>
+            <a:off x="838200" y="119922"/>
+            <a:ext cx="10515600" cy="799876"/>
           </a:xfrm>
           <a:noFill/>
         </p:spPr>
@@ -8745,42 +10117,8 @@
               <a:rPr lang="en-US" sz="4000" dirty="0">
                 <a:latin typeface="+mn-lt"/>
               </a:rPr>
-              <a:t>Statistical ANALYSIS</a:t>
-            </a:r>
-          </a:p>
-        </p:txBody>
-      </p:sp>
-      <p:sp>
-        <p:nvSpPr>
-          <p:cNvPr id="9" name="Table Placeholder 8">
-            <a:extLst>
-              <a:ext uri="{FF2B5EF4-FFF2-40B4-BE49-F238E27FC236}">
-                <a16:creationId xmlns:a16="http://schemas.microsoft.com/office/drawing/2014/main" id="{55194CD2-1F76-A051-5126-B1372AC103B6}"/>
-              </a:ext>
-            </a:extLst>
-          </p:cNvPr>
-          <p:cNvSpPr>
-            <a:spLocks noGrp="1"/>
-          </p:cNvSpPr>
-          <p:nvPr>
-            <p:ph type="tbl" sz="quarter" idx="13"/>
-          </p:nvPr>
-        </p:nvSpPr>
-        <p:spPr>
-          <a:xfrm>
-            <a:off x="440975" y="2133685"/>
-            <a:ext cx="4895522" cy="2754974"/>
-          </a:xfrm>
-        </p:spPr>
-        <p:txBody>
-          <a:bodyPr/>
-          <a:lstStyle/>
-          <a:p>
-            <a:r>
-              <a:rPr lang="en-US" dirty="0"/>
-              <a:t>This shows a positive correlation between price of products and the sales, either as sum of values or average values.</a:t>
-            </a:r>
-            <a:endParaRPr lang="LID4096" dirty="0"/>
+              <a:t>INSIGHTS</a:t>
+            </a:r>
           </a:p>
         </p:txBody>
       </p:sp>
@@ -8789,7 +10127,7 @@
           <p:cNvPr id="5" name="Rectangle 4">
             <a:extLst>
               <a:ext uri="{FF2B5EF4-FFF2-40B4-BE49-F238E27FC236}">
-                <a16:creationId xmlns:a16="http://schemas.microsoft.com/office/drawing/2014/main" id="{C5C95903-4AB1-232B-1551-A794D160340C}"/>
+                <a16:creationId xmlns:a16="http://schemas.microsoft.com/office/drawing/2014/main" id="{8E7CA399-6F08-FBFD-6B8D-AEA4B73FC444}"/>
               </a:ext>
               <a:ext uri="{C183D7F6-B498-43B3-948B-1728B52AA6E4}">
                 <adec:decorative xmlns:adec="http://schemas.microsoft.com/office/drawing/2017/decorative" val="1"/>
@@ -8843,17 +10181,19 @@
       </p:sp>
       <p:pic>
         <p:nvPicPr>
-          <p:cNvPr id="4" name="Picture 3">
-            <a:extLst>
-              <a:ext uri="{FF2B5EF4-FFF2-40B4-BE49-F238E27FC236}">
-                <a16:creationId xmlns:a16="http://schemas.microsoft.com/office/drawing/2014/main" id="{A9227456-9021-120D-DB07-7A65A5CBD6BF}"/>
+          <p:cNvPr id="8" name="Content Placeholder 7">
+            <a:extLst>
+              <a:ext uri="{FF2B5EF4-FFF2-40B4-BE49-F238E27FC236}">
+                <a16:creationId xmlns:a16="http://schemas.microsoft.com/office/drawing/2014/main" id="{AB8F4DFE-5AC9-7380-6583-4FA2DF260C40}"/>
               </a:ext>
             </a:extLst>
           </p:cNvPr>
           <p:cNvPicPr>
-            <a:picLocks noChangeAspect="1"/>
+            <a:picLocks noGrp="1" noChangeAspect="1"/>
           </p:cNvPicPr>
-          <p:nvPr/>
+          <p:nvPr>
+            <p:ph sz="quarter" idx="13"/>
+          </p:nvPr>
         </p:nvPicPr>
         <p:blipFill>
           <a:blip r:embed="rId3"/>
@@ -8863,48 +10203,15 @@
         </p:blipFill>
         <p:spPr>
           <a:xfrm>
-            <a:off x="6430778" y="3236133"/>
-            <a:ext cx="4923021" cy="2858091"/>
+            <a:off x="976234" y="808420"/>
+            <a:ext cx="10548833" cy="5241159"/>
           </a:xfrm>
-          <a:prstGeom prst="rect">
-            <a:avLst/>
-          </a:prstGeom>
-        </p:spPr>
-      </p:pic>
-      <p:pic>
-        <p:nvPicPr>
-          <p:cNvPr id="11" name="Picture 10">
-            <a:extLst>
-              <a:ext uri="{FF2B5EF4-FFF2-40B4-BE49-F238E27FC236}">
-                <a16:creationId xmlns:a16="http://schemas.microsoft.com/office/drawing/2014/main" id="{61E0FE88-501D-EB85-8348-BED88922F5B7}"/>
-              </a:ext>
-            </a:extLst>
-          </p:cNvPr>
-          <p:cNvPicPr>
-            <a:picLocks noChangeAspect="1"/>
-          </p:cNvPicPr>
-          <p:nvPr/>
-        </p:nvPicPr>
-        <p:blipFill>
-          <a:blip r:embed="rId4"/>
-          <a:stretch>
-            <a:fillRect/>
-          </a:stretch>
-        </p:blipFill>
-        <p:spPr>
-          <a:xfrm>
-            <a:off x="6430777" y="763775"/>
-            <a:ext cx="4865149" cy="2408215"/>
-          </a:xfrm>
-          <a:prstGeom prst="rect">
-            <a:avLst/>
-          </a:prstGeom>
         </p:spPr>
       </p:pic>
     </p:spTree>
     <p:extLst>
       <p:ext uri="{BB962C8B-B14F-4D97-AF65-F5344CB8AC3E}">
-        <p14:creationId xmlns:p14="http://schemas.microsoft.com/office/powerpoint/2010/main" val="1032200524"/>
+        <p14:creationId xmlns:p14="http://schemas.microsoft.com/office/powerpoint/2010/main" val="2428452523"/>
       </p:ext>
     </p:extLst>
   </p:cSld>
@@ -8919,7 +10226,13 @@
   <p:cSld>
     <p:spTree>
       <p:nvGrpSpPr>
-        <p:cNvPr id="1" name=""/>
+        <p:cNvPr id="1" name="">
+          <a:extLst>
+            <a:ext uri="{FF2B5EF4-FFF2-40B4-BE49-F238E27FC236}">
+              <a16:creationId xmlns:a16="http://schemas.microsoft.com/office/drawing/2014/main" id="{36CA86BB-D2E4-7D9D-90F8-091A5410F179}"/>
+            </a:ext>
+          </a:extLst>
+        </p:cNvPr>
         <p:cNvGrpSpPr/>
         <p:nvPr/>
       </p:nvGrpSpPr>
@@ -8936,7 +10249,7 @@
           <p:cNvPr id="2" name="Title 1">
             <a:extLst>
               <a:ext uri="{FF2B5EF4-FFF2-40B4-BE49-F238E27FC236}">
-                <a16:creationId xmlns:a16="http://schemas.microsoft.com/office/drawing/2014/main" id="{B7545968-70F7-0180-6448-3547E442EF4A}"/>
+                <a16:creationId xmlns:a16="http://schemas.microsoft.com/office/drawing/2014/main" id="{3638E5E2-7032-26ED-F2A5-E5D099A58667}"/>
               </a:ext>
             </a:extLst>
           </p:cNvPr>
@@ -8949,702 +10262,152 @@
         </p:nvSpPr>
         <p:spPr>
           <a:xfrm>
-            <a:off x="838200" y="365761"/>
-            <a:ext cx="10515600" cy="540640"/>
+            <a:off x="838200" y="119922"/>
+            <a:ext cx="10515600" cy="799876"/>
           </a:xfrm>
           <a:noFill/>
         </p:spPr>
         <p:txBody>
-          <a:bodyPr anchor="ctr">
+          <a:bodyPr anchor="ctr"/>
+          <a:lstStyle/>
+          <a:p>
+            <a:r>
+              <a:rPr lang="en-US" sz="4000" dirty="0">
+                <a:latin typeface="+mn-lt"/>
+              </a:rPr>
+              <a:t>INSIGHTS</a:t>
+            </a:r>
+          </a:p>
+        </p:txBody>
+      </p:sp>
+      <p:sp>
+        <p:nvSpPr>
+          <p:cNvPr id="5" name="Rectangle 4">
+            <a:extLst>
+              <a:ext uri="{FF2B5EF4-FFF2-40B4-BE49-F238E27FC236}">
+                <a16:creationId xmlns:a16="http://schemas.microsoft.com/office/drawing/2014/main" id="{B1DA40F4-9C21-2E3C-F6AE-D0B62B39E7D8}"/>
+              </a:ext>
+              <a:ext uri="{C183D7F6-B498-43B3-948B-1728B52AA6E4}">
+                <adec:decorative xmlns:adec="http://schemas.microsoft.com/office/drawing/2017/decorative" val="1"/>
+              </a:ext>
+            </a:extLst>
+          </p:cNvPr>
+          <p:cNvSpPr/>
+          <p:nvPr/>
+        </p:nvSpPr>
+        <p:spPr>
+          <a:xfrm>
+            <a:off x="0" y="6303963"/>
+            <a:ext cx="12192000" cy="554037"/>
+          </a:xfrm>
+          <a:prstGeom prst="rect">
+            <a:avLst/>
+          </a:prstGeom>
+          <a:solidFill>
+            <a:srgbClr val="CCFFFF"/>
+          </a:solidFill>
+          <a:ln>
+            <a:noFill/>
+          </a:ln>
+        </p:spPr>
+        <p:style>
+          <a:lnRef idx="2">
+            <a:schemeClr val="accent1">
+              <a:shade val="50000"/>
+            </a:schemeClr>
+          </a:lnRef>
+          <a:fillRef idx="1">
+            <a:schemeClr val="accent1"/>
+          </a:fillRef>
+          <a:effectRef idx="0">
+            <a:schemeClr val="accent1"/>
+          </a:effectRef>
+          <a:fontRef idx="minor">
+            <a:schemeClr val="lt1"/>
+          </a:fontRef>
+        </p:style>
+        <p:txBody>
+          <a:bodyPr rtlCol="0" anchor="ctr">
             <a:noAutofit/>
           </a:bodyPr>
           <a:lstStyle/>
           <a:p>
-            <a:r>
-              <a:rPr lang="en-US" dirty="0">
-                <a:latin typeface="+mn-lt"/>
-              </a:rPr>
-              <a:t>ANALYSIS ON PRODUCT, LOCATION &amp; MANAGER</a:t>
-            </a:r>
-          </a:p>
-        </p:txBody>
-      </p:sp>
-      <p:graphicFrame>
-        <p:nvGraphicFramePr>
-          <p:cNvPr id="3" name="Table Placeholder 2">
-            <a:extLst>
-              <a:ext uri="{FF2B5EF4-FFF2-40B4-BE49-F238E27FC236}">
-                <a16:creationId xmlns:a16="http://schemas.microsoft.com/office/drawing/2014/main" id="{F01CF5D3-D3B1-1944-CFDF-D8EE11DE42AA}"/>
-              </a:ext>
-            </a:extLst>
-          </p:cNvPr>
-          <p:cNvGraphicFramePr>
-            <a:graphicFrameLocks noGrp="1"/>
-          </p:cNvGraphicFramePr>
-          <p:nvPr>
-            <p:ph type="tbl" sz="quarter" idx="13"/>
-            <p:extLst>
-              <p:ext uri="{D42A27DB-BD31-4B8C-83A1-F6EECF244321}">
-                <p14:modId xmlns:p14="http://schemas.microsoft.com/office/powerpoint/2010/main" val="2781060052"/>
-              </p:ext>
-            </p:extLst>
-          </p:nvPr>
-        </p:nvGraphicFramePr>
-        <p:xfrm>
-          <a:off x="1738891" y="1229194"/>
-          <a:ext cx="8484401" cy="4856813"/>
-        </p:xfrm>
-        <a:graphic>
-          <a:graphicData uri="http://schemas.openxmlformats.org/drawingml/2006/table">
-            <a:tbl>
-              <a:tblPr firstRow="1" bandRow="1">
-                <a:tableStyleId>{7E9639D4-E3E2-4D34-9284-5A2195B3D0D7}</a:tableStyleId>
-              </a:tblPr>
-              <a:tblGrid>
-                <a:gridCol w="2090327">
-                  <a:extLst>
-                    <a:ext uri="{9D8B030D-6E8A-4147-A177-3AD203B41FA5}">
-                      <a16:colId xmlns:a16="http://schemas.microsoft.com/office/drawing/2014/main" val="127040821"/>
-                    </a:ext>
-                  </a:extLst>
-                </a:gridCol>
-                <a:gridCol w="2131358">
-                  <a:extLst>
-                    <a:ext uri="{9D8B030D-6E8A-4147-A177-3AD203B41FA5}">
-                      <a16:colId xmlns:a16="http://schemas.microsoft.com/office/drawing/2014/main" val="149845700"/>
-                    </a:ext>
-                  </a:extLst>
-                </a:gridCol>
-                <a:gridCol w="2131358">
-                  <a:extLst>
-                    <a:ext uri="{9D8B030D-6E8A-4147-A177-3AD203B41FA5}">
-                      <a16:colId xmlns:a16="http://schemas.microsoft.com/office/drawing/2014/main" val="3119692462"/>
-                    </a:ext>
-                  </a:extLst>
-                </a:gridCol>
-                <a:gridCol w="2131358">
-                  <a:extLst>
-                    <a:ext uri="{9D8B030D-6E8A-4147-A177-3AD203B41FA5}">
-                      <a16:colId xmlns:a16="http://schemas.microsoft.com/office/drawing/2014/main" val="3472639139"/>
-                    </a:ext>
-                  </a:extLst>
-                </a:gridCol>
-              </a:tblGrid>
-              <a:tr h="643015">
-                <a:tc>
-                  <a:txBody>
-                    <a:bodyPr/>
-                    <a:lstStyle/>
-                    <a:p>
-                      <a:pPr algn="ctr"/>
-                      <a:r>
-                        <a:rPr lang="en-US" b="0" i="0" dirty="0">
-                          <a:latin typeface="+mn-lt"/>
-                          <a:cs typeface="Calibri" panose="020F0502020204030204" pitchFamily="34" charset="0"/>
-                        </a:rPr>
-                        <a:t>Manager</a:t>
-                      </a:r>
-                    </a:p>
-                  </a:txBody>
-                  <a:tcPr anchor="ctr"/>
-                </a:tc>
-                <a:tc>
-                  <a:txBody>
-                    <a:bodyPr/>
-                    <a:lstStyle/>
-                    <a:p>
-                      <a:pPr marL="0" marR="0" lvl="0" indent="0" algn="ctr" defTabSz="914400" rtl="0" eaLnBrk="1" fontAlgn="auto" latinLnBrk="0" hangingPunct="1">
-                        <a:lnSpc>
-                          <a:spcPct val="100000"/>
-                        </a:lnSpc>
-                        <a:spcBef>
-                          <a:spcPts val="0"/>
-                        </a:spcBef>
-                        <a:spcAft>
-                          <a:spcPts val="0"/>
-                        </a:spcAft>
-                        <a:buClrTx/>
-                        <a:buSzTx/>
-                        <a:buFontTx/>
-                        <a:buNone/>
-                        <a:tabLst/>
-                        <a:defRPr/>
-                      </a:pPr>
-                      <a:r>
-                        <a:rPr lang="en-US" b="0" i="0" dirty="0">
-                          <a:latin typeface="+mn-lt"/>
-                          <a:cs typeface="Calibri" panose="020F0502020204030204" pitchFamily="34" charset="0"/>
-                        </a:rPr>
-                        <a:t>Product Class</a:t>
-                      </a:r>
-                    </a:p>
-                  </a:txBody>
-                  <a:tcPr anchor="ctr"/>
-                </a:tc>
-                <a:tc>
-                  <a:txBody>
-                    <a:bodyPr/>
-                    <a:lstStyle/>
-                    <a:p>
-                      <a:pPr algn="ctr"/>
-                      <a:r>
-                        <a:rPr lang="en-US" b="0" i="0" dirty="0">
-                          <a:latin typeface="+mn-lt"/>
-                          <a:cs typeface="Calibri" panose="020F0502020204030204" pitchFamily="34" charset="0"/>
-                        </a:rPr>
-                        <a:t>Top Location(revenue)</a:t>
-                      </a:r>
-                    </a:p>
-                  </a:txBody>
-                  <a:tcPr anchor="ctr"/>
-                </a:tc>
-                <a:tc>
-                  <a:txBody>
-                    <a:bodyPr/>
-                    <a:lstStyle/>
-                    <a:p>
-                      <a:pPr algn="ctr"/>
-                      <a:r>
-                        <a:rPr lang="en-US" b="0" i="0" dirty="0">
-                          <a:latin typeface="+mn-lt"/>
-                          <a:cs typeface="Calibri" panose="020F0502020204030204" pitchFamily="34" charset="0"/>
-                        </a:rPr>
-                        <a:t>Rural/Urban</a:t>
-                      </a:r>
-                    </a:p>
-                  </a:txBody>
-                  <a:tcPr anchor="ctr"/>
-                </a:tc>
+            <a:pPr algn="ctr"/>
+            <a:endParaRPr lang="en-US" dirty="0"/>
+          </a:p>
+        </p:txBody>
+      </p:sp>
+      <mc:AlternateContent xmlns:mc="http://schemas.openxmlformats.org/markup-compatibility/2006">
+        <mc:Choice xmlns:we="http://schemas.microsoft.com/office/webextensions/webextension/2010/11" xmlns:pca="http://schemas.microsoft.com/office/powerpoint/2013/contentapp" Requires="we pca">
+          <p:graphicFrame>
+            <p:nvGraphicFramePr>
+              <p:cNvPr id="6" name="Content Placeholder 5">
                 <a:extLst>
-                  <a:ext uri="{0D108BD9-81ED-4DB2-BD59-A6C34878D82A}">
-                    <a16:rowId xmlns:a16="http://schemas.microsoft.com/office/drawing/2014/main" val="3298013591"/>
+                  <a:ext uri="{FF2B5EF4-FFF2-40B4-BE49-F238E27FC236}">
+                    <a16:creationId xmlns:a16="http://schemas.microsoft.com/office/drawing/2014/main" id="{24685DC7-2840-2F94-7A20-060381464918}"/>
                   </a:ext>
                 </a:extLst>
-              </a:tr>
-              <a:tr h="643015">
-                <a:tc>
-                  <a:txBody>
-                    <a:bodyPr/>
-                    <a:lstStyle/>
-                    <a:p>
-                      <a:pPr algn="ctr"/>
-                      <a:r>
-                        <a:rPr lang="en-US" b="0" i="0" dirty="0">
-                          <a:latin typeface="+mn-lt"/>
-                          <a:cs typeface="Calibri" panose="020F0502020204030204" pitchFamily="34" charset="0"/>
-                        </a:rPr>
-                        <a:t>Brittany Bold</a:t>
-                      </a:r>
-                    </a:p>
-                  </a:txBody>
-                  <a:tcPr anchor="ctr"/>
-                </a:tc>
-                <a:tc>
-                  <a:txBody>
-                    <a:bodyPr/>
-                    <a:lstStyle/>
-                    <a:p>
-                      <a:pPr algn="ctr"/>
-                      <a:r>
-                        <a:rPr lang="en-US" b="0" i="0" dirty="0">
-                          <a:latin typeface="+mn-lt"/>
-                          <a:cs typeface="Calibri" panose="020F0502020204030204" pitchFamily="34" charset="0"/>
-                        </a:rPr>
-                        <a:t>Analgesics</a:t>
-                      </a:r>
-                    </a:p>
-                  </a:txBody>
-                  <a:tcPr anchor="ctr"/>
-                </a:tc>
-                <a:tc>
-                  <a:txBody>
-                    <a:bodyPr/>
-                    <a:lstStyle/>
-                    <a:p>
-                      <a:pPr algn="ctr"/>
-                      <a:r>
-                        <a:rPr lang="en-US" b="0" i="0" dirty="0">
-                          <a:latin typeface="+mn-lt"/>
-                          <a:cs typeface="Calibri" panose="020F0502020204030204" pitchFamily="34" charset="0"/>
-                        </a:rPr>
-                        <a:t>Altenburg (31m)</a:t>
-                      </a:r>
-                    </a:p>
-                  </a:txBody>
-                  <a:tcPr anchor="ctr"/>
-                </a:tc>
-                <a:tc>
-                  <a:txBody>
-                    <a:bodyPr/>
-                    <a:lstStyle/>
-                    <a:p>
-                      <a:pPr marL="0" marR="0" lvl="0" indent="0" algn="ctr" defTabSz="914400" rtl="0" eaLnBrk="1" fontAlgn="auto" latinLnBrk="0" hangingPunct="1">
-                        <a:lnSpc>
-                          <a:spcPct val="100000"/>
-                        </a:lnSpc>
-                        <a:spcBef>
-                          <a:spcPts val="0"/>
-                        </a:spcBef>
-                        <a:spcAft>
-                          <a:spcPts val="0"/>
-                        </a:spcAft>
-                        <a:buClrTx/>
-                        <a:buSzTx/>
-                        <a:buFontTx/>
-                        <a:buNone/>
-                        <a:tabLst/>
-                        <a:defRPr/>
-                      </a:pPr>
-                      <a:r>
-                        <a:rPr lang="en-US" b="0" i="0" dirty="0">
-                          <a:latin typeface="+mn-lt"/>
-                          <a:cs typeface="Calibri" panose="020F0502020204030204" pitchFamily="34" charset="0"/>
-                        </a:rPr>
-                        <a:t>Urban</a:t>
-                      </a:r>
-                    </a:p>
-                  </a:txBody>
-                  <a:tcPr anchor="ctr"/>
-                </a:tc>
+              </p:cNvPr>
+              <p:cNvGraphicFramePr>
+                <a:graphicFrameLocks noGrp="1"/>
+              </p:cNvGraphicFramePr>
+              <p:nvPr>
+                <p:ph sz="quarter" idx="13"/>
+                <p:extLst>
+                  <p:ext uri="{D42A27DB-BD31-4B8C-83A1-F6EECF244321}">
+                    <p14:modId xmlns:p14="http://schemas.microsoft.com/office/powerpoint/2010/main" val="771814962"/>
+                  </p:ext>
+                </p:extLst>
+              </p:nvPr>
+            </p:nvGraphicFramePr>
+            <p:xfrm>
+              <a:off x="1109271" y="779488"/>
+              <a:ext cx="10732959" cy="5383187"/>
+            </p:xfrm>
+            <a:graphic>
+              <a:graphicData uri="http://schemas.microsoft.com/office/webextensions/webextension/2010/11">
+                <we:webextensionref xmlns:we="http://schemas.microsoft.com/office/webextensions/webextension/2010/11" xmlns:r="http://schemas.openxmlformats.org/officeDocument/2006/relationships" r:id="rId3"/>
+              </a:graphicData>
+            </a:graphic>
+          </p:graphicFrame>
+        </mc:Choice>
+        <mc:Fallback>
+          <p:pic>
+            <p:nvPicPr>
+              <p:cNvPr id="6" name="Content Placeholder 5">
                 <a:extLst>
-                  <a:ext uri="{0D108BD9-81ED-4DB2-BD59-A6C34878D82A}">
-                    <a16:rowId xmlns:a16="http://schemas.microsoft.com/office/drawing/2014/main" val="3873867931"/>
+                  <a:ext uri="{FF2B5EF4-FFF2-40B4-BE49-F238E27FC236}">
+                    <a16:creationId xmlns:a16="http://schemas.microsoft.com/office/drawing/2014/main" id="{24685DC7-2840-2F94-7A20-060381464918}"/>
                   </a:ext>
                 </a:extLst>
-              </a:tr>
-              <a:tr h="643015">
-                <a:tc>
-                  <a:txBody>
-                    <a:bodyPr/>
-                    <a:lstStyle/>
-                    <a:p>
-                      <a:pPr algn="ctr"/>
-                      <a:r>
-                        <a:rPr lang="en-US" b="0" i="0" dirty="0">
-                          <a:latin typeface="+mn-lt"/>
-                          <a:cs typeface="Calibri" panose="020F0502020204030204" pitchFamily="34" charset="0"/>
-                        </a:rPr>
-                        <a:t>Brittany Bold</a:t>
-                      </a:r>
-                    </a:p>
-                  </a:txBody>
-                  <a:tcPr anchor="ctr"/>
-                </a:tc>
-                <a:tc>
-                  <a:txBody>
-                    <a:bodyPr/>
-                    <a:lstStyle/>
-                    <a:p>
-                      <a:pPr algn="ctr"/>
-                      <a:r>
-                        <a:rPr lang="en-US" b="0" i="0" dirty="0">
-                          <a:latin typeface="+mn-lt"/>
-                          <a:cs typeface="Calibri" panose="020F0502020204030204" pitchFamily="34" charset="0"/>
-                        </a:rPr>
-                        <a:t>Antiseptics</a:t>
-                      </a:r>
-                    </a:p>
-                  </a:txBody>
-                  <a:tcPr anchor="ctr"/>
-                </a:tc>
-                <a:tc>
-                  <a:txBody>
-                    <a:bodyPr/>
-                    <a:lstStyle/>
-                    <a:p>
-                      <a:pPr algn="ctr"/>
-                      <a:r>
-                        <a:rPr lang="en-US" b="0" i="0" dirty="0">
-                          <a:latin typeface="+mn-lt"/>
-                          <a:cs typeface="Calibri" panose="020F0502020204030204" pitchFamily="34" charset="0"/>
-                        </a:rPr>
-                        <a:t>Ludwigshafen (21m)</a:t>
-                      </a:r>
-                    </a:p>
-                  </a:txBody>
-                  <a:tcPr anchor="ctr"/>
-                </a:tc>
-                <a:tc>
-                  <a:txBody>
-                    <a:bodyPr/>
-                    <a:lstStyle/>
-                    <a:p>
-                      <a:pPr algn="ctr"/>
-                      <a:r>
-                        <a:rPr lang="en-US" b="0" i="0" dirty="0">
-                          <a:latin typeface="+mn-lt"/>
-                          <a:cs typeface="Calibri" panose="020F0502020204030204" pitchFamily="34" charset="0"/>
-                        </a:rPr>
-                        <a:t>Urban</a:t>
-                      </a:r>
-                    </a:p>
-                  </a:txBody>
-                  <a:tcPr anchor="ctr"/>
-                </a:tc>
-                <a:extLst>
-                  <a:ext uri="{0D108BD9-81ED-4DB2-BD59-A6C34878D82A}">
-                    <a16:rowId xmlns:a16="http://schemas.microsoft.com/office/drawing/2014/main" val="85209771"/>
-                  </a:ext>
-                </a:extLst>
-              </a:tr>
-              <a:tr h="643015">
-                <a:tc>
-                  <a:txBody>
-                    <a:bodyPr/>
-                    <a:lstStyle/>
-                    <a:p>
-                      <a:pPr algn="ctr"/>
-                      <a:r>
-                        <a:rPr lang="en-US" b="0" i="0" dirty="0">
-                          <a:latin typeface="+mn-lt"/>
-                          <a:cs typeface="Calibri" panose="020F0502020204030204" pitchFamily="34" charset="0"/>
-                        </a:rPr>
-                        <a:t>Brittany Bold</a:t>
-                      </a:r>
-                    </a:p>
-                  </a:txBody>
-                  <a:tcPr anchor="ctr"/>
-                </a:tc>
-                <a:tc>
-                  <a:txBody>
-                    <a:bodyPr/>
-                    <a:lstStyle/>
-                    <a:p>
-                      <a:pPr marL="0" marR="0" lvl="0" indent="0" algn="ctr" defTabSz="914400" rtl="0" eaLnBrk="1" fontAlgn="auto" latinLnBrk="0" hangingPunct="1">
-                        <a:lnSpc>
-                          <a:spcPct val="100000"/>
-                        </a:lnSpc>
-                        <a:spcBef>
-                          <a:spcPts val="0"/>
-                        </a:spcBef>
-                        <a:spcAft>
-                          <a:spcPts val="0"/>
-                        </a:spcAft>
-                        <a:buClrTx/>
-                        <a:buSzTx/>
-                        <a:buFontTx/>
-                        <a:buNone/>
-                        <a:tabLst/>
-                        <a:defRPr/>
-                      </a:pPr>
-                      <a:r>
-                        <a:rPr lang="en-US" b="0" i="0" dirty="0">
-                          <a:latin typeface="+mn-lt"/>
-                          <a:cs typeface="Calibri" panose="020F0502020204030204" pitchFamily="34" charset="0"/>
-                        </a:rPr>
-                        <a:t>Mood stabilizers</a:t>
-                      </a:r>
-                    </a:p>
-                  </a:txBody>
-                  <a:tcPr anchor="ctr"/>
-                </a:tc>
-                <a:tc>
-                  <a:txBody>
-                    <a:bodyPr/>
-                    <a:lstStyle/>
-                    <a:p>
-                      <a:pPr algn="ctr"/>
-                      <a:r>
-                        <a:rPr lang="en-GB" dirty="0"/>
-                        <a:t>Cuxhaven (33m)</a:t>
-                      </a:r>
-                      <a:endParaRPr lang="en-US" b="0" i="0" dirty="0">
-                        <a:latin typeface="+mn-lt"/>
-                        <a:cs typeface="Calibri" panose="020F0502020204030204" pitchFamily="34" charset="0"/>
-                      </a:endParaRPr>
-                    </a:p>
-                  </a:txBody>
-                  <a:tcPr anchor="ctr"/>
-                </a:tc>
-                <a:tc>
-                  <a:txBody>
-                    <a:bodyPr/>
-                    <a:lstStyle/>
-                    <a:p>
-                      <a:pPr marL="0" marR="0" lvl="0" indent="0" algn="ctr" defTabSz="914400" rtl="0" eaLnBrk="1" fontAlgn="auto" latinLnBrk="0" hangingPunct="1">
-                        <a:lnSpc>
-                          <a:spcPct val="100000"/>
-                        </a:lnSpc>
-                        <a:spcBef>
-                          <a:spcPts val="0"/>
-                        </a:spcBef>
-                        <a:spcAft>
-                          <a:spcPts val="0"/>
-                        </a:spcAft>
-                        <a:buClrTx/>
-                        <a:buSzTx/>
-                        <a:buFontTx/>
-                        <a:buNone/>
-                        <a:tabLst/>
-                        <a:defRPr/>
-                      </a:pPr>
-                      <a:r>
-                        <a:rPr lang="en-US" b="0" i="0" dirty="0">
-                          <a:latin typeface="+mn-lt"/>
-                          <a:cs typeface="Calibri" panose="020F0502020204030204" pitchFamily="34" charset="0"/>
-                        </a:rPr>
-                        <a:t>Semi-Urban</a:t>
-                      </a:r>
-                    </a:p>
-                  </a:txBody>
-                  <a:tcPr anchor="ctr"/>
-                </a:tc>
-                <a:extLst>
-                  <a:ext uri="{0D108BD9-81ED-4DB2-BD59-A6C34878D82A}">
-                    <a16:rowId xmlns:a16="http://schemas.microsoft.com/office/drawing/2014/main" val="4061031278"/>
-                  </a:ext>
-                </a:extLst>
-              </a:tr>
-              <a:tr h="643015">
-                <a:tc>
-                  <a:txBody>
-                    <a:bodyPr/>
-                    <a:lstStyle/>
-                    <a:p>
-                      <a:pPr algn="ctr"/>
-                      <a:r>
-                        <a:rPr lang="en-US" b="0" i="0" dirty="0">
-                          <a:latin typeface="+mn-lt"/>
-                          <a:cs typeface="Calibri" panose="020F0502020204030204" pitchFamily="34" charset="0"/>
-                        </a:rPr>
-                        <a:t>Brittany Bold</a:t>
-                      </a:r>
-                    </a:p>
-                  </a:txBody>
-                  <a:tcPr anchor="ctr"/>
-                </a:tc>
-                <a:tc>
-                  <a:txBody>
-                    <a:bodyPr/>
-                    <a:lstStyle/>
-                    <a:p>
-                      <a:pPr algn="ctr"/>
-                      <a:r>
-                        <a:rPr lang="en-GB" dirty="0"/>
-                        <a:t>Antipyretics</a:t>
-                      </a:r>
-                      <a:endParaRPr lang="en-US" b="0" i="0" dirty="0">
-                        <a:latin typeface="+mn-lt"/>
-                        <a:cs typeface="Calibri" panose="020F0502020204030204" pitchFamily="34" charset="0"/>
-                      </a:endParaRPr>
-                    </a:p>
-                  </a:txBody>
-                  <a:tcPr anchor="ctr"/>
-                </a:tc>
-                <a:tc>
-                  <a:txBody>
-                    <a:bodyPr/>
-                    <a:lstStyle/>
-                    <a:p>
-                      <a:pPr algn="ctr"/>
-                      <a:r>
-                        <a:rPr lang="en-GB" dirty="0"/>
-                        <a:t>Bottrop (31m)</a:t>
-                      </a:r>
-                      <a:endParaRPr lang="en-US" b="0" i="0" dirty="0">
-                        <a:latin typeface="+mn-lt"/>
-                        <a:cs typeface="Calibri" panose="020F0502020204030204" pitchFamily="34" charset="0"/>
-                      </a:endParaRPr>
-                    </a:p>
-                  </a:txBody>
-                  <a:tcPr anchor="ctr"/>
-                </a:tc>
-                <a:tc>
-                  <a:txBody>
-                    <a:bodyPr/>
-                    <a:lstStyle/>
-                    <a:p>
-                      <a:pPr algn="ctr"/>
-                      <a:r>
-                        <a:rPr lang="en-US" b="0" i="0" dirty="0">
-                          <a:latin typeface="+mn-lt"/>
-                          <a:cs typeface="Calibri" panose="020F0502020204030204" pitchFamily="34" charset="0"/>
-                        </a:rPr>
-                        <a:t>Urban</a:t>
-                      </a:r>
-                    </a:p>
-                  </a:txBody>
-                  <a:tcPr anchor="ctr"/>
-                </a:tc>
-                <a:extLst>
-                  <a:ext uri="{0D108BD9-81ED-4DB2-BD59-A6C34878D82A}">
-                    <a16:rowId xmlns:a16="http://schemas.microsoft.com/office/drawing/2014/main" val="3591840781"/>
-                  </a:ext>
-                </a:extLst>
-              </a:tr>
-              <a:tr h="820869">
-                <a:tc>
-                  <a:txBody>
-                    <a:bodyPr/>
-                    <a:lstStyle/>
-                    <a:p>
-                      <a:pPr algn="ctr"/>
-                      <a:r>
-                        <a:rPr lang="en-US" b="0" i="0" dirty="0">
-                          <a:latin typeface="+mn-lt"/>
-                          <a:cs typeface="Calibri" panose="020F0502020204030204" pitchFamily="34" charset="0"/>
-                        </a:rPr>
-                        <a:t>Brittany Bold</a:t>
-                      </a:r>
-                    </a:p>
-                  </a:txBody>
-                  <a:tcPr anchor="ctr"/>
-                </a:tc>
-                <a:tc>
-                  <a:txBody>
-                    <a:bodyPr/>
-                    <a:lstStyle/>
-                    <a:p>
-                      <a:pPr algn="ctr"/>
-                      <a:r>
-                        <a:rPr lang="en-US" b="0" i="0" dirty="0">
-                          <a:latin typeface="+mn-lt"/>
-                          <a:cs typeface="Calibri" panose="020F0502020204030204" pitchFamily="34" charset="0"/>
-                        </a:rPr>
-                        <a:t>Antibiotics</a:t>
-                      </a:r>
-                    </a:p>
-                  </a:txBody>
-                  <a:tcPr anchor="ctr"/>
-                </a:tc>
-                <a:tc>
-                  <a:txBody>
-                    <a:bodyPr/>
-                    <a:lstStyle/>
-                    <a:p>
-                      <a:pPr algn="ctr"/>
-                      <a:r>
-                        <a:rPr lang="en-US" b="0" i="0" dirty="0">
-                          <a:latin typeface="+mn-lt"/>
-                          <a:cs typeface="Calibri" panose="020F0502020204030204" pitchFamily="34" charset="0"/>
-                        </a:rPr>
-                        <a:t>Springe (20m)</a:t>
-                      </a:r>
-                    </a:p>
-                  </a:txBody>
-                  <a:tcPr anchor="ctr"/>
-                </a:tc>
-                <a:tc>
-                  <a:txBody>
-                    <a:bodyPr/>
-                    <a:lstStyle/>
-                    <a:p>
-                      <a:pPr algn="ctr"/>
-                      <a:r>
-                        <a:rPr lang="en-US" b="0" i="0" dirty="0">
-                          <a:latin typeface="+mn-lt"/>
-                          <a:cs typeface="Calibri" panose="020F0502020204030204" pitchFamily="34" charset="0"/>
-                        </a:rPr>
-                        <a:t>Rural</a:t>
-                      </a:r>
-                    </a:p>
-                  </a:txBody>
-                  <a:tcPr anchor="ctr"/>
-                </a:tc>
-                <a:extLst>
-                  <a:ext uri="{0D108BD9-81ED-4DB2-BD59-A6C34878D82A}">
-                    <a16:rowId xmlns:a16="http://schemas.microsoft.com/office/drawing/2014/main" val="6410810"/>
-                  </a:ext>
-                </a:extLst>
-              </a:tr>
-              <a:tr h="820869">
-                <a:tc>
-                  <a:txBody>
-                    <a:bodyPr/>
-                    <a:lstStyle/>
-                    <a:p>
-                      <a:pPr algn="ctr"/>
-                      <a:r>
-                        <a:rPr lang="en-US" b="0" i="0" dirty="0">
-                          <a:latin typeface="+mn-lt"/>
-                          <a:cs typeface="Calibri" panose="020F0502020204030204" pitchFamily="34" charset="0"/>
-                        </a:rPr>
-                        <a:t>Alisha </a:t>
-                      </a:r>
-                      <a:r>
-                        <a:rPr lang="en-US" b="0" i="0" dirty="0" err="1">
-                          <a:latin typeface="+mn-lt"/>
-                          <a:cs typeface="Calibri" panose="020F0502020204030204" pitchFamily="34" charset="0"/>
-                        </a:rPr>
-                        <a:t>Codwell</a:t>
-                      </a:r>
-                      <a:endParaRPr lang="en-US" b="0" i="0" dirty="0">
-                        <a:latin typeface="+mn-lt"/>
-                        <a:cs typeface="Calibri" panose="020F0502020204030204" pitchFamily="34" charset="0"/>
-                      </a:endParaRPr>
-                    </a:p>
-                  </a:txBody>
-                  <a:tcPr anchor="ctr"/>
-                </a:tc>
-                <a:tc>
-                  <a:txBody>
-                    <a:bodyPr/>
-                    <a:lstStyle/>
-                    <a:p>
-                      <a:pPr algn="ctr"/>
-                      <a:r>
-                        <a:rPr lang="en-US" b="0" i="0" dirty="0">
-                          <a:latin typeface="+mn-lt"/>
-                          <a:cs typeface="Calibri" panose="020F0502020204030204" pitchFamily="34" charset="0"/>
-                        </a:rPr>
-                        <a:t>Antimalaria</a:t>
-                      </a:r>
-                    </a:p>
-                  </a:txBody>
-                  <a:tcPr anchor="ctr"/>
-                </a:tc>
-                <a:tc>
-                  <a:txBody>
-                    <a:bodyPr/>
-                    <a:lstStyle/>
-                    <a:p>
-                      <a:pPr algn="ctr"/>
-                      <a:r>
-                        <a:rPr lang="en-GB" dirty="0"/>
-                        <a:t>Castrop-Rauxel</a:t>
-                      </a:r>
-                      <a:r>
-                        <a:rPr lang="en-US" b="0" i="0" dirty="0">
-                          <a:latin typeface="+mn-lt"/>
-                          <a:cs typeface="Calibri" panose="020F0502020204030204" pitchFamily="34" charset="0"/>
-                        </a:rPr>
-                        <a:t> (31m)</a:t>
-                      </a:r>
-                    </a:p>
-                  </a:txBody>
-                  <a:tcPr anchor="ctr"/>
-                </a:tc>
-                <a:tc>
-                  <a:txBody>
-                    <a:bodyPr/>
-                    <a:lstStyle/>
-                    <a:p>
-                      <a:pPr algn="ctr"/>
-                      <a:r>
-                        <a:rPr lang="en-US" b="0" i="0" dirty="0">
-                          <a:latin typeface="+mn-lt"/>
-                          <a:cs typeface="Calibri" panose="020F0502020204030204" pitchFamily="34" charset="0"/>
-                        </a:rPr>
-                        <a:t>Urban</a:t>
-                      </a:r>
-                    </a:p>
-                  </a:txBody>
-                  <a:tcPr anchor="ctr"/>
-                </a:tc>
-                <a:extLst>
-                  <a:ext uri="{0D108BD9-81ED-4DB2-BD59-A6C34878D82A}">
-                    <a16:rowId xmlns:a16="http://schemas.microsoft.com/office/drawing/2014/main" val="335389741"/>
-                  </a:ext>
-                </a:extLst>
-              </a:tr>
-            </a:tbl>
-          </a:graphicData>
-        </a:graphic>
-      </p:graphicFrame>
+              </p:cNvPr>
+              <p:cNvPicPr>
+                <a:picLocks noGrp="1" noRot="1" noChangeAspect="1" noMove="1" noResize="1" noEditPoints="1" noAdjustHandles="1" noChangeArrowheads="1" noChangeShapeType="1"/>
+              </p:cNvPicPr>
+              <p:nvPr/>
+            </p:nvPicPr>
+            <p:blipFill>
+              <a:blip r:embed="rId4"/>
+              <a:stretch>
+                <a:fillRect/>
+              </a:stretch>
+            </p:blipFill>
+            <p:spPr>
+              <a:xfrm>
+                <a:off x="1109271" y="779488"/>
+                <a:ext cx="10732959" cy="5383187"/>
+              </a:xfrm>
+              <a:prstGeom prst="rect">
+                <a:avLst/>
+              </a:prstGeom>
+            </p:spPr>
+          </p:pic>
+        </mc:Fallback>
+      </mc:AlternateContent>
     </p:spTree>
     <p:extLst>
       <p:ext uri="{BB962C8B-B14F-4D97-AF65-F5344CB8AC3E}">
-        <p14:creationId xmlns:p14="http://schemas.microsoft.com/office/powerpoint/2010/main" val="4259977132"/>
+        <p14:creationId xmlns:p14="http://schemas.microsoft.com/office/powerpoint/2010/main" val="2753578114"/>
       </p:ext>
     </p:extLst>
   </p:cSld>
@@ -10517,29 +11280,29 @@
 </file>
 
 <file path=ppt/webextensions/webextension2.xml><?xml version="1.0" encoding="utf-8"?>
-<we:webextension xmlns:we="http://schemas.microsoft.com/office/webextensions/webextension/2010/11" id="{B7A10FA2-68A5-4D20-97F0-ABE22BF4C05D}">
+<we:webextension xmlns:we="http://schemas.microsoft.com/office/webextensions/webextension/2010/11" id="{DE243E08-17C9-430E-9455-B468F9349AD0}">
   <we:reference id="wa200003233" version="2.0.0.3" store="en-US" storeType="OMEX"/>
   <we:alternateReferences>
     <we:reference id="WA200003233" version="2.0.0.3" store="WA200003233" storeType="OMEX"/>
   </we:alternateReferences>
   <we:properties>
-    <we:property name="pptInsertionSessionID" value="&quot;EF502C7D-7A84-4752-A818-5B789D29085E&quot;"/>
-    <we:property name="reportUrl" value="&quot;/groups/me/reports/9144d075-54f5-400a-bc7a-8e9d59b38363/6d3c28d5c05d71e30901?bookmarkGuid=d6a0fdd9-88ec-44a6-aa30-b9bffc5bc944&amp;bookmarkUsage=1&amp;ctid=0656307e-3ae2-447b-8f4c-0a286915f5c0&amp;fromEntryPoint=export&quot;"/>
+    <we:property name="pptInsertionSessionID" value="&quot;B90DCEC8-458C-4B7D-9FE7-882083DDB48C&quot;"/>
+    <we:property name="reportUrl" value="&quot;/groups/me/reports/9144d075-54f5-400a-bc7a-8e9d59b38363/a0aea672bcbbe56e3015?bookmarkGuid=4995119e-f711-41aa-a888-33b3753e6b97&amp;bookmarkUsage=1&amp;ctid=0656307e-3ae2-447b-8f4c-0a286915f5c0&amp;fromEntryPoint=export&quot;"/>
     <we:property name="reportName" value="&quot;ABC PHARMA&quot;"/>
     <we:property name="reportState" value="&quot;CONNECTED&quot;"/>
     <we:property name="embedUrl" value="&quot;/reportEmbed?reportId=9144d075-54f5-400a-bc7a-8e9d59b38363&amp;config=eyJjbHVzdGVyVXJsIjoiaHR0cHM6Ly9XQUJJLVNPVVRILUFGUklDQS1OT1JUSC1BLVBSSU1BUlktcmVkaXJlY3QuYW5hbHlzaXMud2luZG93cy5uZXQiLCJlbWJlZEZlYXR1cmVzIjp7InVzYWdlTWV0cmljc1ZOZXh0Ijp0cnVlfX0%3D&amp;disableSensitivityBanner=true&quot;"/>
-    <we:property name="pageName" value="&quot;6d3c28d5c05d71e30901&quot;"/>
+    <we:property name="pageName" value="&quot;a0aea672bcbbe56e3015&quot;"/>
     <we:property name="pageDisplayName" value="&quot;Analysis&quot;"/>
     <we:property name="datasetId" value="&quot;2536a315-421e-4d37-bd75-65404c98acf2&quot;"/>
     <we:property name="backgroundColor" value="&quot;#DAF6E4&quot;"/>
-    <we:property name="bookmark" value="&quot;H4sIAAAAAAAAA+VZbW/bNhD+K4G+9ItRkKKol3xrnBYb0HbZHHQYCiM4kadErSx5lOzGC/zfd6Tk+CVxHDhJ52D5Eomkjvc8z5HHo288ndfjAmafYYTesXdSVd9HYL4fca/nlW2bylKUoeIiVYJLligZMuqtxk1elbV3fOM1YC6x+ZLXEyisIWr86iWZiKQfhtrXvs9kKHmgvWHPg6I4g0s7JoOixp43RlNXJRT5P9iaoK7GTHDe8/B6XFQG7ESDBhq0k01pOL2TY/ytID9ANfkUB6iatjXUQvmxlopJHXEULGEWTN0OcP7eO4Tas7xoyLp9TGfvr8eGcNzc0sBipbViKDCVsfQVY3b6Zja2vX3y7rIyuYLCc34brFs3b7x+VUxG7un9WvugmhiFf2Dmusomb2Zk6TQf9a+gLLHw5kTBmamIINczmKSrPVfVj75Bmld7x3I+pJapo69flQ3kZQdEahIMhZSQMsVjnjAW2PY6Ly+LjnBHq3s6b9HUV0D/SeP0G9Fm7cztjNzXgc4gwzjVDFLUYcp32mrwukmr67vWIOJ+jFGUMoZSM5lykWxXoeP5nZ5CqQjy00j+oKGBTX7/QjB3mGWO2YfZKnKFZg2gN0JaEvbBTWQBjNuJcmz7K+260eG78T7mhLm1/QWKiTX75gTqXL0hj+hv6BhzoU4ef1sJZje8dlM8HwfDVm/BMsQMaPHz1JdRSDG/v0KfEOqJwce6d9GNrzddPK8aKI5UNSmbfdRSYPR6MNKL0WhOZg7GaW4We4nf2/D0ZSB04qJUGLCIM5ZioFGxUB0K2QMouq5XS/YCQku21gJEEIMGFnAtGSbqACL73fTy7evmeg1BS7Uf0/khFJwHSkoODFgqdiaNfERHhLspI4sSkWXARJKwIKK8gbHa11aoE+CYhSkkoOlUo+PI39cWl5TEuI+IBFGHBBLifW1RGmQJZ4EQmgnm+zK0+u8IzWc9fpziGEwzwm5/XZH3E5Tk80ElyVP6Qlc/ypfLk49kpE2ZfhwKEVAghCSjVjKIot0by7OqV1TKHZg3Pe3bbGNm/zvtdvPRKndvvfIU5X7JCbBRV7OPOMXirse3/XtWBivfe1370bLNjugm9rZVDWzee2VIHiiBVsEc/LHIBTEhMc2+GftwNFl+ZRV4HT6vxdF8uGXb6dZEK8bhOL/8qt25oljwRIUJFQwiCoGOIAK371zddUaipEqjCILQR5ZqylYQLq8zzqvxZ3prLbgdeHHrQqJ+MNXImeoujepJ+vcEiaZNvQeLDnr+ffHwkCW7YO/du3teu3LcIu8GX6wOXq7U5VCSdYAF6fms+rUvztk7srUpZZtsi4TTWyDIcizICvn527Oe029dvNhVC/Ws0vb6yI5refNXKH6EHmTizyu0LrnkXOq86Vz6dSNL1wcmg0MPaYHbbd9Gdnc++RmJce28sg+sw8nx+0KxBl5zek/BPCm3v9TNx3+V5p4c0kO3/ub3FyDVpKnHoPAMSrynEKEIgVK3NfQDxYj7MeK2DpnP/wWmsCk+GhkAAA==&quot;"/>
-    <we:property name="initialStateBookmark" value="&quot;H4sIAAAAAAAAA+VZ227jNhD9lUAv+2IsqAt1yVviZNFiN5eugy2KwghG5CjRriy5FO2Na/jfO6Tk+JI4DpykddC8hOJlOOecIYekp47M62EBk3MYoHPoHFfVjwGoHweu03HKtu7i4vPZ0dfP1+dHZ6dUXQ11XpW1czh1NKgb1N/yegSFsUCVf/Y7DhTFJdyYrwyKGjvOEFVdlVDkf2PTmZq0GuGs4+DdsKgUGJM9DRqN2TF1p2+a2/3o04wgdD7GHgrd1IbSF14suWBcRi76LGHG37rpYD17tAvVZ3mhybopppPTu6Eij6dzpILFQkrB0MeUx9wTjJnp9WRoWrvk3U2lcgGFY/1WWDduTp1uVYwGtnS6Ut+rRkrgV8xsU6lzPSFLJ/mgewtliYUzIwouVUUE2ZbeKF1uua1+dhXSvNI55LM+1Ywtfd2q1JCXLRAuE8HR5xxSJtzYTRgLTH2dlzdFS7il1ZauGjT1LdB/UjP9TrQZOzMzo+vJQGaQYZxKBinKMHW32tJ4p9Pq7qE1iFwvxihKGUMuGU9dP9msQsvzkRxDKQjyy0j+JEHDOr9/IKgHzDLL7NNsFblAtQLQGSAFvynYiQyAYTNRjk17JW0zWnxT50tOmBvb36AYGbMfjqHOxQfyiP76ljEb6uTx96Vgtt1rO8XrcdBv9PZZhphBKFw39XgUUszvrtAZQj1S+Fz3rtv+9bqLV5WG4kBUo1LvopYAJVeDkT6URHU8sTBOcjXfS7zOmqdvA6EVF7nAgEUuYykGEgULxb6Q3YOibXq3ZM8hNGRL6YMfxCCBBa7kDBOxB5F9NL75+L65XkHQUO3FWYqh77qB4NwFBiz1tyaNfEBHhIcpI4sSP8uA+UnCgojyBsZiV1uhTMDFLEwhAckSIePI29WWyymJuR4iEkQZEkiId7VFaZAlLgt8XzKfeR4Pjf5bQvNVjx8nOASlB9jur0vynkFJPu9VkjyhEbL6Wb5dnnwmI03K9OLQ9wMKhJBklIIHUbR9Y3lV9YpK2APzuqddk23U5H+n3XY+GuWSzI+4F4bSk57HeMjd4GXr7pecACtxO/mCYyweenzfvuPNYGm809YfLOpMj3ZiZ9Otgc067wzJE1egZTB7fyyyQUxIlN41Y++PJotRRoH34fNKHM36G7addk00YuyP84tRzc4Vxb6biDChC4MfhUBHEB8371ztc0YiuEijCILQQ5ZKylYQLp4zrqrhOX01FuwOPH91IVE/qWpgTbXvQvUo/WuERNO63r15A5V/mxeesmQW7KN7d8dpVo5d5G3n6+XOi5W66Eqy9rAgPV9Vv+bDOvtAtialbJJtnnA6cwRZjgVZIT8vXvWcfu/i9ba7UMcobZ6PTL+GN2+J4mfoQSZ+v0Xjkk3Opcx169Kva1m63jMZLHpIC9xs+z6y2/PJv5EYV84ru8Danxy/KxRj4D2n9xTUi3L7W718/Fdp7sUh3bfrb/b4BaQa6XoIAi+hxEcuIhQhUMrmDv3EZcT+GGHPMEbLvN0WnhhgfqK4v7fMZv8Afhc5li0ZAAA=&quot;"/>
+    <we:property name="bookmark" value="&quot;H4sIAAAAAAAAA+1YUW/bNhD+K4Fe+mIUFEXJUt4SJ8UGtENQFwWGwRiO5NlWS0sGRXnxAv/3niilsZM4bp10Ntr5xdIdeffdx+NHSTeBzqu5geUfMMPgNDgvy88zsJ9PwqAXFK0NUYPMsjGLExExxiVLE/KWc5eXRRWc3gQO7ATdx7yqwTSByPjXqBeAMVcwae7GYCrsBXO0VVmAyf/FdjC5nK1x1Qvwem5KC03IoQOHTdgFDad7ghC+jigjKJcvcIjKtVZggJD0uVRSYpxgxMKYhlXtAI/s0SFkH+fGUfTmUi4vr+eWEN/cFqxYqrRWDCOUcRpzxViT3i3njXdA6CalzRWYwOO2WLUwb4JBaeqZv7rcsA/L2ip8j2PvKlzulhTpIp8NplAUaIIVUXBlSyLIe4a1XPdMy38GFimvDk7j1YgsC0/foCwc5EVXSBajBCGlUkxTqVxolTX2Ki8mpiPc0+qvPrTVVFOgf1pN+Yloa+Ksmoyh1ImKdBr1WRwx5Blj8c5YDq+dLK8fiZaKOBIURKHmIfVQhrh9FTqez/QCCprwTJLfaHBwn98/EewDZpln9mm2TK7QbhQYzJCav7nwiZoC5m2iHFt/qb0bfX03wducam5jfwRTN2FfnUOVq1eEiH6jBlfb6oT401oz++GVT/FyHIz8CqEYp5FMBKemj8MIQqXV/iv0DqGqLX4rvL+78dV9iB9KB+ZkCKZzba5WbzeQ33Ki2qrp8i0u0DzE89X//UyuTfVUntwZGneXcFun3WF/Sk4OD/8dKcx0n51iSJZIwqzbVAO6sRrt+dL30UVub8Wc9+4V8GN6aDXasre6ZWhxHZ73jc0pMwaS85D3BYMUUSZc7BTjfEZH70MplpL3YykTChkrARnTTO8bK1UiFllfq1QqnaaY8njvWAlo1CzOSHpCTFDqmLO9cY0RIqU460uhsjTjGIqdYvaf7kM6+emQ0LVyD5riqrUPDFTVluZYH3I82vIiNfnH0L2k/mjOnLPJxOIEXHd7+dLPLh1Tv194x5u66BQ02kOlJdj/RfqHbMpWuZXojwUTYxkqgYjA+owfnRKtv2msF93Zt9S77f3kkPqzXyVPvGwdkfLs3MvKS8uztvPxrMndrMOJwXORtxLQZ0JzOY7DOO1jLJMkiuRP8Gb1skBUWRfusEDOFpPX+2++WW1c/p7mgNXHcZjeUtp+T5ACEkR6JhaCa86oFdPsWQfRd3/pMqVqn4nuoR00OO3yF/oa801kjHz21eO1lbWr5qDwCgp8pEaqDQqNekedzZfXr0WuVl8A1Ht66AsWAAA=&quot;"/>
+    <we:property name="initialStateBookmark" value="&quot;H4sIAAAAAAAAA+1YUW/bNhD+K4Fe+mIUlETJUt4cJ8WGNm0QFwWGwSiO5NlWS0sGRXnxDP/3niilsZM4bp10Nrb5xdIddffdx+NHiUtPZeVMw+I9TNE79c6K4usUzNcT3+t4eWv78OHtZe/67ef3vcsLMhczmxV56Z0uPQtmjPZTVlag6whk/HPY8UDrKxjXdyPQJXa8GZqyyEFnf2MzmFzWVLjqeHgz04WBOuTAgsU67JyG0z3l9l+HlBGkzeY4QGkbKzBAiLuBkEJgFGPI/IiGlc0Ah+zRIWQfZdpS9PpSLC5uZoYQL28rlSyRSkmGIYooiQLJWJ3eLma1t0/oxoXJJGjP4TZYNjCXXr/Q1dRdXWzYB0VlJF7jyLlym9kFRTrPpv0J5Dlqb0UUXJmCCHKeQSXWPZPir75Byqu802g1JMvc0dcvcgtZ3haSRiiACyElU1RqwJVMa3uZ5WPdEu5odVcfm2rKCdA/zab4QrTVcVZ1Rl+oWIYqCbssChkGKWPRzlgWb6wobh6JlvAo5BREogr8kLEUcfsstDz31BxyeuCZJL9RYOE+v38gmAfMMsfs02zpTKLZKNCbIjV/feES1QXMmkQZNv5COTe6+pbeu4xqbmJ/Al3VYV+dQZnJV4SIfsMaV9PqhPjLWjO74aVL8XIcDN0MIR8loYh5QE0f+SH4Usn9Z+gSoawM/ii8z+348j7Ej4UFfTIA3bo2Z6uzG8hvGVFt5GTxDueoH+L57v95JtcedVSe3Blqd5twW6fdYX9KTg4P/5IUZrLPStEkSyRhxm6qAd0YheZs4froPDO3Yh507hXwa3poNdyyttppaHAdnveNxSlSBiII/KDLGSSIIg74TjHOprT1PpRiIYJuJERMISPJIWWKqX1jJZJHPO0qmQipkgSTINo7VgwKFYtSkh4fYxQqCtjeuEYIoZQB6wou0yQN0Oc7xewfXYe089MmoSppHzTFVWPvayjLLc2xPuR4tOVFanLvn3tJ/dHsOb3x2OAYbHt78dLvLi1Tv587x5sqbxU03EOlBZj/RfqXLMpGuSXvjjjjI+FLjojAuiw4OiVa/9JYL7q1b6l32/fJIfVnv0qe+Ng6IuXZuZalk5ZnLefjmZO7pw4nBs9F3khAl3EViFHkR0kXIxHHYSj+BV9WLwtEFlVuDwukNx+/3n/xTStts2t6Bow6js30ltLmPEFwiBHpnZjzQAWMWjFJn7UR/fRJly5k8050D22/xmkW/6HTmB8iY+iyrx6vrahsOQOJV5DjIzVSbZArVDvqdIeynktCtGZC7yKmPqr9zspq9Q1jq/AQNRYAAA==&quot;"/>
     <we:property name="isFiltersActionButtonVisible" value="true"/>
     <we:property name="isVisualContainerHeaderHidden" value="false"/>
-    <we:property name="reportEmbeddedTime" value="&quot;2024-12-18T22:45:02.034Z&quot;"/>
+    <we:property name="reportEmbeddedTime" value="&quot;2024-12-20T09:07:50.156Z&quot;"/>
     <we:property name="creatorTenantId" value="&quot;0656307e-3ae2-447b-8f4c-0a286915f5c0&quot;"/>
     <we:property name="creatorUserId" value="&quot;10032001F19B8BF9&quot;"/>
-    <we:property name="creatorSessionId" value="&quot;ba25a36a-a8ed-4dc6-ad3e-9db75bddd406&quot;"/>
+    <we:property name="creatorSessionId" value="&quot;29cab71c-3f4a-41c6-9b73-e30080c46be5&quot;"/>
     <we:property name="artifactViewState" value="&quot;live&quot;"/>
   </we:properties>
   <we:bindings/>
